--- a/06_MiscTools/06_MiscTools.pptx
+++ b/06_MiscTools/06_MiscTools.pptx
@@ -1149,6 +1149,127 @@
           </a:bodyPr>
           <a:lstStyle/>
           <a:p>
+            <a:r>
+              <a:rPr lang="en-US" dirty="0" err="1" smtClean="0"/>
+              <a:t>sceneMsgCmd</a:t>
+            </a:r>
+            <a:r>
+              <a:rPr lang="en-US" dirty="0" smtClean="0"/>
+              <a:t>: checked three </a:t>
+            </a:r>
+            <a:r>
+              <a:rPr lang="en-US" dirty="0" err="1" smtClean="0"/>
+              <a:t>msgs</a:t>
+            </a:r>
+            <a:r>
+              <a:rPr lang="en-US" dirty="0" smtClean="0"/>
+              <a:t>:</a:t>
+            </a:r>
+          </a:p>
+          <a:p>
+            <a:endParaRPr lang="en-US" dirty="0" smtClean="0"/>
+          </a:p>
+          <a:p>
+            <a:r>
+              <a:rPr lang="en-US" dirty="0" err="1" smtClean="0"/>
+              <a:t>MSceneMessage</a:t>
+            </a:r>
+            <a:r>
+              <a:rPr lang="en-US" dirty="0" smtClean="0"/>
+              <a:t>::</a:t>
+            </a:r>
+            <a:r>
+              <a:rPr lang="en-US" dirty="0" err="1" smtClean="0"/>
+              <a:t>kBeforeOpen</a:t>
+            </a:r>
+            <a:endParaRPr lang="en-US" dirty="0" smtClean="0"/>
+          </a:p>
+          <a:p>
+            <a:r>
+              <a:rPr lang="en-US" dirty="0" err="1" smtClean="0"/>
+              <a:t>MSceneMessage</a:t>
+            </a:r>
+            <a:r>
+              <a:rPr lang="en-US" dirty="0" smtClean="0"/>
+              <a:t>::</a:t>
+            </a:r>
+            <a:r>
+              <a:rPr lang="en-US" dirty="0" err="1" smtClean="0"/>
+              <a:t>kAfterNew</a:t>
+            </a:r>
+            <a:endParaRPr lang="en-US" dirty="0" smtClean="0"/>
+          </a:p>
+          <a:p>
+            <a:r>
+              <a:rPr lang="en-US" dirty="0" err="1" smtClean="0"/>
+              <a:t>MSceneMessage</a:t>
+            </a:r>
+            <a:r>
+              <a:rPr lang="en-US" dirty="0" smtClean="0"/>
+              <a:t>::</a:t>
+            </a:r>
+            <a:r>
+              <a:rPr lang="en-US" dirty="0" err="1" smtClean="0"/>
+              <a:t>kBeforeSaveCheck</a:t>
+            </a:r>
+            <a:endParaRPr lang="en-US" dirty="0" smtClean="0"/>
+          </a:p>
+          <a:p>
+            <a:endParaRPr lang="en-US" dirty="0" smtClean="0"/>
+          </a:p>
+          <a:p>
+            <a:r>
+              <a:rPr lang="en-US" dirty="0" smtClean="0"/>
+              <a:t>Use two </a:t>
+            </a:r>
+            <a:r>
+              <a:rPr lang="en-US" dirty="0" err="1" smtClean="0"/>
+              <a:t>MSceneMessage</a:t>
+            </a:r>
+            <a:r>
+              <a:rPr lang="en-US" dirty="0" smtClean="0"/>
+              <a:t>::</a:t>
+            </a:r>
+            <a:r>
+              <a:rPr lang="en-US" dirty="0" err="1" smtClean="0"/>
+              <a:t>addCallback</a:t>
+            </a:r>
+            <a:r>
+              <a:rPr lang="en-US" dirty="0" smtClean="0"/>
+              <a:t>, </a:t>
+            </a:r>
+            <a:r>
+              <a:rPr lang="en-US" dirty="0" err="1" smtClean="0"/>
+              <a:t>MSceneMessage</a:t>
+            </a:r>
+            <a:r>
+              <a:rPr lang="en-US" dirty="0" smtClean="0"/>
+              <a:t>::</a:t>
+            </a:r>
+            <a:r>
+              <a:rPr lang="en-US" dirty="0" err="1" smtClean="0"/>
+              <a:t>addCheckCallback</a:t>
+            </a:r>
+            <a:endParaRPr lang="en-US" dirty="0" smtClean="0"/>
+          </a:p>
+          <a:p>
+            <a:endParaRPr lang="en-US" dirty="0" smtClean="0"/>
+          </a:p>
+          <a:p>
+            <a:r>
+              <a:rPr lang="en-US" dirty="0" smtClean="0"/>
+              <a:t>Where callback for </a:t>
+            </a:r>
+            <a:r>
+              <a:rPr lang="en-US" dirty="0" err="1" smtClean="0"/>
+              <a:t>kBeforeSaveCheck</a:t>
+            </a:r>
+            <a:r>
+              <a:rPr lang="en-US" dirty="0" smtClean="0"/>
+              <a:t> abort the save operations </a:t>
+            </a:r>
+          </a:p>
+          <a:p>
             <a:endParaRPr lang="en-US" dirty="0"/>
           </a:p>
         </p:txBody>
@@ -1497,6 +1618,37 @@
           </a:bodyPr>
           <a:lstStyle/>
           <a:p>
+            <a:pPr marL="0" marR="0" indent="0" algn="l" defTabSz="914400" rtl="0" eaLnBrk="1" fontAlgn="base" latinLnBrk="0" hangingPunct="1">
+              <a:lnSpc>
+                <a:spcPct val="100000"/>
+              </a:lnSpc>
+              <a:spcBef>
+                <a:spcPct val="30000"/>
+              </a:spcBef>
+              <a:spcAft>
+                <a:spcPct val="0"/>
+              </a:spcAft>
+              <a:buClrTx/>
+              <a:buSzTx/>
+              <a:buFontTx/>
+              <a:buNone/>
+              <a:tabLst/>
+              <a:defRPr/>
+            </a:pPr>
+            <a:r>
+              <a:rPr lang="en-CA" dirty="0" smtClean="0"/>
+              <a:t>Basically anything that can be selected using the 'select' command can be added to an </a:t>
+            </a:r>
+            <a:r>
+              <a:rPr lang="en-CA" dirty="0" err="1" smtClean="0"/>
+              <a:t>objectSet</a:t>
+            </a:r>
+            <a:r>
+              <a:rPr lang="en-CA" dirty="0" smtClean="0"/>
+              <a:t>. </a:t>
+            </a:r>
+          </a:p>
+          <a:p>
             <a:endParaRPr lang="en-US" dirty="0"/>
           </a:p>
         </p:txBody>
@@ -1584,6 +1736,45 @@
           </a:bodyPr>
           <a:lstStyle/>
           <a:p>
+            <a:r>
+              <a:rPr lang="en-CA" dirty="0" smtClean="0"/>
+              <a:t>during the rendering process</a:t>
+            </a:r>
+            <a:r>
+              <a:rPr lang="en-US" dirty="0" smtClean="0"/>
+              <a:t>, </a:t>
+            </a:r>
+            <a:r>
+              <a:rPr lang="en-CA" dirty="0" smtClean="0"/>
+              <a:t>renderer just walk around and work with these different groups</a:t>
+            </a:r>
+          </a:p>
+          <a:p>
+            <a:endParaRPr lang="en-CA" dirty="0" smtClean="0"/>
+          </a:p>
+          <a:p>
+            <a:r>
+              <a:rPr lang="en-CA" dirty="0" smtClean="0"/>
+              <a:t>Those input attribute values have already pre-computed per sample, if you need its value, you just request it from the </a:t>
+            </a:r>
+            <a:r>
+              <a:rPr lang="en-CA" dirty="0" err="1" smtClean="0"/>
+              <a:t>datablock</a:t>
+            </a:r>
+            <a:r>
+              <a:rPr lang="en-CA" dirty="0" smtClean="0"/>
+              <a:t>.</a:t>
+            </a:r>
+            <a:endParaRPr lang="en-US" sz="1200" kern="1200" dirty="0" smtClean="0">
+              <a:solidFill>
+                <a:schemeClr val="tx1"/>
+              </a:solidFill>
+              <a:latin typeface="Arial" charset="0"/>
+              <a:ea typeface="+mn-ea"/>
+              <a:cs typeface="+mn-cs"/>
+            </a:endParaRPr>
+          </a:p>
+          <a:p>
             <a:endParaRPr lang="en-US" dirty="0"/>
           </a:p>
         </p:txBody>
@@ -1851,6 +2042,27 @@
           </a:bodyPr>
           <a:lstStyle/>
           <a:p>
+            <a:r>
+              <a:rPr lang="en-US" dirty="0" smtClean="0"/>
+              <a:t>Easy to learn and you can use them right away</a:t>
+            </a:r>
+          </a:p>
+          <a:p>
+            <a:endParaRPr lang="en-US" dirty="0" smtClean="0"/>
+          </a:p>
+          <a:p>
+            <a:r>
+              <a:rPr lang="en-US" dirty="0" smtClean="0"/>
+              <a:t>This session is a “quick start” to write some tools that may be useful</a:t>
+            </a:r>
+          </a:p>
+          <a:p>
+            <a:r>
+              <a:rPr lang="en-US" dirty="0" smtClean="0"/>
+              <a:t>We are not going to show full versions of code here, but just to give you an idea if you want to implement any of these, what functions you should be using.</a:t>
+            </a:r>
+          </a:p>
+          <a:p>
             <a:endParaRPr lang="en-US" dirty="0"/>
           </a:p>
         </p:txBody>
@@ -2239,6 +2451,27 @@
           </a:bodyPr>
           <a:lstStyle/>
           <a:p>
+            <a:r>
+              <a:rPr lang="en-US" dirty="0" smtClean="0"/>
+              <a:t>This section is just a brief overview of this class, just to let you aware what functions you need to implement, but wont’ go into details… Because writing a completely working translator is whole lot more code than we can cover today.. Just show your skeleton…./ structure</a:t>
+            </a:r>
+          </a:p>
+          <a:p>
+            <a:endParaRPr lang="en-US" dirty="0" smtClean="0"/>
+          </a:p>
+          <a:p>
+            <a:r>
+              <a:rPr lang="en-US" dirty="0" smtClean="0"/>
+              <a:t>You need to sit with your animators to talk about what they want to export, otherwise you will end up wasting a lot of time doing a lot of work with them unhappy (grumpy) at what they got when using your translator.</a:t>
+            </a:r>
+          </a:p>
+          <a:p>
+            <a:r>
+              <a:rPr lang="en-US" dirty="0" smtClean="0"/>
+              <a:t>It will cause a lot of frustrations between you and your artists.</a:t>
+            </a:r>
+          </a:p>
+          <a:p>
             <a:endParaRPr lang="en-US" dirty="0"/>
           </a:p>
         </p:txBody>
@@ -3233,6 +3466,29 @@
           </a:bodyPr>
           <a:lstStyle/>
           <a:p>
+            <a:pPr marL="0" marR="0" indent="0" algn="l" defTabSz="914400" rtl="0" eaLnBrk="1" fontAlgn="base" latinLnBrk="0" hangingPunct="1">
+              <a:lnSpc>
+                <a:spcPct val="100000"/>
+              </a:lnSpc>
+              <a:spcBef>
+                <a:spcPct val="30000"/>
+              </a:spcBef>
+              <a:spcAft>
+                <a:spcPct val="0"/>
+              </a:spcAft>
+              <a:buClrTx/>
+              <a:buSzTx/>
+              <a:buFontTx/>
+              <a:buNone/>
+              <a:tabLst/>
+              <a:defRPr/>
+            </a:pPr>
+            <a:r>
+              <a:rPr lang="en-US" dirty="0" smtClean="0"/>
+              <a:t>DAG Modifier works the same way</a:t>
+            </a:r>
+          </a:p>
+          <a:p>
             <a:endParaRPr lang="en-US" dirty="0"/>
           </a:p>
         </p:txBody>
@@ -3593,7 +3849,27 @@
           <a:bodyPr/>
           <a:lstStyle/>
           <a:p>
-            <a:endParaRPr lang="en-US" dirty="0" smtClean="0"/>
+            <a:pPr marL="0" marR="0" indent="0" algn="l" defTabSz="914400" rtl="0" eaLnBrk="1" fontAlgn="base" latinLnBrk="0" hangingPunct="1">
+              <a:lnSpc>
+                <a:spcPct val="100000"/>
+              </a:lnSpc>
+              <a:spcBef>
+                <a:spcPct val="30000"/>
+              </a:spcBef>
+              <a:spcAft>
+                <a:spcPct val="0"/>
+              </a:spcAft>
+              <a:buClrTx/>
+              <a:buSzTx/>
+              <a:buFontTx/>
+              <a:buNone/>
+              <a:tabLst/>
+              <a:defRPr/>
+            </a:pPr>
+            <a:r>
+              <a:rPr lang="en-US" dirty="0" smtClean="0"/>
+              <a:t>All callbacks that are registered by a plug-in must be removed by that plug-in when it is unloaded. Failure to do so will result in a fatal error. </a:t>
+            </a:r>
           </a:p>
         </p:txBody>
       </p:sp>
@@ -3814,7 +4090,7 @@
           <p:nvPr userDrawn="1"/>
         </p:nvPicPr>
         <p:blipFill>
-          <a:blip r:embed="rId2"/>
+          <a:blip r:embed="rId2" cstate="print"/>
           <a:srcRect/>
           <a:stretch>
             <a:fillRect/>
@@ -5578,7 +5854,7 @@
           <p:nvPr userDrawn="1"/>
         </p:nvPicPr>
         <p:blipFill>
-          <a:blip r:embed="rId13"/>
+          <a:blip r:embed="rId13" cstate="print"/>
           <a:srcRect/>
           <a:stretch>
             <a:fillRect/>
@@ -6069,7 +6345,7 @@
           <p:nvPr/>
         </p:nvPicPr>
         <p:blipFill>
-          <a:blip r:embed="rId3"/>
+          <a:blip r:embed="rId3" cstate="print"/>
           <a:srcRect/>
           <a:stretch>
             <a:fillRect/>
@@ -6163,30 +6439,33 @@
           <a:p>
             <a:pPr eaLnBrk="0" hangingPunct="0"/>
             <a:r>
-              <a:rPr lang="en-US" sz="2000" dirty="0" smtClean="0">
+              <a:rPr lang="en-US" sz="2000" b="1" i="1" dirty="0" smtClean="0">
                 <a:solidFill>
                   <a:schemeClr val="bg1"/>
                 </a:solidFill>
               </a:rPr>
-              <a:t>Naiqi Weng</a:t>
-            </a:r>
-            <a:endParaRPr lang="en-US" sz="2000" b="1" dirty="0">
-              <a:solidFill>
-                <a:schemeClr val="bg1"/>
-              </a:solidFill>
-            </a:endParaRPr>
+              <a:t>Kristine Middlemiss, </a:t>
+            </a:r>
+            <a:r>
+              <a:rPr lang="en-US" sz="2000" i="1" dirty="0" smtClean="0">
+                <a:solidFill>
+                  <a:schemeClr val="bg1"/>
+                </a:solidFill>
+              </a:rPr>
+              <a:t>Developer Consultant</a:t>
+            </a:r>
           </a:p>
           <a:p>
             <a:pPr eaLnBrk="0" hangingPunct="0"/>
             <a:r>
-              <a:rPr lang="en-US" sz="1600" dirty="0" smtClean="0">
+              <a:rPr lang="en-US" sz="2000" i="1" smtClean="0">
                 <a:solidFill>
                   <a:schemeClr val="bg1"/>
                 </a:solidFill>
               </a:rPr>
-              <a:t>Developer Consultant, Autodesk Developer Network</a:t>
-            </a:r>
-            <a:endParaRPr lang="en-US" dirty="0">
+              <a:t>Autodesk Developer Network (ADN)</a:t>
+            </a:r>
+            <a:endParaRPr lang="en-US" sz="2000" i="1" dirty="0">
               <a:solidFill>
                 <a:schemeClr val="bg1"/>
               </a:solidFill>
@@ -6269,7 +6548,7 @@
           <a:p>
             <a:r>
               <a:rPr lang="en-US" sz="1600" dirty="0" err="1" smtClean="0"/>
-              <a:t>MCallbackId</a:t>
+              <a:t>OpenMaya.MCallbackId</a:t>
             </a:r>
             <a:r>
               <a:rPr lang="en-US" sz="1600" dirty="0" smtClean="0"/>
@@ -6277,15 +6556,7 @@
             </a:r>
             <a:r>
               <a:rPr lang="en-US" sz="1600" dirty="0" err="1" smtClean="0"/>
-              <a:t>MSceneMessage</a:t>
-            </a:r>
-            <a:r>
-              <a:rPr lang="en-US" sz="1600" dirty="0" smtClean="0"/>
-              <a:t>::</a:t>
-            </a:r>
-            <a:r>
-              <a:rPr lang="en-US" sz="1600" dirty="0" err="1" smtClean="0"/>
-              <a:t>addCheckCallback</a:t>
+              <a:t>OpenMaya.MSceneMessage.addCheckCallback</a:t>
             </a:r>
             <a:r>
               <a:rPr lang="en-US" sz="1600" dirty="0" smtClean="0"/>
@@ -6293,15 +6564,7 @@
             </a:r>
             <a:r>
               <a:rPr lang="en-US" sz="1600" dirty="0" err="1" smtClean="0"/>
-              <a:t>MSceneMessage</a:t>
-            </a:r>
-            <a:r>
-              <a:rPr lang="en-US" sz="1600" dirty="0" smtClean="0"/>
-              <a:t>::Message  </a:t>
-            </a:r>
-            <a:r>
-              <a:rPr lang="en-US" sz="1600" dirty="0" err="1" smtClean="0"/>
-              <a:t>msg</a:t>
+              <a:t>OpenMaya.MSceneMessage</a:t>
             </a:r>
             <a:r>
               <a:rPr lang="en-US" sz="1600" dirty="0" smtClean="0"/>
@@ -6309,27 +6572,11 @@
             </a:r>
             <a:r>
               <a:rPr lang="en-US" sz="1600" dirty="0" err="1" smtClean="0"/>
-              <a:t>MMessage</a:t>
+              <a:t>MMessage_MCheckFunction</a:t>
             </a:r>
             <a:r>
               <a:rPr lang="en-US" sz="1600" dirty="0" smtClean="0"/>
-              <a:t>::</a:t>
-            </a:r>
-            <a:r>
-              <a:rPr lang="en-US" sz="1600" dirty="0" err="1" smtClean="0"/>
-              <a:t>MCheckFunction</a:t>
-            </a:r>
-            <a:r>
-              <a:rPr lang="en-US" sz="1600" dirty="0" smtClean="0"/>
-              <a:t>  </a:t>
-            </a:r>
-            <a:r>
-              <a:rPr lang="en-US" sz="1600" dirty="0" err="1" smtClean="0"/>
-              <a:t>func</a:t>
-            </a:r>
-            <a:r>
-              <a:rPr lang="en-US" sz="1600" dirty="0" smtClean="0"/>
-              <a:t>, void *  </a:t>
+              <a:t>, </a:t>
             </a:r>
             <a:r>
               <a:rPr lang="en-US" sz="1600" dirty="0" err="1" smtClean="0"/>
@@ -6337,23 +6584,7 @@
             </a:r>
             <a:r>
               <a:rPr lang="en-US" sz="1600" dirty="0" smtClean="0"/>
-              <a:t> = NULL, </a:t>
-            </a:r>
-            <a:r>
-              <a:rPr lang="en-US" sz="1600" dirty="0" err="1" smtClean="0"/>
-              <a:t>MStatus</a:t>
-            </a:r>
-            <a:r>
-              <a:rPr lang="en-US" sz="1600" dirty="0" smtClean="0"/>
-              <a:t> *  </a:t>
-            </a:r>
-            <a:r>
-              <a:rPr lang="en-US" sz="1600" dirty="0" err="1" smtClean="0"/>
-              <a:t>ReturnStatus</a:t>
-            </a:r>
-            <a:r>
-              <a:rPr lang="en-US" sz="1600" dirty="0" smtClean="0"/>
-              <a:t> = NULL   )</a:t>
+              <a:t> )</a:t>
             </a:r>
           </a:p>
           <a:p>
@@ -6381,8 +6612,41 @@
             </a:r>
             <a:r>
               <a:rPr lang="en-US" sz="1800" dirty="0" smtClean="0"/>
-              <a:t>:  Result of the function. Provide programmer with options to abort current operations by return false through this variable.</a:t>
-            </a:r>
+              <a:t>:  Result of the function. Provide programmer with options to abort current operations by return false through this variable. </a:t>
+            </a:r>
+          </a:p>
+          <a:p>
+            <a:r>
+              <a:rPr lang="en-US" sz="1800" dirty="0" smtClean="0"/>
+              <a:t>In Python use </a:t>
+            </a:r>
+            <a:r>
+              <a:rPr lang="en-US" sz="1800" dirty="0" err="1" smtClean="0"/>
+              <a:t>OpenMaya.MScriptUtil.setBool</a:t>
+            </a:r>
+            <a:r>
+              <a:rPr lang="en-US" sz="1800" dirty="0" smtClean="0"/>
+              <a:t>(</a:t>
+            </a:r>
+            <a:r>
+              <a:rPr lang="en-US" sz="1800" dirty="0" err="1" smtClean="0"/>
+              <a:t>retCode</a:t>
+            </a:r>
+            <a:r>
+              <a:rPr lang="en-US" sz="1800" dirty="0" smtClean="0"/>
+              <a:t>, True) since python can’t handle pointer or reference.</a:t>
+            </a:r>
+            <a:br>
+              <a:rPr lang="en-US" sz="1800" dirty="0" smtClean="0"/>
+            </a:br>
+            <a:r>
+              <a:rPr lang="en-US" sz="1800" dirty="0" smtClean="0"/>
+              <a:t/>
+            </a:r>
+            <a:br>
+              <a:rPr lang="en-US" sz="1800" dirty="0" smtClean="0"/>
+            </a:br>
+            <a:endParaRPr lang="en-US" sz="1800" dirty="0" smtClean="0"/>
           </a:p>
           <a:p>
             <a:endParaRPr lang="en-US" sz="1800" dirty="0"/>
@@ -6399,7 +6663,7 @@
         </p:nvSpPr>
         <p:spPr bwMode="auto">
           <a:xfrm>
-            <a:off x="3124200" y="1279525"/>
+            <a:off x="5181600" y="1277710"/>
             <a:ext cx="1828800" cy="398691"/>
           </a:xfrm>
           <a:prstGeom prst="roundRect">
@@ -6472,7 +6736,7 @@
         <p:spPr>
           <a:xfrm>
             <a:off x="4572000" y="2514601"/>
-            <a:ext cx="3505200" cy="338554"/>
+            <a:ext cx="4419600" cy="338554"/>
           </a:xfrm>
           <a:prstGeom prst="rect">
             <a:avLst/>
@@ -6492,25 +6756,7 @@
                 </a:solidFill>
                 <a:latin typeface="Calibri" pitchFamily="34" charset="0"/>
               </a:rPr>
-              <a:t>MSceneMessage</a:t>
-            </a:r>
-            <a:r>
-              <a:rPr lang="en-CA" sz="1600" dirty="0" smtClean="0">
-                <a:solidFill>
-                  <a:srgbClr val="FFFF00"/>
-                </a:solidFill>
-                <a:latin typeface="Calibri" pitchFamily="34" charset="0"/>
-              </a:rPr>
-              <a:t>::</a:t>
-            </a:r>
-            <a:r>
-              <a:rPr lang="en-CA" sz="1600" dirty="0" err="1" smtClean="0">
-                <a:solidFill>
-                  <a:srgbClr val="FFFF00"/>
-                </a:solidFill>
-                <a:latin typeface="Calibri" pitchFamily="34" charset="0"/>
-              </a:rPr>
-              <a:t>kBeforeOpenCheck</a:t>
+              <a:t>OpenMaya.MSceneMessage.kBeforeOpenCheck</a:t>
             </a:r>
             <a:r>
               <a:rPr lang="en-CA" sz="1600" dirty="0" smtClean="0">
@@ -6583,13 +6829,22 @@
           <a:lstStyle/>
           <a:p>
             <a:r>
+              <a:rPr lang="en-CA" sz="1600" dirty="0" smtClean="0">
+                <a:solidFill>
+                  <a:srgbClr val="FFFF00"/>
+                </a:solidFill>
+                <a:latin typeface="Calibri" pitchFamily="34" charset="0"/>
+              </a:rPr>
+              <a:t>def </a:t>
+            </a:r>
+            <a:r>
               <a:rPr lang="en-CA" sz="1600" dirty="0" err="1" smtClean="0">
                 <a:solidFill>
                   <a:srgbClr val="FFFF00"/>
                 </a:solidFill>
                 <a:latin typeface="Calibri" pitchFamily="34" charset="0"/>
               </a:rPr>
-              <a:t>typedef</a:t>
+              <a:t>MMessage_MCheckFunction</a:t>
             </a:r>
             <a:r>
               <a:rPr lang="en-CA" sz="1600" dirty="0" smtClean="0">
@@ -6598,7 +6853,7 @@
                 </a:solidFill>
                 <a:latin typeface="Calibri" pitchFamily="34" charset="0"/>
               </a:rPr>
-              <a:t> void(* </a:t>
+              <a:t> (</a:t>
             </a:r>
             <a:r>
               <a:rPr lang="en-CA" sz="1600" dirty="0" err="1" smtClean="0">
@@ -6607,7 +6862,7 @@
                 </a:solidFill>
                 <a:latin typeface="Calibri" pitchFamily="34" charset="0"/>
               </a:rPr>
-              <a:t>MMessage</a:t>
+              <a:t>retCode</a:t>
             </a:r>
             <a:r>
               <a:rPr lang="en-CA" sz="1600" dirty="0" smtClean="0">
@@ -6616,61 +6871,7 @@
                 </a:solidFill>
                 <a:latin typeface="Calibri" pitchFamily="34" charset="0"/>
               </a:rPr>
-              <a:t>::</a:t>
-            </a:r>
-            <a:r>
-              <a:rPr lang="en-CA" sz="1600" dirty="0" err="1" smtClean="0">
-                <a:solidFill>
-                  <a:srgbClr val="FFFF00"/>
-                </a:solidFill>
-                <a:latin typeface="Calibri" pitchFamily="34" charset="0"/>
-              </a:rPr>
-              <a:t>MCheckFunction</a:t>
-            </a:r>
-            <a:r>
-              <a:rPr lang="en-CA" sz="1600" dirty="0" smtClean="0">
-                <a:solidFill>
-                  <a:srgbClr val="FFFF00"/>
-                </a:solidFill>
-                <a:latin typeface="Calibri" pitchFamily="34" charset="0"/>
-              </a:rPr>
-              <a:t>)(</a:t>
-            </a:r>
-            <a:r>
-              <a:rPr lang="en-CA" sz="1600" dirty="0" err="1" smtClean="0">
-                <a:solidFill>
-                  <a:srgbClr val="FFFF00"/>
-                </a:solidFill>
-                <a:latin typeface="Calibri" pitchFamily="34" charset="0"/>
-              </a:rPr>
-              <a:t>bool</a:t>
-            </a:r>
-            <a:r>
-              <a:rPr lang="en-CA" sz="1600" dirty="0" smtClean="0">
-                <a:solidFill>
-                  <a:srgbClr val="FFFF00"/>
-                </a:solidFill>
-                <a:latin typeface="Calibri" pitchFamily="34" charset="0"/>
-              </a:rPr>
-              <a:t> *</a:t>
-            </a:r>
-            <a:r>
-              <a:rPr lang="en-CA" sz="1600" dirty="0" err="1" smtClean="0">
-                <a:solidFill>
-                  <a:srgbClr val="FFFF00"/>
-                </a:solidFill>
-                <a:latin typeface="Calibri" pitchFamily="34" charset="0"/>
-              </a:rPr>
-              <a:t>retCode</a:t>
-            </a:r>
-            <a:r>
-              <a:rPr lang="en-CA" sz="1600" dirty="0" smtClean="0">
-                <a:solidFill>
-                  <a:srgbClr val="FFFF00"/>
-                </a:solidFill>
-                <a:latin typeface="Calibri" pitchFamily="34" charset="0"/>
-              </a:rPr>
-              <a:t>, void *</a:t>
+              <a:t>, </a:t>
             </a:r>
             <a:r>
               <a:rPr lang="en-CA" sz="1600" dirty="0" err="1" smtClean="0">
@@ -6704,8 +6905,8 @@
         </p:nvSpPr>
         <p:spPr bwMode="auto">
           <a:xfrm>
-            <a:off x="4343400" y="3292663"/>
-            <a:ext cx="1295400" cy="398691"/>
+            <a:off x="3429000" y="3292663"/>
+            <a:ext cx="838200" cy="398691"/>
           </a:xfrm>
           <a:prstGeom prst="roundRect">
             <a:avLst>
@@ -7068,6 +7269,49 @@
                                   </p:childTnLst>
                                 </p:cTn>
                               </p:par>
+                              <p:par>
+                                <p:cTn id="32" presetID="3" presetClass="entr" presetSubtype="10" fill="hold" nodeType="withEffect">
+                                  <p:stCondLst>
+                                    <p:cond delay="0"/>
+                                  </p:stCondLst>
+                                  <p:childTnLst>
+                                    <p:set>
+                                      <p:cBhvr>
+                                        <p:cTn id="33" dur="1" fill="hold">
+                                          <p:stCondLst>
+                                            <p:cond delay="0"/>
+                                          </p:stCondLst>
+                                        </p:cTn>
+                                        <p:tgtEl>
+                                          <p:spTgt spid="3">
+                                            <p:txEl>
+                                              <p:pRg st="8" end="8"/>
+                                            </p:txEl>
+                                          </p:spTgt>
+                                        </p:tgtEl>
+                                        <p:attrNameLst>
+                                          <p:attrName>style.visibility</p:attrName>
+                                        </p:attrNameLst>
+                                      </p:cBhvr>
+                                      <p:to>
+                                        <p:strVal val="visible"/>
+                                      </p:to>
+                                    </p:set>
+                                    <p:animEffect transition="in" filter="blinds(horizontal)">
+                                      <p:cBhvr>
+                                        <p:cTn id="34" dur="500"/>
+                                        <p:tgtEl>
+                                          <p:spTgt spid="3">
+                                            <p:txEl>
+                                              <p:pRg st="8" end="8"/>
+                                            </p:txEl>
+                                          </p:spTgt>
+                                        </p:tgtEl>
+                                      </p:cBhvr>
+                                    </p:animEffect>
+                                  </p:childTnLst>
+                                </p:cTn>
+                              </p:par>
                             </p:childTnLst>
                           </p:cTn>
                         </p:par>
@@ -7159,8 +7403,8 @@
         </p:nvSpPr>
         <p:spPr>
           <a:xfrm>
-            <a:off x="319088" y="1416050"/>
-            <a:ext cx="8443912" cy="3473259"/>
+            <a:off x="319088" y="1455018"/>
+            <a:ext cx="8824912" cy="2111347"/>
           </a:xfrm>
           <a:prstGeom prst="rect">
             <a:avLst/>
@@ -7180,7 +7424,7 @@
                 </a:solidFill>
                 <a:latin typeface="Calibri" pitchFamily="34" charset="0"/>
               </a:rPr>
-              <a:t>void </a:t>
+              <a:t>def </a:t>
             </a:r>
             <a:r>
               <a:rPr lang="en-CA" sz="1400" dirty="0" err="1" smtClean="0">
@@ -7207,7 +7451,7 @@
                 </a:solidFill>
                 <a:latin typeface="Calibri" pitchFamily="34" charset="0"/>
               </a:rPr>
-              <a:t>bool</a:t>
+              <a:t>retCode</a:t>
             </a:r>
             <a:r>
               <a:rPr lang="en-CA" sz="1400" dirty="0" smtClean="0">
@@ -7216,7 +7460,7 @@
                 </a:solidFill>
                 <a:latin typeface="Calibri" pitchFamily="34" charset="0"/>
               </a:rPr>
-              <a:t>* </a:t>
+              <a:t>, </a:t>
             </a:r>
             <a:r>
               <a:rPr lang="en-CA" sz="1400" dirty="0" err="1" smtClean="0">
@@ -7225,128 +7469,86 @@
                 </a:solidFill>
                 <a:latin typeface="Calibri" pitchFamily="34" charset="0"/>
               </a:rPr>
+              <a:t>clientData</a:t>
+            </a:r>
+            <a:r>
+              <a:rPr lang="en-CA" sz="1400" dirty="0" smtClean="0">
+                <a:solidFill>
+                  <a:srgbClr val="FFFF00"/>
+                </a:solidFill>
+                <a:latin typeface="Calibri" pitchFamily="34" charset="0"/>
+              </a:rPr>
+              <a:t>):</a:t>
+            </a:r>
+          </a:p>
+          <a:p>
+            <a:r>
+              <a:rPr lang="en-CA" sz="1400" dirty="0" smtClean="0">
+                <a:solidFill>
+                  <a:srgbClr val="FFFF00"/>
+                </a:solidFill>
+                <a:latin typeface="Calibri" pitchFamily="34" charset="0"/>
+              </a:rPr>
+              <a:t>    #Do custom operations, for example, check file versions...   </a:t>
+            </a:r>
+          </a:p>
+          <a:p>
+            <a:r>
+              <a:rPr lang="en-CA" sz="1400" dirty="0" smtClean="0">
+                <a:solidFill>
+                  <a:srgbClr val="FFFF00"/>
+                </a:solidFill>
+                <a:latin typeface="Calibri" pitchFamily="34" charset="0"/>
+              </a:rPr>
+              <a:t>    print “Error: file version is not correct, abort opening operations\n”</a:t>
+            </a:r>
+          </a:p>
+          <a:p>
+            <a:r>
+              <a:rPr lang="en-US" sz="1400" dirty="0" smtClean="0">
+                <a:solidFill>
+                  <a:srgbClr val="FFFF00"/>
+                </a:solidFill>
+                <a:latin typeface="Calibri" pitchFamily="34" charset="0"/>
+              </a:rPr>
+              <a:t>    </a:t>
+            </a:r>
+            <a:r>
+              <a:rPr lang="en-US" sz="1400" dirty="0" err="1" smtClean="0">
+                <a:solidFill>
+                  <a:srgbClr val="FFFF00"/>
+                </a:solidFill>
+                <a:latin typeface="Calibri" pitchFamily="34" charset="0"/>
+              </a:rPr>
+              <a:t>OpenMaya.MScriptUtil.setBool</a:t>
+            </a:r>
+            <a:r>
+              <a:rPr lang="en-US" sz="1400" dirty="0" smtClean="0">
+                <a:solidFill>
+                  <a:srgbClr val="FFFF00"/>
+                </a:solidFill>
+                <a:latin typeface="Calibri" pitchFamily="34" charset="0"/>
+              </a:rPr>
+              <a:t>(</a:t>
+            </a:r>
+            <a:r>
+              <a:rPr lang="en-US" sz="1400" dirty="0" err="1" smtClean="0">
+                <a:solidFill>
+                  <a:srgbClr val="FFFF00"/>
+                </a:solidFill>
+                <a:latin typeface="Calibri" pitchFamily="34" charset="0"/>
+              </a:rPr>
               <a:t>retCode</a:t>
             </a:r>
             <a:r>
-              <a:rPr lang="en-CA" sz="1400" dirty="0" smtClean="0">
-                <a:solidFill>
-                  <a:srgbClr val="FFFF00"/>
-                </a:solidFill>
-                <a:latin typeface="Calibri" pitchFamily="34" charset="0"/>
-              </a:rPr>
-              <a:t>, void* </a:t>
-            </a:r>
-            <a:r>
-              <a:rPr lang="en-CA" sz="1400" dirty="0" err="1" smtClean="0">
-                <a:solidFill>
-                  <a:srgbClr val="FFFF00"/>
-                </a:solidFill>
-                <a:latin typeface="Calibri" pitchFamily="34" charset="0"/>
-              </a:rPr>
-              <a:t>clientData</a:t>
-            </a:r>
-            <a:r>
-              <a:rPr lang="en-CA" sz="1400" dirty="0" smtClean="0">
-                <a:solidFill>
-                  <a:srgbClr val="FFFF00"/>
-                </a:solidFill>
-                <a:latin typeface="Calibri" pitchFamily="34" charset="0"/>
-              </a:rPr>
-              <a:t>)</a:t>
-            </a:r>
-          </a:p>
-          <a:p>
-            <a:r>
-              <a:rPr lang="en-CA" sz="1400" dirty="0" smtClean="0">
-                <a:solidFill>
-                  <a:srgbClr val="FFFF00"/>
-                </a:solidFill>
-                <a:latin typeface="Calibri" pitchFamily="34" charset="0"/>
-              </a:rPr>
-              <a:t>{</a:t>
-            </a:r>
-          </a:p>
-          <a:p>
-            <a:r>
-              <a:rPr lang="en-CA" sz="1400" dirty="0" smtClean="0">
-                <a:solidFill>
-                  <a:srgbClr val="FFFF00"/>
-                </a:solidFill>
-                <a:latin typeface="Calibri" pitchFamily="34" charset="0"/>
-              </a:rPr>
-              <a:t>    //Do custom operations, for example, check file versions...   </a:t>
-            </a:r>
-          </a:p>
-          <a:p>
-            <a:r>
-              <a:rPr lang="en-CA" sz="1400" dirty="0" smtClean="0">
-                <a:solidFill>
-                  <a:srgbClr val="FFFF00"/>
-                </a:solidFill>
-                <a:latin typeface="Calibri" pitchFamily="34" charset="0"/>
-              </a:rPr>
-              <a:t>    </a:t>
-            </a:r>
-            <a:r>
-              <a:rPr lang="en-CA" sz="1400" dirty="0" err="1" smtClean="0">
-                <a:solidFill>
-                  <a:srgbClr val="FFFF00"/>
-                </a:solidFill>
-                <a:latin typeface="Calibri" pitchFamily="34" charset="0"/>
-              </a:rPr>
-              <a:t>cout</a:t>
-            </a:r>
-            <a:r>
-              <a:rPr lang="en-CA" sz="1400" dirty="0" smtClean="0">
-                <a:solidFill>
-                  <a:srgbClr val="FFFF00"/>
-                </a:solidFill>
-                <a:latin typeface="Calibri" pitchFamily="34" charset="0"/>
-              </a:rPr>
-              <a:t> &lt;&lt; “Error: file version is not correct, abort opening operations\n”;</a:t>
-            </a:r>
-          </a:p>
-          <a:p>
-            <a:r>
-              <a:rPr lang="en-CA" sz="1400" dirty="0" smtClean="0">
-                <a:solidFill>
-                  <a:srgbClr val="FFFF00"/>
-                </a:solidFill>
-                <a:latin typeface="Calibri" pitchFamily="34" charset="0"/>
-              </a:rPr>
-              <a:t>    * </a:t>
-            </a:r>
-            <a:r>
-              <a:rPr lang="en-CA" sz="1400" dirty="0" err="1" smtClean="0">
-                <a:solidFill>
-                  <a:srgbClr val="FFFF00"/>
-                </a:solidFill>
-                <a:latin typeface="Calibri" pitchFamily="34" charset="0"/>
-              </a:rPr>
-              <a:t>retCode</a:t>
-            </a:r>
-            <a:r>
-              <a:rPr lang="en-CA" sz="1400" dirty="0" smtClean="0">
-                <a:solidFill>
-                  <a:srgbClr val="FFFF00"/>
-                </a:solidFill>
-                <a:latin typeface="Calibri" pitchFamily="34" charset="0"/>
-              </a:rPr>
-              <a:t> =  false;</a:t>
-            </a:r>
-          </a:p>
-          <a:p>
-            <a:r>
-              <a:rPr lang="en-CA" sz="1400" dirty="0" smtClean="0">
-                <a:solidFill>
-                  <a:srgbClr val="FFFF00"/>
-                </a:solidFill>
-                <a:latin typeface="Calibri" pitchFamily="34" charset="0"/>
-              </a:rPr>
-              <a:t>}</a:t>
-            </a:r>
-          </a:p>
-          <a:p>
+              <a:rPr lang="en-US" sz="1400" dirty="0" smtClean="0">
+                <a:solidFill>
+                  <a:srgbClr val="FFFF00"/>
+                </a:solidFill>
+                <a:latin typeface="Calibri" pitchFamily="34" charset="0"/>
+              </a:rPr>
+              <a:t>, False)</a:t>
+            </a:r>
             <a:endParaRPr lang="en-CA" sz="1400" dirty="0" smtClean="0">
               <a:solidFill>
                 <a:srgbClr val="FFFF00"/>
@@ -7355,179 +7557,106 @@
             </a:endParaRPr>
           </a:p>
           <a:p>
-            <a:r>
-              <a:rPr lang="en-CA" sz="1400" dirty="0" smtClean="0">
-                <a:solidFill>
-                  <a:srgbClr val="FFFF00"/>
-                </a:solidFill>
-                <a:latin typeface="Calibri" pitchFamily="34" charset="0"/>
-              </a:rPr>
-              <a:t>void </a:t>
-            </a:r>
-            <a:r>
-              <a:rPr lang="en-CA" sz="1400" dirty="0" err="1" smtClean="0">
-                <a:solidFill>
-                  <a:srgbClr val="FFFF00"/>
-                </a:solidFill>
-                <a:latin typeface="Calibri" pitchFamily="34" charset="0"/>
-              </a:rPr>
-              <a:t>MyCmd</a:t>
-            </a:r>
-            <a:r>
-              <a:rPr lang="en-CA" sz="1400" dirty="0" smtClean="0">
-                <a:solidFill>
-                  <a:srgbClr val="FFFF00"/>
-                </a:solidFill>
-                <a:latin typeface="Calibri" pitchFamily="34" charset="0"/>
-              </a:rPr>
-              <a:t>::</a:t>
-            </a:r>
-            <a:r>
-              <a:rPr lang="en-CA" sz="1400" dirty="0" err="1" smtClean="0">
-                <a:solidFill>
-                  <a:srgbClr val="FFFF00"/>
-                </a:solidFill>
-                <a:latin typeface="Calibri" pitchFamily="34" charset="0"/>
-              </a:rPr>
-              <a:t>addCallback</a:t>
-            </a:r>
-            <a:r>
-              <a:rPr lang="en-CA" sz="1400" dirty="0" smtClean="0">
-                <a:solidFill>
-                  <a:srgbClr val="FFFF00"/>
-                </a:solidFill>
-                <a:latin typeface="Calibri" pitchFamily="34" charset="0"/>
-              </a:rPr>
-              <a:t>()</a:t>
-            </a:r>
-          </a:p>
-          <a:p>
-            <a:r>
-              <a:rPr lang="en-CA" sz="1400" dirty="0" smtClean="0">
-                <a:solidFill>
-                  <a:srgbClr val="FFFF00"/>
-                </a:solidFill>
-                <a:latin typeface="Calibri" pitchFamily="34" charset="0"/>
-              </a:rPr>
-              <a:t>{</a:t>
-            </a:r>
-          </a:p>
-          <a:p>
-            <a:r>
-              <a:rPr lang="en-CA" sz="1400" dirty="0" smtClean="0">
-                <a:solidFill>
-                  <a:srgbClr val="FFFF00"/>
-                </a:solidFill>
-                <a:latin typeface="Calibri" pitchFamily="34" charset="0"/>
-              </a:rPr>
-              <a:t>      </a:t>
-            </a:r>
-            <a:r>
-              <a:rPr lang="en-CA" sz="1400" dirty="0" err="1" smtClean="0">
-                <a:solidFill>
-                  <a:srgbClr val="FFFF00"/>
-                </a:solidFill>
-                <a:latin typeface="Calibri" pitchFamily="34" charset="0"/>
-              </a:rPr>
-              <a:t>MSceneMessage</a:t>
-            </a:r>
-            <a:r>
-              <a:rPr lang="en-CA" sz="1400" dirty="0" smtClean="0">
-                <a:solidFill>
-                  <a:srgbClr val="FFFF00"/>
-                </a:solidFill>
-                <a:latin typeface="Calibri" pitchFamily="34" charset="0"/>
-              </a:rPr>
-              <a:t>::</a:t>
-            </a:r>
-            <a:r>
-              <a:rPr lang="en-CA" sz="1400" dirty="0" err="1" smtClean="0">
-                <a:solidFill>
-                  <a:srgbClr val="FFFF00"/>
-                </a:solidFill>
-                <a:latin typeface="Calibri" pitchFamily="34" charset="0"/>
-              </a:rPr>
-              <a:t>addCheckCallback</a:t>
-            </a:r>
-            <a:r>
-              <a:rPr lang="en-CA" sz="1400" dirty="0" smtClean="0">
-                <a:solidFill>
-                  <a:srgbClr val="FFFF00"/>
-                </a:solidFill>
-                <a:latin typeface="Calibri" pitchFamily="34" charset="0"/>
-              </a:rPr>
-              <a:t>(</a:t>
-            </a:r>
-            <a:r>
-              <a:rPr lang="en-CA" sz="1400" dirty="0" err="1" smtClean="0">
-                <a:solidFill>
-                  <a:srgbClr val="FFFF00"/>
-                </a:solidFill>
-                <a:latin typeface="Calibri" pitchFamily="34" charset="0"/>
-              </a:rPr>
-              <a:t>MSceneMessage</a:t>
-            </a:r>
-            <a:r>
-              <a:rPr lang="en-CA" sz="1400" dirty="0" smtClean="0">
-                <a:solidFill>
-                  <a:srgbClr val="FFFF00"/>
-                </a:solidFill>
-                <a:latin typeface="Calibri" pitchFamily="34" charset="0"/>
-              </a:rPr>
-              <a:t>::</a:t>
-            </a:r>
-            <a:r>
-              <a:rPr lang="en-CA" sz="1400" dirty="0" err="1" smtClean="0">
-                <a:solidFill>
-                  <a:srgbClr val="FFFF00"/>
-                </a:solidFill>
-                <a:latin typeface="Calibri" pitchFamily="34" charset="0"/>
-              </a:rPr>
-              <a:t>kBeforeOpenCheck</a:t>
-            </a:r>
-            <a:r>
-              <a:rPr lang="en-CA" sz="1400" dirty="0" smtClean="0">
-                <a:solidFill>
-                  <a:srgbClr val="FFFF00"/>
-                </a:solidFill>
-                <a:latin typeface="Calibri" pitchFamily="34" charset="0"/>
-              </a:rPr>
-              <a:t>, &amp;</a:t>
-            </a:r>
-            <a:r>
-              <a:rPr lang="en-CA" sz="1400" dirty="0" err="1" smtClean="0">
-                <a:solidFill>
-                  <a:srgbClr val="FFFF00"/>
-                </a:solidFill>
-                <a:latin typeface="Calibri" pitchFamily="34" charset="0"/>
-              </a:rPr>
-              <a:t>beforeOpenCheckCallback</a:t>
-            </a:r>
-            <a:r>
-              <a:rPr lang="en-CA" sz="1400" dirty="0" smtClean="0">
-                <a:solidFill>
-                  <a:srgbClr val="FFFF00"/>
-                </a:solidFill>
-                <a:latin typeface="Calibri" pitchFamily="34" charset="0"/>
-              </a:rPr>
-              <a:t>);</a:t>
-            </a:r>
-          </a:p>
-          <a:p>
-            <a:r>
-              <a:rPr lang="en-CA" sz="1400" dirty="0" smtClean="0">
-                <a:solidFill>
-                  <a:srgbClr val="FFFF00"/>
-                </a:solidFill>
-                <a:latin typeface="Calibri" pitchFamily="34" charset="0"/>
-              </a:rPr>
-              <a:t>}</a:t>
-            </a:r>
-          </a:p>
-          <a:p>
-            <a:endParaRPr lang="en-US" dirty="0">
+            <a:endParaRPr lang="en-CA" sz="1400" dirty="0" smtClean="0">
+              <a:solidFill>
+                <a:srgbClr val="FFFF00"/>
+              </a:solidFill>
               <a:latin typeface="Calibri" pitchFamily="34" charset="0"/>
             </a:endParaRPr>
+          </a:p>
+          <a:p>
+            <a:r>
+              <a:rPr lang="en-CA" sz="1400" dirty="0" smtClean="0">
+                <a:solidFill>
+                  <a:srgbClr val="FFFF00"/>
+                </a:solidFill>
+                <a:latin typeface="Calibri" pitchFamily="34" charset="0"/>
+              </a:rPr>
+              <a:t>def </a:t>
+            </a:r>
+            <a:r>
+              <a:rPr lang="en-CA" sz="1400" dirty="0" err="1" smtClean="0">
+                <a:solidFill>
+                  <a:srgbClr val="FFFF00"/>
+                </a:solidFill>
+                <a:latin typeface="Calibri" pitchFamily="34" charset="0"/>
+              </a:rPr>
+              <a:t>MyCmd_addCallback</a:t>
+            </a:r>
+            <a:r>
+              <a:rPr lang="en-CA" sz="1400" dirty="0" smtClean="0">
+                <a:solidFill>
+                  <a:srgbClr val="FFFF00"/>
+                </a:solidFill>
+                <a:latin typeface="Calibri" pitchFamily="34" charset="0"/>
+              </a:rPr>
+              <a:t>():</a:t>
+            </a:r>
+          </a:p>
+          <a:p>
+            <a:r>
+              <a:rPr lang="en-CA" sz="1400" dirty="0" smtClean="0">
+                <a:solidFill>
+                  <a:srgbClr val="FFFF00"/>
+                </a:solidFill>
+                <a:latin typeface="Calibri" pitchFamily="34" charset="0"/>
+              </a:rPr>
+              <a:t>    </a:t>
+            </a:r>
+            <a:r>
+              <a:rPr lang="en-CA" sz="1400" dirty="0" err="1" smtClean="0">
+                <a:solidFill>
+                  <a:srgbClr val="FFFF00"/>
+                </a:solidFill>
+                <a:latin typeface="Calibri" pitchFamily="34" charset="0"/>
+              </a:rPr>
+              <a:t>OpenMaya.MSceneMessage.addCheckCallback</a:t>
+            </a:r>
+            <a:r>
+              <a:rPr lang="en-CA" sz="1400" dirty="0" smtClean="0">
+                <a:solidFill>
+                  <a:srgbClr val="FFFF00"/>
+                </a:solidFill>
+                <a:latin typeface="Calibri" pitchFamily="34" charset="0"/>
+              </a:rPr>
+              <a:t>(</a:t>
+            </a:r>
+            <a:r>
+              <a:rPr lang="en-CA" sz="1400" dirty="0" err="1" smtClean="0">
+                <a:solidFill>
+                  <a:srgbClr val="FFFF00"/>
+                </a:solidFill>
+                <a:latin typeface="Calibri" pitchFamily="34" charset="0"/>
+              </a:rPr>
+              <a:t>OpenMaya.MSceneMessage.kBeforeOpenCheck</a:t>
+            </a:r>
+            <a:r>
+              <a:rPr lang="en-CA" sz="1400" dirty="0" smtClean="0">
+                <a:solidFill>
+                  <a:srgbClr val="FFFF00"/>
+                </a:solidFill>
+                <a:latin typeface="Calibri" pitchFamily="34" charset="0"/>
+              </a:rPr>
+              <a:t>, </a:t>
+            </a:r>
+            <a:r>
+              <a:rPr lang="en-CA" sz="1400" dirty="0" err="1" smtClean="0">
+                <a:solidFill>
+                  <a:srgbClr val="FFFF00"/>
+                </a:solidFill>
+                <a:latin typeface="Calibri" pitchFamily="34" charset="0"/>
+              </a:rPr>
+              <a:t>beforeOpenCheckCallback</a:t>
+            </a:r>
+            <a:r>
+              <a:rPr lang="en-CA" sz="1400" dirty="0" smtClean="0">
+                <a:solidFill>
+                  <a:srgbClr val="FFFF00"/>
+                </a:solidFill>
+                <a:latin typeface="Calibri" pitchFamily="34" charset="0"/>
+              </a:rPr>
+              <a:t>)</a:t>
+            </a:r>
           </a:p>
         </p:txBody>
       </p:sp>
@@ -7575,7 +7704,7 @@
                                         <p:tgtEl>
                                           <p:spTgt spid="4">
                                             <p:txEl>
-                                              <p:pRg st="7" end="7"/>
+                                              <p:pRg st="5" end="5"/>
                                             </p:txEl>
                                           </p:spTgt>
                                         </p:tgtEl>
@@ -7593,7 +7722,7 @@
                                         <p:tgtEl>
                                           <p:spTgt spid="4">
                                             <p:txEl>
-                                              <p:pRg st="7" end="7"/>
+                                              <p:pRg st="5" end="5"/>
                                             </p:txEl>
                                           </p:spTgt>
                                         </p:tgtEl>
@@ -7618,7 +7747,7 @@
                                         <p:tgtEl>
                                           <p:spTgt spid="4">
                                             <p:txEl>
-                                              <p:pRg st="8" end="8"/>
+                                              <p:pRg st="6" end="6"/>
                                             </p:txEl>
                                           </p:spTgt>
                                         </p:tgtEl>
@@ -7636,93 +7765,7 @@
                                         <p:tgtEl>
                                           <p:spTgt spid="4">
                                             <p:txEl>
-                                              <p:pRg st="8" end="8"/>
-                                            </p:txEl>
-                                          </p:spTgt>
-                                        </p:tgtEl>
-                                      </p:cBhvr>
-                                    </p:animEffect>
-                                  </p:childTnLst>
-                                </p:cTn>
-                              </p:par>
-                              <p:par>
-                                <p:cTn id="11" presetID="3" presetClass="entr" presetSubtype="10" fill="hold" nodeType="withEffect">
-                                  <p:stCondLst>
-                                    <p:cond delay="0"/>
-                                  </p:stCondLst>
-                                  <p:childTnLst>
-                                    <p:set>
-                                      <p:cBhvr>
-                                        <p:cTn id="12" dur="1" fill="hold">
-                                          <p:stCondLst>
-                                            <p:cond delay="0"/>
-                                          </p:stCondLst>
-                                        </p:cTn>
-                                        <p:tgtEl>
-                                          <p:spTgt spid="4">
-                                            <p:txEl>
-                                              <p:pRg st="9" end="9"/>
-                                            </p:txEl>
-                                          </p:spTgt>
-                                        </p:tgtEl>
-                                        <p:attrNameLst>
-                                          <p:attrName>style.visibility</p:attrName>
-                                        </p:attrNameLst>
-                                      </p:cBhvr>
-                                      <p:to>
-                                        <p:strVal val="visible"/>
-                                      </p:to>
-                                    </p:set>
-                                    <p:animEffect transition="in" filter="blinds(horizontal)">
-                                      <p:cBhvr>
-                                        <p:cTn id="13" dur="500"/>
-                                        <p:tgtEl>
-                                          <p:spTgt spid="4">
-                                            <p:txEl>
-                                              <p:pRg st="9" end="9"/>
-                                            </p:txEl>
-                                          </p:spTgt>
-                                        </p:tgtEl>
-                                      </p:cBhvr>
-                                    </p:animEffect>
-                                  </p:childTnLst>
-                                </p:cTn>
-                              </p:par>
-                              <p:par>
-                                <p:cTn id="14" presetID="3" presetClass="entr" presetSubtype="10" fill="hold" nodeType="withEffect">
-                                  <p:stCondLst>
-                                    <p:cond delay="0"/>
-                                  </p:stCondLst>
-                                  <p:childTnLst>
-                                    <p:set>
-                                      <p:cBhvr>
-                                        <p:cTn id="15" dur="1" fill="hold">
-                                          <p:stCondLst>
-                                            <p:cond delay="0"/>
-                                          </p:stCondLst>
-                                        </p:cTn>
-                                        <p:tgtEl>
-                                          <p:spTgt spid="4">
-                                            <p:txEl>
-                                              <p:pRg st="10" end="10"/>
-                                            </p:txEl>
-                                          </p:spTgt>
-                                        </p:tgtEl>
-                                        <p:attrNameLst>
-                                          <p:attrName>style.visibility</p:attrName>
-                                        </p:attrNameLst>
-                                      </p:cBhvr>
-                                      <p:to>
-                                        <p:strVal val="visible"/>
-                                      </p:to>
-                                    </p:set>
-                                    <p:animEffect transition="in" filter="blinds(horizontal)">
-                                      <p:cBhvr>
-                                        <p:cTn id="16" dur="500"/>
-                                        <p:tgtEl>
-                                          <p:spTgt spid="4">
-                                            <p:txEl>
-                                              <p:pRg st="10" end="10"/>
+                                              <p:pRg st="6" end="6"/>
                                             </p:txEl>
                                           </p:spTgt>
                                         </p:tgtEl>
@@ -7738,26 +7781,26 @@
                     </p:cTn>
                   </p:par>
                   <p:par>
-                    <p:cTn id="17" fill="hold">
+                    <p:cTn id="11" fill="hold">
                       <p:stCondLst>
                         <p:cond delay="indefinite"/>
                       </p:stCondLst>
                       <p:childTnLst>
                         <p:par>
-                          <p:cTn id="18" fill="hold">
+                          <p:cTn id="12" fill="hold">
                             <p:stCondLst>
                               <p:cond delay="0"/>
                             </p:stCondLst>
                             <p:childTnLst>
                               <p:par>
-                                <p:cTn id="19" presetID="3" presetClass="entr" presetSubtype="10" fill="hold" nodeType="clickEffect">
+                                <p:cTn id="13" presetID="3" presetClass="entr" presetSubtype="10" fill="hold" nodeType="clickEffect">
                                   <p:stCondLst>
                                     <p:cond delay="0"/>
                                   </p:stCondLst>
                                   <p:childTnLst>
                                     <p:set>
                                       <p:cBhvr>
-                                        <p:cTn id="20" dur="1" fill="hold">
+                                        <p:cTn id="14" dur="1" fill="hold">
                                           <p:stCondLst>
                                             <p:cond delay="0"/>
                                           </p:stCondLst>
@@ -7779,11 +7822,97 @@
                                     </p:set>
                                     <p:animEffect transition="in" filter="blinds(horizontal)">
                                       <p:cBhvr>
+                                        <p:cTn id="15" dur="500"/>
+                                        <p:tgtEl>
+                                          <p:spTgt spid="4">
+                                            <p:txEl>
+                                              <p:pRg st="0" end="0"/>
+                                            </p:txEl>
+                                          </p:spTgt>
+                                        </p:tgtEl>
+                                      </p:cBhvr>
+                                    </p:animEffect>
+                                  </p:childTnLst>
+                                </p:cTn>
+                              </p:par>
+                              <p:par>
+                                <p:cTn id="16" presetID="3" presetClass="entr" presetSubtype="10" fill="hold" nodeType="withEffect">
+                                  <p:stCondLst>
+                                    <p:cond delay="0"/>
+                                  </p:stCondLst>
+                                  <p:childTnLst>
+                                    <p:set>
+                                      <p:cBhvr>
+                                        <p:cTn id="17" dur="1" fill="hold">
+                                          <p:stCondLst>
+                                            <p:cond delay="0"/>
+                                          </p:stCondLst>
+                                        </p:cTn>
+                                        <p:tgtEl>
+                                          <p:spTgt spid="4">
+                                            <p:txEl>
+                                              <p:pRg st="1" end="1"/>
+                                            </p:txEl>
+                                          </p:spTgt>
+                                        </p:tgtEl>
+                                        <p:attrNameLst>
+                                          <p:attrName>style.visibility</p:attrName>
+                                        </p:attrNameLst>
+                                      </p:cBhvr>
+                                      <p:to>
+                                        <p:strVal val="visible"/>
+                                      </p:to>
+                                    </p:set>
+                                    <p:animEffect transition="in" filter="blinds(horizontal)">
+                                      <p:cBhvr>
+                                        <p:cTn id="18" dur="500"/>
+                                        <p:tgtEl>
+                                          <p:spTgt spid="4">
+                                            <p:txEl>
+                                              <p:pRg st="1" end="1"/>
+                                            </p:txEl>
+                                          </p:spTgt>
+                                        </p:tgtEl>
+                                      </p:cBhvr>
+                                    </p:animEffect>
+                                  </p:childTnLst>
+                                </p:cTn>
+                              </p:par>
+                              <p:par>
+                                <p:cTn id="19" presetID="3" presetClass="entr" presetSubtype="10" fill="hold" nodeType="withEffect">
+                                  <p:stCondLst>
+                                    <p:cond delay="0"/>
+                                  </p:stCondLst>
+                                  <p:childTnLst>
+                                    <p:set>
+                                      <p:cBhvr>
+                                        <p:cTn id="20" dur="1" fill="hold">
+                                          <p:stCondLst>
+                                            <p:cond delay="0"/>
+                                          </p:stCondLst>
+                                        </p:cTn>
+                                        <p:tgtEl>
+                                          <p:spTgt spid="4">
+                                            <p:txEl>
+                                              <p:pRg st="2" end="2"/>
+                                            </p:txEl>
+                                          </p:spTgt>
+                                        </p:tgtEl>
+                                        <p:attrNameLst>
+                                          <p:attrName>style.visibility</p:attrName>
+                                        </p:attrNameLst>
+                                      </p:cBhvr>
+                                      <p:to>
+                                        <p:strVal val="visible"/>
+                                      </p:to>
+                                    </p:set>
+                                    <p:animEffect transition="in" filter="blinds(horizontal)">
+                                      <p:cBhvr>
                                         <p:cTn id="21" dur="500"/>
                                         <p:tgtEl>
                                           <p:spTgt spid="4">
                                             <p:txEl>
-                                              <p:pRg st="0" end="0"/>
+                                              <p:pRg st="2" end="2"/>
                                             </p:txEl>
                                           </p:spTgt>
                                         </p:tgtEl>
@@ -7808,7 +7937,7 @@
                                         <p:tgtEl>
                                           <p:spTgt spid="4">
                                             <p:txEl>
-                                              <p:pRg st="1" end="1"/>
+                                              <p:pRg st="3" end="3"/>
                                             </p:txEl>
                                           </p:spTgt>
                                         </p:tgtEl>
@@ -7826,179 +7955,7 @@
                                         <p:tgtEl>
                                           <p:spTgt spid="4">
                                             <p:txEl>
-                                              <p:pRg st="1" end="1"/>
-                                            </p:txEl>
-                                          </p:spTgt>
-                                        </p:tgtEl>
-                                      </p:cBhvr>
-                                    </p:animEffect>
-                                  </p:childTnLst>
-                                </p:cTn>
-                              </p:par>
-                              <p:par>
-                                <p:cTn id="25" presetID="3" presetClass="entr" presetSubtype="10" fill="hold" nodeType="withEffect">
-                                  <p:stCondLst>
-                                    <p:cond delay="0"/>
-                                  </p:stCondLst>
-                                  <p:childTnLst>
-                                    <p:set>
-                                      <p:cBhvr>
-                                        <p:cTn id="26" dur="1" fill="hold">
-                                          <p:stCondLst>
-                                            <p:cond delay="0"/>
-                                          </p:stCondLst>
-                                        </p:cTn>
-                                        <p:tgtEl>
-                                          <p:spTgt spid="4">
-                                            <p:txEl>
-                                              <p:pRg st="2" end="2"/>
-                                            </p:txEl>
-                                          </p:spTgt>
-                                        </p:tgtEl>
-                                        <p:attrNameLst>
-                                          <p:attrName>style.visibility</p:attrName>
-                                        </p:attrNameLst>
-                                      </p:cBhvr>
-                                      <p:to>
-                                        <p:strVal val="visible"/>
-                                      </p:to>
-                                    </p:set>
-                                    <p:animEffect transition="in" filter="blinds(horizontal)">
-                                      <p:cBhvr>
-                                        <p:cTn id="27" dur="500"/>
-                                        <p:tgtEl>
-                                          <p:spTgt spid="4">
-                                            <p:txEl>
-                                              <p:pRg st="2" end="2"/>
-                                            </p:txEl>
-                                          </p:spTgt>
-                                        </p:tgtEl>
-                                      </p:cBhvr>
-                                    </p:animEffect>
-                                  </p:childTnLst>
-                                </p:cTn>
-                              </p:par>
-                              <p:par>
-                                <p:cTn id="28" presetID="3" presetClass="entr" presetSubtype="10" fill="hold" nodeType="withEffect">
-                                  <p:stCondLst>
-                                    <p:cond delay="0"/>
-                                  </p:stCondLst>
-                                  <p:childTnLst>
-                                    <p:set>
-                                      <p:cBhvr>
-                                        <p:cTn id="29" dur="1" fill="hold">
-                                          <p:stCondLst>
-                                            <p:cond delay="0"/>
-                                          </p:stCondLst>
-                                        </p:cTn>
-                                        <p:tgtEl>
-                                          <p:spTgt spid="4">
-                                            <p:txEl>
                                               <p:pRg st="3" end="3"/>
-                                            </p:txEl>
-                                          </p:spTgt>
-                                        </p:tgtEl>
-                                        <p:attrNameLst>
-                                          <p:attrName>style.visibility</p:attrName>
-                                        </p:attrNameLst>
-                                      </p:cBhvr>
-                                      <p:to>
-                                        <p:strVal val="visible"/>
-                                      </p:to>
-                                    </p:set>
-                                    <p:animEffect transition="in" filter="blinds(horizontal)">
-                                      <p:cBhvr>
-                                        <p:cTn id="30" dur="500"/>
-                                        <p:tgtEl>
-                                          <p:spTgt spid="4">
-                                            <p:txEl>
-                                              <p:pRg st="3" end="3"/>
-                                            </p:txEl>
-                                          </p:spTgt>
-                                        </p:tgtEl>
-                                      </p:cBhvr>
-                                    </p:animEffect>
-                                  </p:childTnLst>
-                                </p:cTn>
-                              </p:par>
-                              <p:par>
-                                <p:cTn id="31" presetID="3" presetClass="entr" presetSubtype="10" fill="hold" nodeType="withEffect">
-                                  <p:stCondLst>
-                                    <p:cond delay="0"/>
-                                  </p:stCondLst>
-                                  <p:childTnLst>
-                                    <p:set>
-                                      <p:cBhvr>
-                                        <p:cTn id="32" dur="1" fill="hold">
-                                          <p:stCondLst>
-                                            <p:cond delay="0"/>
-                                          </p:stCondLst>
-                                        </p:cTn>
-                                        <p:tgtEl>
-                                          <p:spTgt spid="4">
-                                            <p:txEl>
-                                              <p:pRg st="4" end="4"/>
-                                            </p:txEl>
-                                          </p:spTgt>
-                                        </p:tgtEl>
-                                        <p:attrNameLst>
-                                          <p:attrName>style.visibility</p:attrName>
-                                        </p:attrNameLst>
-                                      </p:cBhvr>
-                                      <p:to>
-                                        <p:strVal val="visible"/>
-                                      </p:to>
-                                    </p:set>
-                                    <p:animEffect transition="in" filter="blinds(horizontal)">
-                                      <p:cBhvr>
-                                        <p:cTn id="33" dur="500"/>
-                                        <p:tgtEl>
-                                          <p:spTgt spid="4">
-                                            <p:txEl>
-                                              <p:pRg st="4" end="4"/>
-                                            </p:txEl>
-                                          </p:spTgt>
-                                        </p:tgtEl>
-                                      </p:cBhvr>
-                                    </p:animEffect>
-                                  </p:childTnLst>
-                                </p:cTn>
-                              </p:par>
-                              <p:par>
-                                <p:cTn id="34" presetID="3" presetClass="entr" presetSubtype="10" fill="hold" nodeType="withEffect">
-                                  <p:stCondLst>
-                                    <p:cond delay="0"/>
-                                  </p:stCondLst>
-                                  <p:childTnLst>
-                                    <p:set>
-                                      <p:cBhvr>
-                                        <p:cTn id="35" dur="1" fill="hold">
-                                          <p:stCondLst>
-                                            <p:cond delay="0"/>
-                                          </p:stCondLst>
-                                        </p:cTn>
-                                        <p:tgtEl>
-                                          <p:spTgt spid="4">
-                                            <p:txEl>
-                                              <p:pRg st="5" end="5"/>
-                                            </p:txEl>
-                                          </p:spTgt>
-                                        </p:tgtEl>
-                                        <p:attrNameLst>
-                                          <p:attrName>style.visibility</p:attrName>
-                                        </p:attrNameLst>
-                                      </p:cBhvr>
-                                      <p:to>
-                                        <p:strVal val="visible"/>
-                                      </p:to>
-                                    </p:set>
-                                    <p:animEffect transition="in" filter="blinds(horizontal)">
-                                      <p:cBhvr>
-                                        <p:cTn id="36" dur="500"/>
-                                        <p:tgtEl>
-                                          <p:spTgt spid="4">
-                                            <p:txEl>
-                                              <p:pRg st="5" end="5"/>
                                             </p:txEl>
                                           </p:spTgt>
                                         </p:tgtEl>
@@ -9001,7 +8958,7 @@
           <p:nvPr/>
         </p:nvPicPr>
         <p:blipFill>
-          <a:blip r:embed="rId3"/>
+          <a:blip r:embed="rId3" cstate="print"/>
           <a:stretch>
             <a:fillRect/>
           </a:stretch>
@@ -13079,7 +13036,7 @@
         <p:spPr>
           <a:xfrm>
             <a:off x="685800" y="1981200"/>
-            <a:ext cx="6005512" cy="4401205"/>
+            <a:ext cx="6005512" cy="3754874"/>
           </a:xfrm>
           <a:prstGeom prst="rect">
             <a:avLst/>
@@ -13093,13 +13050,22 @@
           <a:lstStyle/>
           <a:p>
             <a:r>
+              <a:rPr lang="en-US" sz="1400" dirty="0" err="1" smtClean="0">
+                <a:solidFill>
+                  <a:srgbClr val="FFFF00"/>
+                </a:solidFill>
+                <a:latin typeface="Calibri" pitchFamily="34" charset="0"/>
+              </a:rPr>
+              <a:t>myShaderId</a:t>
+            </a:r>
+            <a:r>
               <a:rPr lang="en-US" sz="1400" dirty="0" smtClean="0">
                 <a:solidFill>
                   <a:srgbClr val="FFFF00"/>
                 </a:solidFill>
                 <a:latin typeface="Calibri" pitchFamily="34" charset="0"/>
               </a:rPr>
-              <a:t>class </a:t>
+              <a:t> = </a:t>
             </a:r>
             <a:r>
               <a:rPr lang="en-US" sz="1400" dirty="0" err="1" smtClean="0">
@@ -13108,7 +13074,7 @@
                 </a:solidFill>
                 <a:latin typeface="Calibri" pitchFamily="34" charset="0"/>
               </a:rPr>
-              <a:t>myShader</a:t>
+              <a:t>OpenMaya.MTypeId</a:t>
             </a:r>
             <a:r>
               <a:rPr lang="en-US" sz="1400" dirty="0" smtClean="0">
@@ -13117,17 +13083,10 @@
                 </a:solidFill>
                 <a:latin typeface="Calibri" pitchFamily="34" charset="0"/>
               </a:rPr>
-              <a:t> : public </a:t>
-            </a:r>
-            <a:r>
-              <a:rPr lang="en-US" sz="1400" dirty="0" err="1" smtClean="0">
-                <a:solidFill>
-                  <a:srgbClr val="FFFF00"/>
-                </a:solidFill>
-                <a:latin typeface="Calibri" pitchFamily="34" charset="0"/>
-              </a:rPr>
-              <a:t>MPxNode</a:t>
-            </a:r>
+              <a:t>(0x00001) </a:t>
+            </a:r>
+          </a:p>
+          <a:p>
             <a:endParaRPr lang="en-US" sz="1400" dirty="0" smtClean="0">
               <a:solidFill>
                 <a:srgbClr val="FFFF00"/>
@@ -13143,10 +13102,17 @@
                 </a:solidFill>
                 <a:latin typeface="Calibri" pitchFamily="34" charset="0"/>
               </a:rPr>
-              <a:t>{</a:t>
-            </a:r>
-          </a:p>
-          <a:p>
+              <a:t>class </a:t>
+            </a:r>
+            <a:r>
+              <a:rPr lang="en-US" sz="1400" dirty="0" err="1" smtClean="0">
+                <a:solidFill>
+                  <a:srgbClr val="FFFF00"/>
+                </a:solidFill>
+                <a:latin typeface="Calibri" pitchFamily="34" charset="0"/>
+              </a:rPr>
+              <a:t>myShader</a:t>
+            </a:r>
             <a:r>
               <a:rPr lang="en-US" sz="1400" dirty="0" smtClean="0">
                 <a:solidFill>
@@ -13154,10 +13120,17 @@
                 </a:solidFill>
                 <a:latin typeface="Calibri" pitchFamily="34" charset="0"/>
               </a:rPr>
-              <a:t>public:</a:t>
-            </a:r>
-          </a:p>
-          <a:p>
+              <a:t> (</a:t>
+            </a:r>
+            <a:r>
+              <a:rPr lang="en-US" sz="1400" dirty="0" err="1" smtClean="0">
+                <a:solidFill>
+                  <a:srgbClr val="FFFF00"/>
+                </a:solidFill>
+                <a:latin typeface="Calibri" pitchFamily="34" charset="0"/>
+              </a:rPr>
+              <a:t>OpenMayaMPx</a:t>
+            </a:r>
             <a:r>
               <a:rPr lang="en-US" sz="1400" dirty="0" smtClean="0">
                 <a:solidFill>
@@ -13165,7 +13138,7 @@
                 </a:solidFill>
                 <a:latin typeface="Calibri" pitchFamily="34" charset="0"/>
               </a:rPr>
-              <a:t> 	      </a:t>
+              <a:t>::</a:t>
             </a:r>
             <a:r>
               <a:rPr lang="en-US" sz="1400" dirty="0" err="1" smtClean="0">
@@ -13174,7 +13147,7 @@
                 </a:solidFill>
                 <a:latin typeface="Calibri" pitchFamily="34" charset="0"/>
               </a:rPr>
-              <a:t>myShader</a:t>
+              <a:t>MPxNode</a:t>
             </a:r>
             <a:r>
               <a:rPr lang="en-US" sz="1400" dirty="0" smtClean="0">
@@ -13183,7 +13156,7 @@
                 </a:solidFill>
                 <a:latin typeface="Calibri" pitchFamily="34" charset="0"/>
               </a:rPr>
-              <a:t>();</a:t>
+              <a:t>):</a:t>
             </a:r>
           </a:p>
           <a:p>
@@ -13194,7 +13167,18 @@
                 </a:solidFill>
                 <a:latin typeface="Calibri" pitchFamily="34" charset="0"/>
               </a:rPr>
-              <a:t>    virtual          ~ </a:t>
+              <a:t>    def __init__(self):</a:t>
+            </a:r>
+          </a:p>
+          <a:p>
+            <a:r>
+              <a:rPr lang="en-US" sz="1400" dirty="0" smtClean="0">
+                <a:solidFill>
+                  <a:srgbClr val="FFFF00"/>
+                </a:solidFill>
+                <a:latin typeface="Calibri" pitchFamily="34" charset="0"/>
+              </a:rPr>
+              <a:t>         </a:t>
             </a:r>
             <a:r>
               <a:rPr lang="en-US" sz="1400" dirty="0" err="1" smtClean="0">
@@ -13203,7 +13187,7 @@
                 </a:solidFill>
                 <a:latin typeface="Calibri" pitchFamily="34" charset="0"/>
               </a:rPr>
-              <a:t>myShader</a:t>
+              <a:t>OpenMayaMPx.MPxNode.__init</a:t>
             </a:r>
             <a:r>
               <a:rPr lang="en-US" sz="1400" dirty="0" smtClean="0">
@@ -13212,7 +13196,7 @@
                 </a:solidFill>
                 <a:latin typeface="Calibri" pitchFamily="34" charset="0"/>
               </a:rPr>
-              <a:t> ();</a:t>
+              <a:t>__(self)</a:t>
             </a:r>
           </a:p>
           <a:p>
@@ -13231,7 +13215,7 @@
                 </a:solidFill>
                 <a:latin typeface="Calibri" pitchFamily="34" charset="0"/>
               </a:rPr>
-              <a:t>    virtual </a:t>
+              <a:t>    def compute(</a:t>
             </a:r>
             <a:r>
               <a:rPr lang="en-CA" sz="1400" dirty="0" err="1" smtClean="0">
@@ -13240,7 +13224,7 @@
                 </a:solidFill>
                 <a:latin typeface="Calibri" pitchFamily="34" charset="0"/>
               </a:rPr>
-              <a:t>MStatus</a:t>
+              <a:t>self,plug,data</a:t>
             </a:r>
             <a:r>
               <a:rPr lang="en-CA" sz="1400" dirty="0" smtClean="0">
@@ -13249,17 +13233,10 @@
                 </a:solidFill>
                 <a:latin typeface="Calibri" pitchFamily="34" charset="0"/>
               </a:rPr>
-              <a:t>   compute( const </a:t>
-            </a:r>
-            <a:r>
-              <a:rPr lang="en-CA" sz="1400" dirty="0" err="1" smtClean="0">
-                <a:solidFill>
-                  <a:srgbClr val="FFFF00"/>
-                </a:solidFill>
-                <a:latin typeface="Calibri" pitchFamily="34" charset="0"/>
-              </a:rPr>
-              <a:t>MPlug</a:t>
-            </a:r>
+              <a:t>):</a:t>
+            </a:r>
+          </a:p>
+          <a:p>
             <a:r>
               <a:rPr lang="en-CA" sz="1400" dirty="0" smtClean="0">
                 <a:solidFill>
@@ -13267,25 +13244,7 @@
                 </a:solidFill>
                 <a:latin typeface="Calibri" pitchFamily="34" charset="0"/>
               </a:rPr>
-              <a:t>&amp;, </a:t>
-            </a:r>
-            <a:r>
-              <a:rPr lang="en-CA" sz="1400" dirty="0" err="1" smtClean="0">
-                <a:solidFill>
-                  <a:srgbClr val="FFFF00"/>
-                </a:solidFill>
-                <a:latin typeface="Calibri" pitchFamily="34" charset="0"/>
-              </a:rPr>
-              <a:t>MDataBlock</a:t>
-            </a:r>
-            <a:r>
-              <a:rPr lang="en-CA" sz="1400" dirty="0" smtClean="0">
-                <a:solidFill>
-                  <a:srgbClr val="FFFF00"/>
-                </a:solidFill>
-                <a:latin typeface="Calibri" pitchFamily="34" charset="0"/>
-              </a:rPr>
-              <a:t>&amp; );</a:t>
+              <a:t>         # code ...</a:t>
             </a:r>
           </a:p>
           <a:p>
@@ -13304,10 +13263,17 @@
                 </a:solidFill>
                 <a:latin typeface="Calibri" pitchFamily="34" charset="0"/>
               </a:rPr>
-              <a:t>    static  void *    creator();</a:t>
-            </a:r>
-          </a:p>
-          <a:p>
+              <a:t>def </a:t>
+            </a:r>
+            <a:r>
+              <a:rPr lang="en-US" sz="1400" dirty="0" err="1" smtClean="0">
+                <a:solidFill>
+                  <a:srgbClr val="FFFF00"/>
+                </a:solidFill>
+                <a:latin typeface="Calibri" pitchFamily="34" charset="0"/>
+              </a:rPr>
+              <a:t>myShader_creator</a:t>
+            </a:r>
             <a:r>
               <a:rPr lang="en-US" sz="1400" dirty="0" smtClean="0">
                 <a:solidFill>
@@ -13315,7 +13281,18 @@
                 </a:solidFill>
                 <a:latin typeface="Calibri" pitchFamily="34" charset="0"/>
               </a:rPr>
-              <a:t>    static  </a:t>
+              <a:t>():</a:t>
+            </a:r>
+          </a:p>
+          <a:p>
+            <a:r>
+              <a:rPr lang="en-US" sz="1400" dirty="0" smtClean="0">
+                <a:solidFill>
+                  <a:srgbClr val="FFFF00"/>
+                </a:solidFill>
+                <a:latin typeface="Calibri" pitchFamily="34" charset="0"/>
+              </a:rPr>
+              <a:t>    return </a:t>
             </a:r>
             <a:r>
               <a:rPr lang="en-US" sz="1400" dirty="0" err="1" smtClean="0">
@@ -13324,7 +13301,7 @@
                 </a:solidFill>
                 <a:latin typeface="Calibri" pitchFamily="34" charset="0"/>
               </a:rPr>
-              <a:t>MStatus</a:t>
+              <a:t>OpenMayaMPx.asMPxPtr</a:t>
             </a:r>
             <a:r>
               <a:rPr lang="en-US" sz="1400" dirty="0" smtClean="0">
@@ -13333,21 +13310,17 @@
                 </a:solidFill>
                 <a:latin typeface="Calibri" pitchFamily="34" charset="0"/>
               </a:rPr>
-              <a:t>   initialize();</a:t>
-            </a:r>
-          </a:p>
-          <a:p>
-            <a:r>
-              <a:rPr lang="en-CA" sz="1400" dirty="0" smtClean="0">
-                <a:solidFill>
-                  <a:srgbClr val="FFFF00"/>
-                </a:solidFill>
-                <a:latin typeface="Calibri" pitchFamily="34" charset="0"/>
-              </a:rPr>
-              <a:t>	</a:t>
-            </a:r>
-          </a:p>
-          <a:p>
+              <a:t>( </a:t>
+            </a:r>
+            <a:r>
+              <a:rPr lang="en-US" sz="1400" dirty="0" err="1" smtClean="0">
+                <a:solidFill>
+                  <a:srgbClr val="FFFF00"/>
+                </a:solidFill>
+                <a:latin typeface="Calibri" pitchFamily="34" charset="0"/>
+              </a:rPr>
+              <a:t>myShader</a:t>
+            </a:r>
             <a:r>
               <a:rPr lang="en-US" sz="1400" dirty="0" smtClean="0">
                 <a:solidFill>
@@ -13355,25 +13328,7 @@
                 </a:solidFill>
                 <a:latin typeface="Calibri" pitchFamily="34" charset="0"/>
               </a:rPr>
-              <a:t>    static  </a:t>
-            </a:r>
-            <a:r>
-              <a:rPr lang="en-US" sz="1400" dirty="0" err="1" smtClean="0">
-                <a:solidFill>
-                  <a:srgbClr val="FFFF00"/>
-                </a:solidFill>
-                <a:latin typeface="Calibri" pitchFamily="34" charset="0"/>
-              </a:rPr>
-              <a:t>MTypeId</a:t>
-            </a:r>
-            <a:r>
-              <a:rPr lang="en-US" sz="1400" dirty="0" smtClean="0">
-                <a:solidFill>
-                  <a:srgbClr val="FFFF00"/>
-                </a:solidFill>
-                <a:latin typeface="Calibri" pitchFamily="34" charset="0"/>
-              </a:rPr>
-              <a:t>   id;	</a:t>
+              <a:t>() )</a:t>
             </a:r>
           </a:p>
           <a:p>
@@ -13392,18 +13347,17 @@
                 </a:solidFill>
                 <a:latin typeface="Calibri" pitchFamily="34" charset="0"/>
               </a:rPr>
-              <a:t>private:</a:t>
-            </a:r>
-          </a:p>
-          <a:p>
-            <a:endParaRPr lang="en-US" sz="1400" dirty="0" smtClean="0">
-              <a:solidFill>
-                <a:srgbClr val="FFFF00"/>
-              </a:solidFill>
-              <a:latin typeface="Calibri" pitchFamily="34" charset="0"/>
-            </a:endParaRPr>
-          </a:p>
-          <a:p>
+              <a:t>def </a:t>
+            </a:r>
+            <a:r>
+              <a:rPr lang="en-US" sz="1400" dirty="0" err="1" smtClean="0">
+                <a:solidFill>
+                  <a:srgbClr val="FFFF00"/>
+                </a:solidFill>
+                <a:latin typeface="Calibri" pitchFamily="34" charset="0"/>
+              </a:rPr>
+              <a:t>myShader_initialize</a:t>
+            </a:r>
             <a:r>
               <a:rPr lang="en-US" sz="1400" dirty="0" smtClean="0">
                 <a:solidFill>
@@ -13411,7 +13365,7 @@
                 </a:solidFill>
                 <a:latin typeface="Calibri" pitchFamily="34" charset="0"/>
               </a:rPr>
-              <a:t>         // Input attributes </a:t>
+              <a:t>():</a:t>
             </a:r>
           </a:p>
           <a:p>
@@ -13422,7 +13376,7 @@
                 </a:solidFill>
                 <a:latin typeface="Calibri" pitchFamily="34" charset="0"/>
               </a:rPr>
-              <a:t>         …….	</a:t>
+              <a:t>     #Input attributes </a:t>
             </a:r>
           </a:p>
           <a:p>
@@ -13433,7 +13387,7 @@
                 </a:solidFill>
                 <a:latin typeface="Calibri" pitchFamily="34" charset="0"/>
               </a:rPr>
-              <a:t>        // Output attributes</a:t>
+              <a:t>     # …….	</a:t>
             </a:r>
           </a:p>
           <a:p>
@@ -13444,7 +13398,7 @@
                 </a:solidFill>
                 <a:latin typeface="Calibri" pitchFamily="34" charset="0"/>
               </a:rPr>
-              <a:t>        …….	</a:t>
+              <a:t>     #Output attributes</a:t>
             </a:r>
           </a:p>
           <a:p>
@@ -13455,14 +13409,8 @@
                 </a:solidFill>
                 <a:latin typeface="Calibri" pitchFamily="34" charset="0"/>
               </a:rPr>
-              <a:t>};</a:t>
-            </a:r>
-            <a:endParaRPr lang="en-US" sz="1400" dirty="0">
-              <a:solidFill>
-                <a:srgbClr val="FFFF00"/>
-              </a:solidFill>
-              <a:latin typeface="Calibri" pitchFamily="34" charset="0"/>
-            </a:endParaRPr>
+              <a:t>     # …….	</a:t>
+            </a:r>
           </a:p>
         </p:txBody>
       </p:sp>
@@ -13476,7 +13424,7 @@
         </p:nvSpPr>
         <p:spPr bwMode="auto">
           <a:xfrm>
-            <a:off x="990600" y="5181600"/>
+            <a:off x="990600" y="4808865"/>
             <a:ext cx="2362200" cy="296535"/>
           </a:xfrm>
           <a:prstGeom prst="roundRect">
@@ -13515,7 +13463,7 @@
         </p:nvSpPr>
         <p:spPr bwMode="auto">
           <a:xfrm>
-            <a:off x="990600" y="5638800"/>
+            <a:off x="990600" y="5181600"/>
             <a:ext cx="2362200" cy="296535"/>
           </a:xfrm>
           <a:prstGeom prst="roundRect">
@@ -13769,7 +13717,7 @@
           <p:nvPr/>
         </p:nvPicPr>
         <p:blipFill>
-          <a:blip r:embed="rId3"/>
+          <a:blip r:embed="rId3" cstate="print"/>
           <a:stretch>
             <a:fillRect/>
           </a:stretch>
@@ -14872,16 +14820,16 @@
           <a:lstStyle/>
           <a:p>
             <a:r>
-              <a:rPr lang="en-US" dirty="0" err="1" smtClean="0"/>
-              <a:t>Devkit</a:t>
-            </a:r>
-            <a:r>
               <a:rPr lang="en-US" dirty="0" smtClean="0"/>
-              <a:t> Example: </a:t>
+              <a:t>Devkit Example: </a:t>
             </a:r>
             <a:r>
               <a:rPr lang="en-US" dirty="0" err="1" smtClean="0"/>
               <a:t>lepTranslator</a:t>
+            </a:r>
+            <a:r>
+              <a:rPr lang="en-US" dirty="0" smtClean="0"/>
+              <a:t> (C++)</a:t>
             </a:r>
             <a:endParaRPr lang="en-US" dirty="0"/>
           </a:p>
@@ -16293,6 +16241,43 @@
                 </a:solidFill>
                 <a:latin typeface="Calibri" pitchFamily="34" charset="0"/>
               </a:rPr>
+              <a:t>magic =</a:t>
+            </a:r>
+            <a:r>
+              <a:rPr lang="en-US" sz="1400" dirty="0" err="1" smtClean="0">
+                <a:solidFill>
+                  <a:srgbClr val="FFFF00"/>
+                </a:solidFill>
+                <a:latin typeface="Calibri" pitchFamily="34" charset="0"/>
+              </a:rPr>
+              <a:t>MString</a:t>
+            </a:r>
+            <a:r>
+              <a:rPr lang="en-US" sz="1400" dirty="0" smtClean="0">
+                <a:solidFill>
+                  <a:srgbClr val="FFFF00"/>
+                </a:solidFill>
+                <a:latin typeface="Calibri" pitchFamily="34" charset="0"/>
+              </a:rPr>
+              <a:t> (“”)</a:t>
+            </a:r>
+          </a:p>
+          <a:p>
+            <a:endParaRPr lang="en-US" sz="1400" dirty="0" smtClean="0">
+              <a:solidFill>
+                <a:srgbClr val="FFFF00"/>
+              </a:solidFill>
+              <a:latin typeface="Calibri" pitchFamily="34" charset="0"/>
+            </a:endParaRPr>
+          </a:p>
+          <a:p>
+            <a:r>
+              <a:rPr lang="en-US" sz="1400" dirty="0" smtClean="0">
+                <a:solidFill>
+                  <a:srgbClr val="FFFF00"/>
+                </a:solidFill>
+                <a:latin typeface="Calibri" pitchFamily="34" charset="0"/>
+              </a:rPr>
               <a:t>class </a:t>
             </a:r>
             <a:r>
@@ -16311,7 +16296,7 @@
                 </a:solidFill>
                 <a:latin typeface="Calibri" pitchFamily="34" charset="0"/>
               </a:rPr>
-              <a:t> : public </a:t>
+              <a:t> (</a:t>
             </a:r>
             <a:r>
               <a:rPr lang="en-US" sz="1400" dirty="0" err="1" smtClean="0">
@@ -16320,7 +16305,7 @@
                 </a:solidFill>
                 <a:latin typeface="Calibri" pitchFamily="34" charset="0"/>
               </a:rPr>
-              <a:t>MPxFileTranslator</a:t>
+              <a:t>OpenMayaMPx.MPxFileTranslator</a:t>
             </a:r>
             <a:r>
               <a:rPr lang="en-US" sz="1400" dirty="0" smtClean="0">
@@ -16329,7 +16314,7 @@
                 </a:solidFill>
                 <a:latin typeface="Calibri" pitchFamily="34" charset="0"/>
               </a:rPr>
-              <a:t> {</a:t>
+              <a:t>):</a:t>
             </a:r>
           </a:p>
           <a:p>
@@ -16340,7 +16325,7 @@
                 </a:solidFill>
                 <a:latin typeface="Calibri" pitchFamily="34" charset="0"/>
               </a:rPr>
-              <a:t>public:</a:t>
+              <a:t>	def __init__ (self):</a:t>
             </a:r>
           </a:p>
           <a:p>
@@ -16351,7 +16336,7 @@
                 </a:solidFill>
                 <a:latin typeface="Calibri" pitchFamily="34" charset="0"/>
               </a:rPr>
-              <a:t>		</a:t>
+              <a:t>	    </a:t>
             </a:r>
             <a:r>
               <a:rPr lang="en-US" sz="1400" dirty="0" err="1" smtClean="0">
@@ -16360,7 +16345,7 @@
                 </a:solidFill>
                 <a:latin typeface="Calibri" pitchFamily="34" charset="0"/>
               </a:rPr>
-              <a:t>LepTranslator</a:t>
+              <a:t>OpenMayaMPx.MPxFileTranslator.__init</a:t>
             </a:r>
             <a:r>
               <a:rPr lang="en-US" sz="1400" dirty="0" smtClean="0">
@@ -16369,7 +16354,7 @@
                 </a:solidFill>
                 <a:latin typeface="Calibri" pitchFamily="34" charset="0"/>
               </a:rPr>
-              <a:t> () {};</a:t>
+              <a:t>__(self)</a:t>
             </a:r>
           </a:p>
           <a:p>
@@ -16380,7 +16365,7 @@
                 </a:solidFill>
                 <a:latin typeface="Calibri" pitchFamily="34" charset="0"/>
               </a:rPr>
-              <a:t>	virtual	~</a:t>
+              <a:t>	def reader ( </a:t>
             </a:r>
             <a:r>
               <a:rPr lang="en-US" sz="1400" dirty="0" err="1" smtClean="0">
@@ -16389,7 +16374,7 @@
                 </a:solidFill>
                 <a:latin typeface="Calibri" pitchFamily="34" charset="0"/>
               </a:rPr>
-              <a:t>LepTranslator</a:t>
+              <a:t>mfileobject</a:t>
             </a:r>
             <a:r>
               <a:rPr lang="en-US" sz="1400" dirty="0" smtClean="0">
@@ -16398,10 +16383,17 @@
                 </a:solidFill>
                 <a:latin typeface="Calibri" pitchFamily="34" charset="0"/>
               </a:rPr>
-              <a:t> () {};</a:t>
-            </a:r>
-          </a:p>
-          <a:p>
+              <a:t>, </a:t>
+            </a:r>
+            <a:r>
+              <a:rPr lang="en-US" sz="1400" dirty="0" err="1" smtClean="0">
+                <a:solidFill>
+                  <a:srgbClr val="FFFF00"/>
+                </a:solidFill>
+                <a:latin typeface="Calibri" pitchFamily="34" charset="0"/>
+              </a:rPr>
+              <a:t>optionsString</a:t>
+            </a:r>
             <a:r>
               <a:rPr lang="en-US" sz="1400" dirty="0" smtClean="0">
                 <a:solidFill>
@@ -16409,10 +16401,17 @@
                 </a:solidFill>
                 <a:latin typeface="Calibri" pitchFamily="34" charset="0"/>
               </a:rPr>
-              <a:t>	static void*	creator();</a:t>
-            </a:r>
-          </a:p>
-          <a:p>
+              <a:t>, </a:t>
+            </a:r>
+            <a:r>
+              <a:rPr lang="en-US" sz="1400" dirty="0" err="1" smtClean="0">
+                <a:solidFill>
+                  <a:srgbClr val="FFFF00"/>
+                </a:solidFill>
+                <a:latin typeface="Calibri" pitchFamily="34" charset="0"/>
+              </a:rPr>
+              <a:t>fileAccessMode</a:t>
+            </a:r>
             <a:r>
               <a:rPr lang="en-US" sz="1400" dirty="0" smtClean="0">
                 <a:solidFill>
@@ -16420,7 +16419,29 @@
                 </a:solidFill>
                 <a:latin typeface="Calibri" pitchFamily="34" charset="0"/>
               </a:rPr>
-              <a:t>	</a:t>
+              <a:t>):</a:t>
+            </a:r>
+          </a:p>
+          <a:p>
+            <a:r>
+              <a:rPr lang="en-US" sz="1400" dirty="0" smtClean="0">
+                <a:solidFill>
+                  <a:srgbClr val="FFFF00"/>
+                </a:solidFill>
+                <a:latin typeface="Calibri" pitchFamily="34" charset="0"/>
+              </a:rPr>
+              <a:t>	    #code …</a:t>
+            </a:r>
+          </a:p>
+          <a:p>
+            <a:r>
+              <a:rPr lang="en-US" sz="1400" dirty="0" smtClean="0">
+                <a:solidFill>
+                  <a:srgbClr val="FFFF00"/>
+                </a:solidFill>
+                <a:latin typeface="Calibri" pitchFamily="34" charset="0"/>
+              </a:rPr>
+              <a:t>	def writer ( </a:t>
             </a:r>
             <a:r>
               <a:rPr lang="en-US" sz="1400" dirty="0" err="1" smtClean="0">
@@ -16429,7 +16450,7 @@
                 </a:solidFill>
                 <a:latin typeface="Calibri" pitchFamily="34" charset="0"/>
               </a:rPr>
-              <a:t>MStatus</a:t>
+              <a:t>mfileobject</a:t>
             </a:r>
             <a:r>
               <a:rPr lang="en-US" sz="1400" dirty="0" smtClean="0">
@@ -16438,7 +16459,7 @@
                 </a:solidFill>
                 <a:latin typeface="Calibri" pitchFamily="34" charset="0"/>
               </a:rPr>
-              <a:t>	reader ( const </a:t>
+              <a:t>, </a:t>
             </a:r>
             <a:r>
               <a:rPr lang="en-US" sz="1400" dirty="0" err="1" smtClean="0">
@@ -16447,7 +16468,7 @@
                 </a:solidFill>
                 <a:latin typeface="Calibri" pitchFamily="34" charset="0"/>
               </a:rPr>
-              <a:t>MFileObject</a:t>
+              <a:t>optionsString</a:t>
             </a:r>
             <a:r>
               <a:rPr lang="en-US" sz="1400" dirty="0" smtClean="0">
@@ -16456,7 +16477,7 @@
                 </a:solidFill>
                 <a:latin typeface="Calibri" pitchFamily="34" charset="0"/>
               </a:rPr>
-              <a:t>&amp; </a:t>
+              <a:t>, </a:t>
             </a:r>
             <a:r>
               <a:rPr lang="en-US" sz="1400" dirty="0" err="1" smtClean="0">
@@ -16465,7 +16486,7 @@
                 </a:solidFill>
                 <a:latin typeface="Calibri" pitchFamily="34" charset="0"/>
               </a:rPr>
-              <a:t>file,const</a:t>
+              <a:t>fileAccessMode</a:t>
             </a:r>
             <a:r>
               <a:rPr lang="en-US" sz="1400" dirty="0" smtClean="0">
@@ -16474,538 +16495,250 @@
                 </a:solidFill>
                 <a:latin typeface="Calibri" pitchFamily="34" charset="0"/>
               </a:rPr>
+              <a:t>):</a:t>
+            </a:r>
+          </a:p>
+          <a:p>
+            <a:r>
+              <a:rPr lang="en-US" sz="1400" dirty="0" smtClean="0">
+                <a:solidFill>
+                  <a:srgbClr val="FFFF00"/>
+                </a:solidFill>
+                <a:latin typeface="Calibri" pitchFamily="34" charset="0"/>
+              </a:rPr>
+              <a:t>	    #code …</a:t>
+            </a:r>
+          </a:p>
+          <a:p>
+            <a:r>
+              <a:rPr lang="en-US" sz="1400" dirty="0" smtClean="0">
+                <a:solidFill>
+                  <a:srgbClr val="FFFF00"/>
+                </a:solidFill>
+                <a:latin typeface="Calibri" pitchFamily="34" charset="0"/>
+              </a:rPr>
+              <a:t>	def </a:t>
+            </a:r>
+            <a:r>
+              <a:rPr lang="en-US" sz="1400" dirty="0" err="1" smtClean="0">
+                <a:solidFill>
+                  <a:srgbClr val="FFFF00"/>
+                </a:solidFill>
+                <a:latin typeface="Calibri" pitchFamily="34" charset="0"/>
+              </a:rPr>
+              <a:t>haveReadMethod</a:t>
+            </a:r>
+            <a:r>
+              <a:rPr lang="en-US" sz="1400" dirty="0" smtClean="0">
+                <a:solidFill>
+                  <a:srgbClr val="FFFF00"/>
+                </a:solidFill>
+                <a:latin typeface="Calibri" pitchFamily="34" charset="0"/>
+              </a:rPr>
+              <a:t> ():</a:t>
+            </a:r>
+          </a:p>
+          <a:p>
+            <a:r>
+              <a:rPr lang="en-US" sz="1400" dirty="0" smtClean="0">
+                <a:solidFill>
+                  <a:srgbClr val="FFFF00"/>
+                </a:solidFill>
+                <a:latin typeface="Calibri" pitchFamily="34" charset="0"/>
+              </a:rPr>
+              <a:t>	    return True</a:t>
+            </a:r>
+          </a:p>
+          <a:p>
+            <a:r>
+              <a:rPr lang="en-US" sz="1400" dirty="0" smtClean="0">
+                <a:solidFill>
+                  <a:srgbClr val="FFFF00"/>
+                </a:solidFill>
+                <a:latin typeface="Calibri" pitchFamily="34" charset="0"/>
+              </a:rPr>
+              <a:t>	def </a:t>
+            </a:r>
+            <a:r>
+              <a:rPr lang="en-US" sz="1400" dirty="0" err="1" smtClean="0">
+                <a:solidFill>
+                  <a:srgbClr val="FFFF00"/>
+                </a:solidFill>
+                <a:latin typeface="Calibri" pitchFamily="34" charset="0"/>
+              </a:rPr>
+              <a:t>haveWriteMethod</a:t>
+            </a:r>
+            <a:r>
+              <a:rPr lang="en-US" sz="1400" dirty="0" smtClean="0">
+                <a:solidFill>
+                  <a:srgbClr val="FFFF00"/>
+                </a:solidFill>
+                <a:latin typeface="Calibri" pitchFamily="34" charset="0"/>
+              </a:rPr>
+              <a:t> ():</a:t>
+            </a:r>
+          </a:p>
+          <a:p>
+            <a:r>
+              <a:rPr lang="en-US" sz="1400" dirty="0" smtClean="0">
+                <a:solidFill>
+                  <a:srgbClr val="FFFF00"/>
+                </a:solidFill>
+                <a:latin typeface="Calibri" pitchFamily="34" charset="0"/>
+              </a:rPr>
+              <a:t>	    return True</a:t>
+            </a:r>
+          </a:p>
+          <a:p>
+            <a:r>
+              <a:rPr lang="en-US" sz="1400" dirty="0" smtClean="0">
+                <a:solidFill>
+                  <a:srgbClr val="FFFF00"/>
+                </a:solidFill>
+                <a:latin typeface="Calibri" pitchFamily="34" charset="0"/>
+              </a:rPr>
+              <a:t>	def </a:t>
+            </a:r>
+            <a:r>
+              <a:rPr lang="en-US" sz="1400" dirty="0" err="1" smtClean="0">
+                <a:solidFill>
+                  <a:srgbClr val="FFFF00"/>
+                </a:solidFill>
+                <a:latin typeface="Calibri" pitchFamily="34" charset="0"/>
+              </a:rPr>
+              <a:t>defaultExtension</a:t>
+            </a:r>
+            <a:r>
+              <a:rPr lang="en-US" sz="1400" dirty="0" smtClean="0">
+                <a:solidFill>
+                  <a:srgbClr val="FFFF00"/>
+                </a:solidFill>
+                <a:latin typeface="Calibri" pitchFamily="34" charset="0"/>
+              </a:rPr>
+              <a:t> ():</a:t>
+            </a:r>
+          </a:p>
+          <a:p>
+            <a:r>
+              <a:rPr lang="en-US" sz="1400" dirty="0" smtClean="0">
+                <a:solidFill>
+                  <a:srgbClr val="FFFF00"/>
+                </a:solidFill>
+                <a:latin typeface="Calibri" pitchFamily="34" charset="0"/>
+              </a:rPr>
+              <a:t>	def </a:t>
+            </a:r>
+            <a:r>
+              <a:rPr lang="en-US" sz="1400" dirty="0" err="1" smtClean="0">
+                <a:solidFill>
+                  <a:srgbClr val="FFFF00"/>
+                </a:solidFill>
+                <a:latin typeface="Calibri" pitchFamily="34" charset="0"/>
+              </a:rPr>
+              <a:t>canBeOpened</a:t>
+            </a:r>
+            <a:r>
+              <a:rPr lang="en-US" sz="1400" dirty="0" smtClean="0">
+                <a:solidFill>
+                  <a:srgbClr val="FFFF00"/>
+                </a:solidFill>
+                <a:latin typeface="Calibri" pitchFamily="34" charset="0"/>
+              </a:rPr>
+              <a:t>():</a:t>
+            </a:r>
+          </a:p>
+          <a:p>
+            <a:r>
+              <a:rPr lang="en-US" sz="1400" dirty="0" smtClean="0">
+                <a:solidFill>
+                  <a:srgbClr val="FFFF00"/>
+                </a:solidFill>
+                <a:latin typeface="Calibri" pitchFamily="34" charset="0"/>
+              </a:rPr>
+              <a:t>	def </a:t>
+            </a:r>
+            <a:r>
+              <a:rPr lang="en-US" sz="1400" dirty="0" err="1" smtClean="0">
+                <a:solidFill>
+                  <a:srgbClr val="FFFF00"/>
+                </a:solidFill>
+                <a:latin typeface="Calibri" pitchFamily="34" charset="0"/>
+              </a:rPr>
+              <a:t>identifyFile</a:t>
+            </a:r>
+            <a:r>
+              <a:rPr lang="en-US" sz="1400" dirty="0" smtClean="0">
+                <a:solidFill>
+                  <a:srgbClr val="FFFF00"/>
+                </a:solidFill>
+                <a:latin typeface="Calibri" pitchFamily="34" charset="0"/>
+              </a:rPr>
+              <a:t> (</a:t>
+            </a:r>
+            <a:r>
+              <a:rPr lang="en-US" sz="1400" dirty="0" err="1" smtClean="0">
+                <a:solidFill>
+                  <a:srgbClr val="FFFF00"/>
+                </a:solidFill>
+                <a:latin typeface="Calibri" pitchFamily="34" charset="0"/>
+              </a:rPr>
+              <a:t>fileName</a:t>
+            </a:r>
+            <a:r>
+              <a:rPr lang="en-US" sz="1400" dirty="0" smtClean="0">
+                <a:solidFill>
+                  <a:srgbClr val="FFFF00"/>
+                </a:solidFill>
+                <a:latin typeface="Calibri" pitchFamily="34" charset="0"/>
+              </a:rPr>
+              <a:t>, buffer, size):</a:t>
+            </a:r>
+          </a:p>
+          <a:p>
+            <a:r>
+              <a:rPr lang="en-US" sz="1400" dirty="0" smtClean="0">
+                <a:solidFill>
+                  <a:srgbClr val="FFFF00"/>
+                </a:solidFill>
+                <a:latin typeface="Calibri" pitchFamily="34" charset="0"/>
+              </a:rPr>
+              <a:t>	def </a:t>
+            </a:r>
+            <a:r>
+              <a:rPr lang="en-US" sz="1400" dirty="0" err="1" smtClean="0">
+                <a:solidFill>
+                  <a:srgbClr val="FFFF00"/>
+                </a:solidFill>
+                <a:latin typeface="Calibri" pitchFamily="34" charset="0"/>
+              </a:rPr>
+              <a:t>getPosition</a:t>
+            </a:r>
+            <a:r>
+              <a:rPr lang="en-US" sz="1400" dirty="0" smtClean="0">
+                <a:solidFill>
+                  <a:srgbClr val="FFFF00"/>
+                </a:solidFill>
+                <a:latin typeface="Calibri" pitchFamily="34" charset="0"/>
+              </a:rPr>
+              <a:t>(transform,</a:t>
+            </a:r>
+            <a:r>
+              <a:rPr lang="fr-FR" sz="1400" dirty="0" smtClean="0">
+                <a:solidFill>
+                  <a:srgbClr val="FFFF00"/>
+                </a:solidFill>
+                <a:latin typeface="Calibri" pitchFamily="34" charset="0"/>
+              </a:rPr>
               <a:t> </a:t>
             </a:r>
             <a:r>
-              <a:rPr lang="en-US" sz="1400" dirty="0" err="1" smtClean="0">
-                <a:solidFill>
-                  <a:srgbClr val="FFFF00"/>
-                </a:solidFill>
-                <a:latin typeface="Calibri" pitchFamily="34" charset="0"/>
-              </a:rPr>
-              <a:t>MString</a:t>
-            </a:r>
-            <a:r>
-              <a:rPr lang="en-US" sz="1400" dirty="0" smtClean="0">
-                <a:solidFill>
-                  <a:srgbClr val="FFFF00"/>
-                </a:solidFill>
-                <a:latin typeface="Calibri" pitchFamily="34" charset="0"/>
-              </a:rPr>
-              <a:t>&amp; </a:t>
-            </a:r>
-            <a:r>
-              <a:rPr lang="en-US" sz="1400" dirty="0" err="1" smtClean="0">
-                <a:solidFill>
-                  <a:srgbClr val="FFFF00"/>
-                </a:solidFill>
-                <a:latin typeface="Calibri" pitchFamily="34" charset="0"/>
-              </a:rPr>
-              <a:t>optionsString</a:t>
-            </a:r>
-            <a:r>
-              <a:rPr lang="en-US" sz="1400" dirty="0" smtClean="0">
-                <a:solidFill>
-                  <a:srgbClr val="FFFF00"/>
-                </a:solidFill>
-                <a:latin typeface="Calibri" pitchFamily="34" charset="0"/>
-              </a:rPr>
-              <a:t>, 				</a:t>
-            </a:r>
-            <a:r>
-              <a:rPr lang="en-US" sz="1400" dirty="0" err="1" smtClean="0">
-                <a:solidFill>
-                  <a:srgbClr val="FFFF00"/>
-                </a:solidFill>
-                <a:latin typeface="Calibri" pitchFamily="34" charset="0"/>
-              </a:rPr>
-              <a:t>MPxFileTranslator</a:t>
-            </a:r>
-            <a:r>
-              <a:rPr lang="en-US" sz="1400" dirty="0" smtClean="0">
-                <a:solidFill>
-                  <a:srgbClr val="FFFF00"/>
-                </a:solidFill>
-                <a:latin typeface="Calibri" pitchFamily="34" charset="0"/>
-              </a:rPr>
-              <a:t>::</a:t>
-            </a:r>
-            <a:r>
-              <a:rPr lang="en-US" sz="1400" dirty="0" err="1" smtClean="0">
-                <a:solidFill>
-                  <a:srgbClr val="FFFF00"/>
-                </a:solidFill>
-                <a:latin typeface="Calibri" pitchFamily="34" charset="0"/>
-              </a:rPr>
-              <a:t>FileAccessMode</a:t>
-            </a:r>
-            <a:r>
-              <a:rPr lang="en-US" sz="1400" dirty="0" smtClean="0">
-                <a:solidFill>
-                  <a:srgbClr val="FFFF00"/>
-                </a:solidFill>
-                <a:latin typeface="Calibri" pitchFamily="34" charset="0"/>
-              </a:rPr>
-              <a:t> mode);</a:t>
-            </a:r>
-          </a:p>
-          <a:p>
-            <a:r>
-              <a:rPr lang="en-US" sz="1400" dirty="0" smtClean="0">
-                <a:solidFill>
-                  <a:srgbClr val="FFFF00"/>
-                </a:solidFill>
-                <a:latin typeface="Calibri" pitchFamily="34" charset="0"/>
-              </a:rPr>
-              <a:t>	</a:t>
-            </a:r>
-            <a:r>
-              <a:rPr lang="en-US" sz="1400" dirty="0" err="1" smtClean="0">
-                <a:solidFill>
-                  <a:srgbClr val="FFFF00"/>
-                </a:solidFill>
-                <a:latin typeface="Calibri" pitchFamily="34" charset="0"/>
-              </a:rPr>
-              <a:t>MStatus</a:t>
-            </a:r>
-            <a:r>
-              <a:rPr lang="en-US" sz="1400" dirty="0" smtClean="0">
-                <a:solidFill>
-                  <a:srgbClr val="FFFF00"/>
-                </a:solidFill>
-                <a:latin typeface="Calibri" pitchFamily="34" charset="0"/>
-              </a:rPr>
-              <a:t>	writer ( const </a:t>
-            </a:r>
-            <a:r>
-              <a:rPr lang="en-US" sz="1400" dirty="0" err="1" smtClean="0">
-                <a:solidFill>
-                  <a:srgbClr val="FFFF00"/>
-                </a:solidFill>
-                <a:latin typeface="Calibri" pitchFamily="34" charset="0"/>
-              </a:rPr>
-              <a:t>MFileObject</a:t>
-            </a:r>
-            <a:r>
-              <a:rPr lang="en-US" sz="1400" dirty="0" smtClean="0">
-                <a:solidFill>
-                  <a:srgbClr val="FFFF00"/>
-                </a:solidFill>
-                <a:latin typeface="Calibri" pitchFamily="34" charset="0"/>
-              </a:rPr>
-              <a:t>&amp; file, const </a:t>
-            </a:r>
-            <a:r>
-              <a:rPr lang="en-US" sz="1400" dirty="0" err="1" smtClean="0">
-                <a:solidFill>
-                  <a:srgbClr val="FFFF00"/>
-                </a:solidFill>
-                <a:latin typeface="Calibri" pitchFamily="34" charset="0"/>
-              </a:rPr>
-              <a:t>MString</a:t>
-            </a:r>
-            <a:r>
-              <a:rPr lang="en-US" sz="1400" dirty="0" smtClean="0">
-                <a:solidFill>
-                  <a:srgbClr val="FFFF00"/>
-                </a:solidFill>
-                <a:latin typeface="Calibri" pitchFamily="34" charset="0"/>
-              </a:rPr>
-              <a:t>&amp; </a:t>
-            </a:r>
-            <a:r>
-              <a:rPr lang="en-US" sz="1400" dirty="0" err="1" smtClean="0">
-                <a:solidFill>
-                  <a:srgbClr val="FFFF00"/>
-                </a:solidFill>
-                <a:latin typeface="Calibri" pitchFamily="34" charset="0"/>
-              </a:rPr>
-              <a:t>optionsString</a:t>
-            </a:r>
-            <a:r>
-              <a:rPr lang="en-US" sz="1400" dirty="0" smtClean="0">
-                <a:solidFill>
-                  <a:srgbClr val="FFFF00"/>
-                </a:solidFill>
-                <a:latin typeface="Calibri" pitchFamily="34" charset="0"/>
-              </a:rPr>
-              <a:t>,</a:t>
-            </a:r>
-          </a:p>
-          <a:p>
-            <a:r>
-              <a:rPr lang="en-US" sz="1400" dirty="0" smtClean="0">
-                <a:solidFill>
-                  <a:srgbClr val="FFFF00"/>
-                </a:solidFill>
-                <a:latin typeface="Calibri" pitchFamily="34" charset="0"/>
-              </a:rPr>
-              <a:t>			</a:t>
-            </a:r>
-            <a:r>
-              <a:rPr lang="en-US" sz="1400" dirty="0" err="1" smtClean="0">
-                <a:solidFill>
-                  <a:srgbClr val="FFFF00"/>
-                </a:solidFill>
-                <a:latin typeface="Calibri" pitchFamily="34" charset="0"/>
-              </a:rPr>
-              <a:t>MPxFileTranslator</a:t>
-            </a:r>
-            <a:r>
-              <a:rPr lang="en-US" sz="1400" dirty="0" smtClean="0">
-                <a:solidFill>
-                  <a:srgbClr val="FFFF00"/>
-                </a:solidFill>
-                <a:latin typeface="Calibri" pitchFamily="34" charset="0"/>
-              </a:rPr>
-              <a:t>::</a:t>
-            </a:r>
-            <a:r>
-              <a:rPr lang="en-US" sz="1400" dirty="0" err="1" smtClean="0">
-                <a:solidFill>
-                  <a:srgbClr val="FFFF00"/>
-                </a:solidFill>
-                <a:latin typeface="Calibri" pitchFamily="34" charset="0"/>
-              </a:rPr>
-              <a:t>FileAccessMode</a:t>
-            </a:r>
-            <a:r>
-              <a:rPr lang="en-US" sz="1400" dirty="0" smtClean="0">
-                <a:solidFill>
-                  <a:srgbClr val="FFFF00"/>
-                </a:solidFill>
-                <a:latin typeface="Calibri" pitchFamily="34" charset="0"/>
-              </a:rPr>
-              <a:t> mode);</a:t>
-            </a:r>
-          </a:p>
-          <a:p>
-            <a:r>
-              <a:rPr lang="en-US" sz="1400" dirty="0" smtClean="0">
-                <a:solidFill>
-                  <a:srgbClr val="FFFF00"/>
-                </a:solidFill>
-                <a:latin typeface="Calibri" pitchFamily="34" charset="0"/>
-              </a:rPr>
-              <a:t>	</a:t>
-            </a:r>
-            <a:r>
-              <a:rPr lang="en-US" sz="1400" dirty="0" err="1" smtClean="0">
-                <a:solidFill>
-                  <a:srgbClr val="FFFF00"/>
-                </a:solidFill>
-                <a:latin typeface="Calibri" pitchFamily="34" charset="0"/>
-              </a:rPr>
-              <a:t>bool</a:t>
-            </a:r>
-            <a:r>
-              <a:rPr lang="en-US" sz="1400" dirty="0" smtClean="0">
-                <a:solidFill>
-                  <a:srgbClr val="FFFF00"/>
-                </a:solidFill>
-                <a:latin typeface="Calibri" pitchFamily="34" charset="0"/>
-              </a:rPr>
-              <a:t>	</a:t>
-            </a:r>
-            <a:r>
-              <a:rPr lang="en-US" sz="1400" dirty="0" err="1" smtClean="0">
-                <a:solidFill>
-                  <a:srgbClr val="FFFF00"/>
-                </a:solidFill>
-                <a:latin typeface="Calibri" pitchFamily="34" charset="0"/>
-              </a:rPr>
-              <a:t>haveReadMethod</a:t>
-            </a:r>
-            <a:r>
-              <a:rPr lang="en-US" sz="1400" dirty="0" smtClean="0">
-                <a:solidFill>
-                  <a:srgbClr val="FFFF00"/>
-                </a:solidFill>
-                <a:latin typeface="Calibri" pitchFamily="34" charset="0"/>
-              </a:rPr>
-              <a:t> () const;</a:t>
-            </a:r>
-          </a:p>
-          <a:p>
-            <a:r>
-              <a:rPr lang="en-US" sz="1400" dirty="0" smtClean="0">
-                <a:solidFill>
-                  <a:srgbClr val="FFFF00"/>
-                </a:solidFill>
-                <a:latin typeface="Calibri" pitchFamily="34" charset="0"/>
-              </a:rPr>
-              <a:t>	</a:t>
-            </a:r>
-            <a:r>
-              <a:rPr lang="en-US" sz="1400" dirty="0" err="1" smtClean="0">
-                <a:solidFill>
-                  <a:srgbClr val="FFFF00"/>
-                </a:solidFill>
-                <a:latin typeface="Calibri" pitchFamily="34" charset="0"/>
-              </a:rPr>
-              <a:t>bool</a:t>
-            </a:r>
-            <a:r>
-              <a:rPr lang="en-US" sz="1400" dirty="0" smtClean="0">
-                <a:solidFill>
-                  <a:srgbClr val="FFFF00"/>
-                </a:solidFill>
-                <a:latin typeface="Calibri" pitchFamily="34" charset="0"/>
-              </a:rPr>
-              <a:t>	</a:t>
-            </a:r>
-            <a:r>
-              <a:rPr lang="en-US" sz="1400" dirty="0" err="1" smtClean="0">
-                <a:solidFill>
-                  <a:srgbClr val="FFFF00"/>
-                </a:solidFill>
-                <a:latin typeface="Calibri" pitchFamily="34" charset="0"/>
-              </a:rPr>
-              <a:t>haveWriteMethod</a:t>
-            </a:r>
-            <a:r>
-              <a:rPr lang="en-US" sz="1400" dirty="0" smtClean="0">
-                <a:solidFill>
-                  <a:srgbClr val="FFFF00"/>
-                </a:solidFill>
-                <a:latin typeface="Calibri" pitchFamily="34" charset="0"/>
-              </a:rPr>
-              <a:t> () const;</a:t>
-            </a:r>
-          </a:p>
-          <a:p>
-            <a:r>
-              <a:rPr lang="en-US" sz="1400" dirty="0" smtClean="0">
-                <a:solidFill>
-                  <a:srgbClr val="FFFF00"/>
-                </a:solidFill>
-                <a:latin typeface="Calibri" pitchFamily="34" charset="0"/>
-              </a:rPr>
-              <a:t>	</a:t>
-            </a:r>
-            <a:r>
-              <a:rPr lang="en-US" sz="1400" dirty="0" err="1" smtClean="0">
-                <a:solidFill>
-                  <a:srgbClr val="FFFF00"/>
-                </a:solidFill>
-                <a:latin typeface="Calibri" pitchFamily="34" charset="0"/>
-              </a:rPr>
-              <a:t>MString</a:t>
-            </a:r>
-            <a:r>
-              <a:rPr lang="en-US" sz="1400" dirty="0" smtClean="0">
-                <a:solidFill>
-                  <a:srgbClr val="FFFF00"/>
-                </a:solidFill>
-                <a:latin typeface="Calibri" pitchFamily="34" charset="0"/>
-              </a:rPr>
-              <a:t>         </a:t>
-            </a:r>
-            <a:r>
-              <a:rPr lang="en-US" sz="1400" dirty="0" err="1" smtClean="0">
-                <a:solidFill>
-                  <a:srgbClr val="FFFF00"/>
-                </a:solidFill>
-                <a:latin typeface="Calibri" pitchFamily="34" charset="0"/>
-              </a:rPr>
-              <a:t>defaultExtension</a:t>
-            </a:r>
-            <a:r>
-              <a:rPr lang="en-US" sz="1400" dirty="0" smtClean="0">
-                <a:solidFill>
-                  <a:srgbClr val="FFFF00"/>
-                </a:solidFill>
-                <a:latin typeface="Calibri" pitchFamily="34" charset="0"/>
-              </a:rPr>
-              <a:t> () const;</a:t>
-            </a:r>
-          </a:p>
-          <a:p>
-            <a:r>
-              <a:rPr lang="en-US" sz="1400" dirty="0" smtClean="0">
-                <a:solidFill>
-                  <a:srgbClr val="FFFF00"/>
-                </a:solidFill>
-                <a:latin typeface="Calibri" pitchFamily="34" charset="0"/>
-              </a:rPr>
-              <a:t>	</a:t>
-            </a:r>
-            <a:r>
-              <a:rPr lang="en-US" sz="1400" dirty="0" err="1" smtClean="0">
-                <a:solidFill>
-                  <a:srgbClr val="FFFF00"/>
-                </a:solidFill>
-                <a:latin typeface="Calibri" pitchFamily="34" charset="0"/>
-              </a:rPr>
-              <a:t>bool</a:t>
-            </a:r>
-            <a:r>
-              <a:rPr lang="en-US" sz="1400" dirty="0" smtClean="0">
-                <a:solidFill>
-                  <a:srgbClr val="FFFF00"/>
-                </a:solidFill>
-                <a:latin typeface="Calibri" pitchFamily="34" charset="0"/>
-              </a:rPr>
-              <a:t>              	</a:t>
-            </a:r>
-            <a:r>
-              <a:rPr lang="en-US" sz="1400" dirty="0" err="1" smtClean="0">
-                <a:solidFill>
-                  <a:srgbClr val="FFFF00"/>
-                </a:solidFill>
-                <a:latin typeface="Calibri" pitchFamily="34" charset="0"/>
-              </a:rPr>
-              <a:t>canBeOpened</a:t>
-            </a:r>
-            <a:r>
-              <a:rPr lang="en-US" sz="1400" dirty="0" smtClean="0">
-                <a:solidFill>
-                  <a:srgbClr val="FFFF00"/>
-                </a:solidFill>
-                <a:latin typeface="Calibri" pitchFamily="34" charset="0"/>
-              </a:rPr>
-              <a:t>() const;</a:t>
-            </a:r>
-          </a:p>
-          <a:p>
-            <a:r>
-              <a:rPr lang="en-US" sz="1400" dirty="0" smtClean="0">
-                <a:solidFill>
-                  <a:srgbClr val="FFFF00"/>
-                </a:solidFill>
-                <a:latin typeface="Calibri" pitchFamily="34" charset="0"/>
-              </a:rPr>
-              <a:t>	</a:t>
-            </a:r>
-            <a:r>
-              <a:rPr lang="en-US" sz="1400" dirty="0" err="1" smtClean="0">
-                <a:solidFill>
-                  <a:srgbClr val="FFFF00"/>
-                </a:solidFill>
-                <a:latin typeface="Calibri" pitchFamily="34" charset="0"/>
-              </a:rPr>
-              <a:t>MFileKind</a:t>
-            </a:r>
-            <a:r>
-              <a:rPr lang="en-US" sz="1400" dirty="0" smtClean="0">
-                <a:solidFill>
-                  <a:srgbClr val="FFFF00"/>
-                </a:solidFill>
-                <a:latin typeface="Calibri" pitchFamily="34" charset="0"/>
-              </a:rPr>
-              <a:t>	</a:t>
-            </a:r>
-            <a:r>
-              <a:rPr lang="en-US" sz="1400" dirty="0" err="1" smtClean="0">
-                <a:solidFill>
-                  <a:srgbClr val="FFFF00"/>
-                </a:solidFill>
-                <a:latin typeface="Calibri" pitchFamily="34" charset="0"/>
-              </a:rPr>
-              <a:t>identifyFile</a:t>
-            </a:r>
-            <a:r>
-              <a:rPr lang="en-US" sz="1400" dirty="0" smtClean="0">
-                <a:solidFill>
-                  <a:srgbClr val="FFFF00"/>
-                </a:solidFill>
-                <a:latin typeface="Calibri" pitchFamily="34" charset="0"/>
-              </a:rPr>
-              <a:t> (	const </a:t>
-            </a:r>
-            <a:r>
-              <a:rPr lang="en-US" sz="1400" dirty="0" err="1" smtClean="0">
-                <a:solidFill>
-                  <a:srgbClr val="FFFF00"/>
-                </a:solidFill>
-                <a:latin typeface="Calibri" pitchFamily="34" charset="0"/>
-              </a:rPr>
-              <a:t>MFileObject</a:t>
-            </a:r>
-            <a:r>
-              <a:rPr lang="en-US" sz="1400" dirty="0" smtClean="0">
-                <a:solidFill>
-                  <a:srgbClr val="FFFF00"/>
-                </a:solidFill>
-                <a:latin typeface="Calibri" pitchFamily="34" charset="0"/>
-              </a:rPr>
-              <a:t>&amp; </a:t>
-            </a:r>
-            <a:r>
-              <a:rPr lang="en-US" sz="1400" dirty="0" err="1" smtClean="0">
-                <a:solidFill>
-                  <a:srgbClr val="FFFF00"/>
-                </a:solidFill>
-                <a:latin typeface="Calibri" pitchFamily="34" charset="0"/>
-              </a:rPr>
-              <a:t>fileName,const</a:t>
-            </a:r>
-            <a:r>
-              <a:rPr lang="en-US" sz="1400" dirty="0" smtClean="0">
-                <a:solidFill>
-                  <a:srgbClr val="FFFF00"/>
-                </a:solidFill>
-                <a:latin typeface="Calibri" pitchFamily="34" charset="0"/>
-              </a:rPr>
-              <a:t> char* buffer, short size) const;</a:t>
-            </a:r>
-          </a:p>
-          <a:p>
-            <a:r>
-              <a:rPr lang="en-US" sz="1400" dirty="0" smtClean="0">
-                <a:solidFill>
-                  <a:srgbClr val="FFFF00"/>
-                </a:solidFill>
-                <a:latin typeface="Calibri" pitchFamily="34" charset="0"/>
-              </a:rPr>
-              <a:t>private:</a:t>
-            </a:r>
-          </a:p>
-          <a:p>
-            <a:r>
-              <a:rPr lang="en-US" sz="1400" dirty="0" smtClean="0">
-                <a:solidFill>
-                  <a:srgbClr val="FFFF00"/>
-                </a:solidFill>
-                <a:latin typeface="Calibri" pitchFamily="34" charset="0"/>
-              </a:rPr>
-              <a:t>	void  	</a:t>
-            </a:r>
-            <a:r>
-              <a:rPr lang="en-US" sz="1400" dirty="0" err="1" smtClean="0">
-                <a:solidFill>
-                  <a:srgbClr val="FFFF00"/>
-                </a:solidFill>
-                <a:latin typeface="Calibri" pitchFamily="34" charset="0"/>
-              </a:rPr>
-              <a:t>getPosition</a:t>
-            </a:r>
-            <a:r>
-              <a:rPr lang="en-US" sz="1400" dirty="0" smtClean="0">
-                <a:solidFill>
-                  <a:srgbClr val="FFFF00"/>
-                </a:solidFill>
-                <a:latin typeface="Calibri" pitchFamily="34" charset="0"/>
-              </a:rPr>
-              <a:t>( </a:t>
-            </a:r>
-            <a:r>
-              <a:rPr lang="en-US" sz="1400" dirty="0" err="1" smtClean="0">
-                <a:solidFill>
-                  <a:srgbClr val="FFFF00"/>
-                </a:solidFill>
-                <a:latin typeface="Calibri" pitchFamily="34" charset="0"/>
-              </a:rPr>
-              <a:t>MObject</a:t>
-            </a:r>
-            <a:r>
-              <a:rPr lang="en-US" sz="1400" dirty="0" smtClean="0">
-                <a:solidFill>
-                  <a:srgbClr val="FFFF00"/>
-                </a:solidFill>
-                <a:latin typeface="Calibri" pitchFamily="34" charset="0"/>
-              </a:rPr>
-              <a:t>&amp; transform,</a:t>
+              <a:rPr lang="fr-FR" sz="1400" dirty="0" err="1" smtClean="0">
+                <a:solidFill>
+                  <a:srgbClr val="FFFF00"/>
+                </a:solidFill>
+                <a:latin typeface="Calibri" pitchFamily="34" charset="0"/>
+              </a:rPr>
+              <a:t>tx</a:t>
             </a:r>
             <a:r>
               <a:rPr lang="fr-FR" sz="1400" dirty="0" smtClean="0">
@@ -17014,7 +16747,7 @@
                 </a:solidFill>
                 <a:latin typeface="Calibri" pitchFamily="34" charset="0"/>
               </a:rPr>
-              <a:t> double&amp; </a:t>
+              <a:t>, </a:t>
             </a:r>
             <a:r>
               <a:rPr lang="fr-FR" sz="1400" dirty="0" err="1" smtClean="0">
@@ -17023,7 +16756,7 @@
                 </a:solidFill>
                 <a:latin typeface="Calibri" pitchFamily="34" charset="0"/>
               </a:rPr>
-              <a:t>tx</a:t>
+              <a:t>ty</a:t>
             </a:r>
             <a:r>
               <a:rPr lang="fr-FR" sz="1400" dirty="0" smtClean="0">
@@ -17032,7 +16765,7 @@
                 </a:solidFill>
                 <a:latin typeface="Calibri" pitchFamily="34" charset="0"/>
               </a:rPr>
-              <a:t>, double&amp; </a:t>
+              <a:t>, </a:t>
             </a:r>
             <a:r>
               <a:rPr lang="fr-FR" sz="1400" dirty="0" err="1" smtClean="0">
@@ -17041,7 +16774,7 @@
                 </a:solidFill>
                 <a:latin typeface="Calibri" pitchFamily="34" charset="0"/>
               </a:rPr>
-              <a:t>ty</a:t>
+              <a:t>tz</a:t>
             </a:r>
             <a:r>
               <a:rPr lang="fr-FR" sz="1400" dirty="0" smtClean="0">
@@ -17050,66 +16783,10 @@
                 </a:solidFill>
                 <a:latin typeface="Calibri" pitchFamily="34" charset="0"/>
               </a:rPr>
-              <a:t>, double&amp; </a:t>
-            </a:r>
-            <a:r>
-              <a:rPr lang="fr-FR" sz="1400" dirty="0" err="1" smtClean="0">
-                <a:solidFill>
-                  <a:srgbClr val="FFFF00"/>
-                </a:solidFill>
-                <a:latin typeface="Calibri" pitchFamily="34" charset="0"/>
-              </a:rPr>
-              <a:t>tz</a:t>
-            </a:r>
-            <a:r>
-              <a:rPr lang="fr-FR" sz="1400" dirty="0" smtClean="0">
-                <a:solidFill>
-                  <a:srgbClr val="FFFF00"/>
-                </a:solidFill>
-                <a:latin typeface="Calibri" pitchFamily="34" charset="0"/>
-              </a:rPr>
-              <a:t> );</a:t>
-            </a:r>
-          </a:p>
-          <a:p>
-            <a:r>
-              <a:rPr lang="en-US" sz="1400" dirty="0" smtClean="0">
-                <a:solidFill>
-                  <a:srgbClr val="FFFF00"/>
-                </a:solidFill>
-                <a:latin typeface="Calibri" pitchFamily="34" charset="0"/>
-              </a:rPr>
-              <a:t>	static </a:t>
-            </a:r>
-            <a:r>
-              <a:rPr lang="en-US" sz="1400" dirty="0" err="1" smtClean="0">
-                <a:solidFill>
-                  <a:srgbClr val="FFFF00"/>
-                </a:solidFill>
-                <a:latin typeface="Calibri" pitchFamily="34" charset="0"/>
-              </a:rPr>
-              <a:t>MString</a:t>
-            </a:r>
-            <a:r>
-              <a:rPr lang="en-US" sz="1400" dirty="0" smtClean="0">
-                <a:solidFill>
-                  <a:srgbClr val="FFFF00"/>
-                </a:solidFill>
-                <a:latin typeface="Calibri" pitchFamily="34" charset="0"/>
-              </a:rPr>
-              <a:t>     magic;</a:t>
-            </a:r>
-          </a:p>
-          <a:p>
-            <a:r>
-              <a:rPr lang="en-US" sz="1400" dirty="0" smtClean="0">
-                <a:solidFill>
-                  <a:srgbClr val="FFFF00"/>
-                </a:solidFill>
-                <a:latin typeface="Calibri" pitchFamily="34" charset="0"/>
-              </a:rPr>
-              <a:t>};</a:t>
-            </a:r>
+              <a:t> ):</a:t>
+            </a:r>
+          </a:p>
+          <a:p>
             <a:endParaRPr lang="en-US" sz="1400" dirty="0">
               <a:solidFill>
                 <a:srgbClr val="FFFF00"/>
@@ -17129,8 +16806,8 @@
         </p:nvSpPr>
         <p:spPr bwMode="auto">
           <a:xfrm>
-            <a:off x="2057400" y="2819400"/>
-            <a:ext cx="4876800" cy="1522403"/>
+            <a:off x="1066800" y="2819400"/>
+            <a:ext cx="6629400" cy="1522403"/>
           </a:xfrm>
           <a:prstGeom prst="roundRect">
             <a:avLst>
@@ -17186,7 +16863,7 @@
         </p:nvSpPr>
         <p:spPr bwMode="auto">
           <a:xfrm>
-            <a:off x="2057400" y="4419600"/>
+            <a:off x="1066800" y="4419600"/>
             <a:ext cx="2286000" cy="296535"/>
           </a:xfrm>
           <a:prstGeom prst="roundRect">
@@ -17225,8 +16902,8 @@
         </p:nvSpPr>
         <p:spPr bwMode="auto">
           <a:xfrm>
-            <a:off x="2057400" y="4953000"/>
-            <a:ext cx="5867400" cy="296535"/>
+            <a:off x="1066800" y="5486400"/>
+            <a:ext cx="3200400" cy="296535"/>
           </a:xfrm>
           <a:prstGeom prst="roundRect">
             <a:avLst>
@@ -17533,7 +17210,7 @@
         <p:spPr bwMode="auto">
           <a:xfrm>
             <a:off x="319088" y="2048571"/>
-            <a:ext cx="8215312" cy="2456057"/>
+            <a:ext cx="8215312" cy="1895904"/>
           </a:xfrm>
           <a:prstGeom prst="rect">
             <a:avLst/>
@@ -17574,6 +17251,23 @@
               <a:defRPr/>
             </a:pPr>
             <a:r>
+              <a:rPr kumimoji="0" lang="en-US" sz="1400" b="0" i="0" u="none" strike="noStrike" kern="0" cap="none" spc="0" normalizeH="0" baseline="0" noProof="0" dirty="0" smtClean="0">
+                <a:ln>
+                  <a:noFill/>
+                </a:ln>
+                <a:solidFill>
+                  <a:srgbClr val="FFFF00"/>
+                </a:solidFill>
+                <a:effectLst/>
+                <a:uLnTx/>
+                <a:uFillTx/>
+                <a:latin typeface="Calibri" pitchFamily="34" charset="0"/>
+                <a:ea typeface="+mn-ea"/>
+                <a:cs typeface="+mn-cs"/>
+              </a:rPr>
+              <a:t>def </a:t>
+            </a:r>
+            <a:r>
               <a:rPr kumimoji="0" lang="en-US" sz="1400" b="0" i="0" u="none" strike="noStrike" kern="0" cap="none" spc="0" normalizeH="0" baseline="0" noProof="0" dirty="0" err="1" smtClean="0">
                 <a:ln>
                   <a:noFill/>
@@ -17588,7 +17282,7 @@
                 <a:ea typeface="+mn-ea"/>
                 <a:cs typeface="+mn-cs"/>
               </a:rPr>
-              <a:t>MStatus</a:t>
+              <a:t>initializePlugin</a:t>
             </a:r>
             <a:r>
               <a:rPr kumimoji="0" lang="en-US" sz="1400" b="0" i="0" u="none" strike="noStrike" kern="0" cap="none" spc="0" normalizeH="0" baseline="0" noProof="0" dirty="0" smtClean="0">
@@ -17605,7 +17299,7 @@
                 <a:ea typeface="+mn-ea"/>
                 <a:cs typeface="+mn-cs"/>
               </a:rPr>
-              <a:t> </a:t>
+              <a:t>( </a:t>
             </a:r>
             <a:r>
               <a:rPr kumimoji="0" lang="en-US" sz="1400" b="0" i="0" u="none" strike="noStrike" kern="0" cap="none" spc="0" normalizeH="0" baseline="0" noProof="0" dirty="0" err="1" smtClean="0">
@@ -17622,7 +17316,7 @@
                 <a:ea typeface="+mn-ea"/>
                 <a:cs typeface="+mn-cs"/>
               </a:rPr>
-              <a:t>initializePlugin</a:t>
+              <a:t>mobject</a:t>
             </a:r>
             <a:r>
               <a:rPr kumimoji="0" lang="en-US" sz="1400" b="0" i="0" u="none" strike="noStrike" kern="0" cap="none" spc="0" normalizeH="0" baseline="0" noProof="0" dirty="0" smtClean="0">
@@ -17639,75 +17333,7 @@
                 <a:ea typeface="+mn-ea"/>
                 <a:cs typeface="+mn-cs"/>
               </a:rPr>
-              <a:t>( </a:t>
-            </a:r>
-            <a:r>
-              <a:rPr kumimoji="0" lang="en-US" sz="1400" b="0" i="0" u="none" strike="noStrike" kern="0" cap="none" spc="0" normalizeH="0" baseline="0" noProof="0" dirty="0" err="1" smtClean="0">
-                <a:ln>
-                  <a:noFill/>
-                </a:ln>
-                <a:solidFill>
-                  <a:srgbClr val="FFFF00"/>
-                </a:solidFill>
-                <a:effectLst/>
-                <a:uLnTx/>
-                <a:uFillTx/>
-                <a:latin typeface="Calibri" pitchFamily="34" charset="0"/>
-                <a:ea typeface="+mn-ea"/>
-                <a:cs typeface="+mn-cs"/>
-              </a:rPr>
-              <a:t>MObject</a:t>
-            </a:r>
-            <a:r>
-              <a:rPr kumimoji="0" lang="en-US" sz="1400" b="0" i="0" u="none" strike="noStrike" kern="0" cap="none" spc="0" normalizeH="0" baseline="0" noProof="0" dirty="0" smtClean="0">
-                <a:ln>
-                  <a:noFill/>
-                </a:ln>
-                <a:solidFill>
-                  <a:srgbClr val="FFFF00"/>
-                </a:solidFill>
-                <a:effectLst/>
-                <a:uLnTx/>
-                <a:uFillTx/>
-                <a:latin typeface="Calibri" pitchFamily="34" charset="0"/>
-                <a:ea typeface="+mn-ea"/>
-                <a:cs typeface="+mn-cs"/>
-              </a:rPr>
-              <a:t> </a:t>
-            </a:r>
-            <a:r>
-              <a:rPr kumimoji="0" lang="en-US" sz="1400" b="0" i="0" u="none" strike="noStrike" kern="0" cap="none" spc="0" normalizeH="0" baseline="0" noProof="0" dirty="0" err="1" smtClean="0">
-                <a:ln>
-                  <a:noFill/>
-                </a:ln>
-                <a:solidFill>
-                  <a:srgbClr val="FFFF00"/>
-                </a:solidFill>
-                <a:effectLst/>
-                <a:uLnTx/>
-                <a:uFillTx/>
-                <a:latin typeface="Calibri" pitchFamily="34" charset="0"/>
-                <a:ea typeface="+mn-ea"/>
-                <a:cs typeface="+mn-cs"/>
-              </a:rPr>
-              <a:t>obj</a:t>
-            </a:r>
-            <a:r>
-              <a:rPr kumimoji="0" lang="en-US" sz="1400" b="0" i="0" u="none" strike="noStrike" kern="0" cap="none" spc="0" normalizeH="0" baseline="0" noProof="0" dirty="0" smtClean="0">
-                <a:ln>
-                  <a:noFill/>
-                </a:ln>
-                <a:solidFill>
-                  <a:srgbClr val="FFFF00"/>
-                </a:solidFill>
-                <a:effectLst/>
-                <a:uLnTx/>
-                <a:uFillTx/>
-                <a:latin typeface="Calibri" pitchFamily="34" charset="0"/>
-                <a:ea typeface="+mn-ea"/>
-                <a:cs typeface="+mn-cs"/>
-              </a:rPr>
-              <a:t> )</a:t>
+              <a:t> ):</a:t>
             </a:r>
           </a:p>
           <a:p>
@@ -17743,7 +17369,109 @@
                 <a:ea typeface="+mn-ea"/>
                 <a:cs typeface="+mn-cs"/>
               </a:rPr>
-              <a:t>{</a:t>
+              <a:t>     </a:t>
+            </a:r>
+            <a:r>
+              <a:rPr kumimoji="0" lang="en-US" sz="1400" b="0" i="0" u="none" strike="noStrike" kern="0" cap="none" spc="0" normalizeH="0" baseline="0" noProof="0" dirty="0" err="1" smtClean="0">
+                <a:ln>
+                  <a:noFill/>
+                </a:ln>
+                <a:solidFill>
+                  <a:srgbClr val="FFFF00"/>
+                </a:solidFill>
+                <a:effectLst/>
+                <a:uLnTx/>
+                <a:uFillTx/>
+                <a:latin typeface="Calibri" pitchFamily="34" charset="0"/>
+                <a:ea typeface="+mn-ea"/>
+                <a:cs typeface="+mn-cs"/>
+              </a:rPr>
+              <a:t>mplugin</a:t>
+            </a:r>
+            <a:r>
+              <a:rPr kumimoji="0" lang="en-US" sz="1400" b="0" i="0" u="none" strike="noStrike" kern="0" cap="none" spc="0" normalizeH="0" baseline="0" noProof="0" dirty="0" smtClean="0">
+                <a:ln>
+                  <a:noFill/>
+                </a:ln>
+                <a:solidFill>
+                  <a:srgbClr val="FFFF00"/>
+                </a:solidFill>
+                <a:effectLst/>
+                <a:uLnTx/>
+                <a:uFillTx/>
+                <a:latin typeface="Calibri" pitchFamily="34" charset="0"/>
+                <a:ea typeface="+mn-ea"/>
+                <a:cs typeface="+mn-cs"/>
+              </a:rPr>
+              <a:t> = </a:t>
+            </a:r>
+            <a:r>
+              <a:rPr kumimoji="0" lang="en-US" sz="1400" b="0" i="0" u="none" strike="noStrike" kern="0" cap="none" spc="0" normalizeH="0" baseline="0" noProof="0" dirty="0" err="1" smtClean="0">
+                <a:ln>
+                  <a:noFill/>
+                </a:ln>
+                <a:solidFill>
+                  <a:srgbClr val="FFFF00"/>
+                </a:solidFill>
+                <a:effectLst/>
+                <a:uLnTx/>
+                <a:uFillTx/>
+                <a:latin typeface="Calibri" pitchFamily="34" charset="0"/>
+                <a:ea typeface="+mn-ea"/>
+                <a:cs typeface="+mn-cs"/>
+              </a:rPr>
+              <a:t>OpenMaya.MFnPlugin</a:t>
+            </a:r>
+            <a:r>
+              <a:rPr kumimoji="0" lang="en-US" sz="1400" b="0" i="0" u="none" strike="noStrike" kern="0" cap="none" spc="0" normalizeH="0" baseline="0" noProof="0" dirty="0" smtClean="0">
+                <a:ln>
+                  <a:noFill/>
+                </a:ln>
+                <a:solidFill>
+                  <a:srgbClr val="FFFF00"/>
+                </a:solidFill>
+                <a:effectLst/>
+                <a:uLnTx/>
+                <a:uFillTx/>
+                <a:latin typeface="Calibri" pitchFamily="34" charset="0"/>
+                <a:ea typeface="+mn-ea"/>
+                <a:cs typeface="+mn-cs"/>
+              </a:rPr>
+              <a:t> (</a:t>
+            </a:r>
+            <a:r>
+              <a:rPr kumimoji="0" lang="en-US" sz="1400" b="0" i="0" u="none" strike="noStrike" kern="0" cap="none" spc="0" normalizeH="0" baseline="0" noProof="0" dirty="0" err="1" smtClean="0">
+                <a:ln>
+                  <a:noFill/>
+                </a:ln>
+                <a:solidFill>
+                  <a:srgbClr val="FFFF00"/>
+                </a:solidFill>
+                <a:effectLst/>
+                <a:uLnTx/>
+                <a:uFillTx/>
+                <a:latin typeface="Calibri" pitchFamily="34" charset="0"/>
+                <a:ea typeface="+mn-ea"/>
+                <a:cs typeface="+mn-cs"/>
+              </a:rPr>
+              <a:t>mobject</a:t>
+            </a:r>
+            <a:r>
+              <a:rPr kumimoji="0" lang="en-US" sz="1400" b="0" i="0" u="none" strike="noStrike" kern="0" cap="none" spc="0" normalizeH="0" baseline="0" noProof="0" dirty="0" smtClean="0">
+                <a:ln>
+                  <a:noFill/>
+                </a:ln>
+                <a:solidFill>
+                  <a:srgbClr val="FFFF00"/>
+                </a:solidFill>
+                <a:effectLst/>
+                <a:uLnTx/>
+                <a:uFillTx/>
+                <a:latin typeface="Calibri" pitchFamily="34" charset="0"/>
+                <a:ea typeface="+mn-ea"/>
+                <a:cs typeface="+mn-cs"/>
+              </a:rPr>
+              <a:t>)</a:t>
             </a:r>
           </a:p>
           <a:p>
@@ -17765,124 +17493,28 @@
               <a:defRPr/>
             </a:pPr>
             <a:r>
-              <a:rPr kumimoji="0" lang="en-US" sz="1400" b="0" i="0" u="none" strike="noStrike" kern="0" cap="none" spc="0" normalizeH="0" baseline="0" noProof="0" dirty="0" smtClean="0">
-                <a:ln>
-                  <a:noFill/>
-                </a:ln>
-                <a:solidFill>
-                  <a:srgbClr val="FFFF00"/>
-                </a:solidFill>
-                <a:effectLst/>
-                <a:uLnTx/>
-                <a:uFillTx/>
-                <a:latin typeface="Calibri" pitchFamily="34" charset="0"/>
-                <a:ea typeface="+mn-ea"/>
-                <a:cs typeface="+mn-cs"/>
-              </a:rPr>
-              <a:t>         </a:t>
-            </a:r>
-            <a:r>
-              <a:rPr kumimoji="0" lang="en-US" sz="1400" b="0" i="0" u="none" strike="noStrike" kern="0" cap="none" spc="0" normalizeH="0" baseline="0" noProof="0" dirty="0" err="1" smtClean="0">
-                <a:ln>
-                  <a:noFill/>
-                </a:ln>
-                <a:solidFill>
-                  <a:srgbClr val="FFFF00"/>
-                </a:solidFill>
-                <a:effectLst/>
-                <a:uLnTx/>
-                <a:uFillTx/>
-                <a:latin typeface="Calibri" pitchFamily="34" charset="0"/>
-                <a:ea typeface="+mn-ea"/>
-                <a:cs typeface="+mn-cs"/>
-              </a:rPr>
-              <a:t>MFnPlugin</a:t>
-            </a:r>
-            <a:r>
-              <a:rPr kumimoji="0" lang="en-US" sz="1400" b="0" i="0" u="none" strike="noStrike" kern="0" cap="none" spc="0" normalizeH="0" baseline="0" noProof="0" dirty="0" smtClean="0">
-                <a:ln>
-                  <a:noFill/>
-                </a:ln>
-                <a:solidFill>
-                  <a:srgbClr val="FFFF00"/>
-                </a:solidFill>
-                <a:effectLst/>
-                <a:uLnTx/>
-                <a:uFillTx/>
-                <a:latin typeface="Calibri" pitchFamily="34" charset="0"/>
-                <a:ea typeface="+mn-ea"/>
-                <a:cs typeface="+mn-cs"/>
-              </a:rPr>
-              <a:t> </a:t>
-            </a:r>
-            <a:r>
-              <a:rPr kumimoji="0" lang="en-US" sz="1400" b="0" i="0" u="none" strike="noStrike" kern="0" cap="none" spc="0" normalizeH="0" baseline="0" noProof="0" dirty="0" err="1" smtClean="0">
-                <a:ln>
-                  <a:noFill/>
-                </a:ln>
-                <a:solidFill>
-                  <a:srgbClr val="FFFF00"/>
-                </a:solidFill>
-                <a:effectLst/>
-                <a:uLnTx/>
-                <a:uFillTx/>
-                <a:latin typeface="Calibri" pitchFamily="34" charset="0"/>
-                <a:ea typeface="+mn-ea"/>
-                <a:cs typeface="+mn-cs"/>
-              </a:rPr>
-              <a:t>plugin</a:t>
-            </a:r>
-            <a:r>
-              <a:rPr kumimoji="0" lang="en-US" sz="1400" b="0" i="0" u="none" strike="noStrike" kern="0" cap="none" spc="0" normalizeH="0" baseline="0" noProof="0" dirty="0" smtClean="0">
-                <a:ln>
-                  <a:noFill/>
-                </a:ln>
-                <a:solidFill>
-                  <a:srgbClr val="FFFF00"/>
-                </a:solidFill>
-                <a:effectLst/>
-                <a:uLnTx/>
-                <a:uFillTx/>
-                <a:latin typeface="Calibri" pitchFamily="34" charset="0"/>
-                <a:ea typeface="+mn-ea"/>
-                <a:cs typeface="+mn-cs"/>
-              </a:rPr>
-              <a:t>( </a:t>
-            </a:r>
-            <a:r>
-              <a:rPr kumimoji="0" lang="en-US" sz="1400" b="0" i="0" u="none" strike="noStrike" kern="0" cap="none" spc="0" normalizeH="0" baseline="0" noProof="0" dirty="0" err="1" smtClean="0">
-                <a:ln>
-                  <a:noFill/>
-                </a:ln>
-                <a:solidFill>
-                  <a:srgbClr val="FFFF00"/>
-                </a:solidFill>
-                <a:effectLst/>
-                <a:uLnTx/>
-                <a:uFillTx/>
-                <a:latin typeface="Calibri" pitchFamily="34" charset="0"/>
-                <a:ea typeface="+mn-ea"/>
-                <a:cs typeface="+mn-cs"/>
-              </a:rPr>
-              <a:t>obj</a:t>
-            </a:r>
-            <a:r>
-              <a:rPr kumimoji="0" lang="en-US" sz="1400" b="0" i="0" u="none" strike="noStrike" kern="0" cap="none" spc="0" normalizeH="0" baseline="0" noProof="0" dirty="0" smtClean="0">
-                <a:ln>
-                  <a:noFill/>
-                </a:ln>
-                <a:solidFill>
-                  <a:srgbClr val="FFFF00"/>
-                </a:solidFill>
-                <a:effectLst/>
-                <a:uLnTx/>
-                <a:uFillTx/>
-                <a:latin typeface="Calibri" pitchFamily="34" charset="0"/>
-                <a:ea typeface="+mn-ea"/>
-                <a:cs typeface="+mn-cs"/>
-              </a:rPr>
-              <a:t>, PLUGIN_COMPANY, "3.0", "Any");</a:t>
-            </a:r>
+              <a:rPr lang="en-US" sz="1400" kern="0" dirty="0" smtClean="0">
+                <a:solidFill>
+                  <a:srgbClr val="FFFF00"/>
+                </a:solidFill>
+                <a:latin typeface="Calibri" pitchFamily="34" charset="0"/>
+              </a:rPr>
+              <a:t>     try:</a:t>
+            </a:r>
+            <a:endParaRPr kumimoji="0" lang="en-US" sz="1400" b="0" i="0" u="none" strike="noStrike" kern="0" cap="none" spc="0" normalizeH="0" baseline="0" noProof="0" dirty="0" smtClean="0">
+              <a:ln>
+                <a:noFill/>
+              </a:ln>
+              <a:solidFill>
+                <a:srgbClr val="FFFF00"/>
+              </a:solidFill>
+              <a:effectLst/>
+              <a:uLnTx/>
+              <a:uFillTx/>
+              <a:latin typeface="Calibri" pitchFamily="34" charset="0"/>
+              <a:ea typeface="+mn-ea"/>
+              <a:cs typeface="+mn-cs"/>
+            </a:endParaRPr>
           </a:p>
           <a:p>
             <a:pPr marL="0" marR="0" lvl="0" indent="0" algn="l" defTabSz="914400" rtl="0" eaLnBrk="1" fontAlgn="base" latinLnBrk="0" hangingPunct="1">
@@ -17902,20 +17534,125 @@
               <a:tabLst/>
               <a:defRPr/>
             </a:pPr>
-            <a:endParaRPr kumimoji="0" lang="en-US" sz="1400" b="0" i="0" u="none" strike="noStrike" kern="0" cap="none" spc="0" normalizeH="0" baseline="0" noProof="0" dirty="0" smtClean="0">
-              <a:ln>
-                <a:noFill/>
-              </a:ln>
-              <a:solidFill>
-                <a:srgbClr val="FFFF00"/>
-              </a:solidFill>
-              <a:effectLst/>
-              <a:uLnTx/>
-              <a:uFillTx/>
-              <a:latin typeface="Calibri" pitchFamily="34" charset="0"/>
-              <a:ea typeface="+mn-ea"/>
-              <a:cs typeface="+mn-cs"/>
-            </a:endParaRPr>
+            <a:r>
+              <a:rPr kumimoji="0" lang="en-US" sz="1400" b="0" i="0" u="none" strike="noStrike" kern="0" cap="none" spc="0" normalizeH="0" baseline="0" noProof="0" dirty="0" smtClean="0">
+                <a:ln>
+                  <a:noFill/>
+                </a:ln>
+                <a:solidFill>
+                  <a:srgbClr val="FFFF00"/>
+                </a:solidFill>
+                <a:effectLst/>
+                <a:uLnTx/>
+                <a:uFillTx/>
+                <a:latin typeface="Calibri" pitchFamily="34" charset="0"/>
+                <a:ea typeface="+mn-ea"/>
+                <a:cs typeface="+mn-cs"/>
+              </a:rPr>
+              <a:t>         </a:t>
+            </a:r>
+            <a:r>
+              <a:rPr kumimoji="0" lang="en-US" sz="1400" b="0" i="0" u="none" strike="noStrike" kern="0" cap="none" spc="0" normalizeH="0" baseline="0" noProof="0" dirty="0" err="1" smtClean="0">
+                <a:ln>
+                  <a:noFill/>
+                </a:ln>
+                <a:solidFill>
+                  <a:srgbClr val="FFFF00"/>
+                </a:solidFill>
+                <a:effectLst/>
+                <a:uLnTx/>
+                <a:uFillTx/>
+                <a:latin typeface="Calibri" pitchFamily="34" charset="0"/>
+                <a:ea typeface="+mn-ea"/>
+                <a:cs typeface="+mn-cs"/>
+              </a:rPr>
+              <a:t>mplugin.registerFileTranslator</a:t>
+            </a:r>
+            <a:r>
+              <a:rPr kumimoji="0" lang="en-US" sz="1400" b="0" i="0" u="none" strike="noStrike" kern="0" cap="none" spc="0" normalizeH="0" baseline="0" noProof="0" dirty="0" smtClean="0">
+                <a:ln>
+                  <a:noFill/>
+                </a:ln>
+                <a:solidFill>
+                  <a:srgbClr val="FFFF00"/>
+                </a:solidFill>
+                <a:effectLst/>
+                <a:uLnTx/>
+                <a:uFillTx/>
+                <a:latin typeface="Calibri" pitchFamily="34" charset="0"/>
+                <a:ea typeface="+mn-ea"/>
+                <a:cs typeface="+mn-cs"/>
+              </a:rPr>
+              <a:t>( "</a:t>
+            </a:r>
+            <a:r>
+              <a:rPr kumimoji="0" lang="en-US" sz="1400" b="0" i="0" u="none" strike="noStrike" kern="0" cap="none" spc="0" normalizeH="0" baseline="0" noProof="0" dirty="0" err="1" smtClean="0">
+                <a:ln>
+                  <a:noFill/>
+                </a:ln>
+                <a:solidFill>
+                  <a:srgbClr val="FFFF00"/>
+                </a:solidFill>
+                <a:effectLst/>
+                <a:uLnTx/>
+                <a:uFillTx/>
+                <a:latin typeface="Calibri" pitchFamily="34" charset="0"/>
+                <a:ea typeface="+mn-ea"/>
+                <a:cs typeface="+mn-cs"/>
+              </a:rPr>
+              <a:t>Lep</a:t>
+            </a:r>
+            <a:r>
+              <a:rPr kumimoji="0" lang="en-US" sz="1400" b="0" i="0" u="none" strike="noStrike" kern="0" cap="none" spc="0" normalizeH="0" baseline="0" noProof="0" dirty="0" smtClean="0">
+                <a:ln>
+                  <a:noFill/>
+                </a:ln>
+                <a:solidFill>
+                  <a:srgbClr val="FFFF00"/>
+                </a:solidFill>
+                <a:effectLst/>
+                <a:uLnTx/>
+                <a:uFillTx/>
+                <a:latin typeface="Calibri" pitchFamily="34" charset="0"/>
+                <a:ea typeface="+mn-ea"/>
+                <a:cs typeface="+mn-cs"/>
+              </a:rPr>
+              <a:t>", "lepTranslator.rgb", </a:t>
+            </a:r>
+            <a:r>
+              <a:rPr kumimoji="0" lang="en-US" sz="1400" b="0" i="0" u="none" strike="noStrike" kern="0" cap="none" spc="0" normalizeH="0" baseline="0" noProof="0" dirty="0" err="1" smtClean="0">
+                <a:ln>
+                  <a:noFill/>
+                </a:ln>
+                <a:solidFill>
+                  <a:srgbClr val="FFFF00"/>
+                </a:solidFill>
+                <a:effectLst/>
+                <a:uLnTx/>
+                <a:uFillTx/>
+                <a:latin typeface="Calibri" pitchFamily="34" charset="0"/>
+                <a:ea typeface="+mn-ea"/>
+                <a:cs typeface="+mn-cs"/>
+              </a:rPr>
+              <a:t>LepTranslator_creator</a:t>
+            </a:r>
+            <a:r>
+              <a:rPr kumimoji="0" lang="en-US" sz="1400" b="0" i="0" u="none" strike="noStrike" kern="0" cap="none" spc="0" normalizeH="0" baseline="0" noProof="0" dirty="0" smtClean="0">
+                <a:ln>
+                  <a:noFill/>
+                </a:ln>
+                <a:solidFill>
+                  <a:srgbClr val="FFFF00"/>
+                </a:solidFill>
+                <a:effectLst/>
+                <a:uLnTx/>
+                <a:uFillTx/>
+                <a:latin typeface="Calibri" pitchFamily="34" charset="0"/>
+                <a:ea typeface="+mn-ea"/>
+                <a:cs typeface="+mn-cs"/>
+              </a:rPr>
+              <a:t>,                         </a:t>
+            </a:r>
           </a:p>
           <a:p>
             <a:pPr marL="0" marR="0" lvl="0" indent="0" algn="l" defTabSz="914400" rtl="0" eaLnBrk="1" fontAlgn="base" latinLnBrk="0" hangingPunct="1">
@@ -17950,7 +17687,7 @@
                 <a:ea typeface="+mn-ea"/>
                 <a:cs typeface="+mn-cs"/>
               </a:rPr>
-              <a:t>          </a:t>
+              <a:t>                       "</a:t>
             </a:r>
             <a:r>
               <a:rPr kumimoji="0" lang="en-US" sz="1400" b="0" i="0" u="none" strike="noStrike" kern="0" cap="none" spc="0" normalizeH="0" baseline="0" noProof="0" dirty="0" err="1" smtClean="0">
@@ -17967,7 +17704,7 @@
                 <a:ea typeface="+mn-ea"/>
                 <a:cs typeface="+mn-cs"/>
               </a:rPr>
-              <a:t>MStatus</a:t>
+              <a:t>lepTranslatorOpts</a:t>
             </a:r>
             <a:r>
               <a:rPr kumimoji="0" lang="en-US" sz="1400" b="0" i="0" u="none" strike="noStrike" kern="0" cap="none" spc="0" normalizeH="0" baseline="0" noProof="0" dirty="0" smtClean="0">
@@ -17984,7 +17721,7 @@
                 <a:ea typeface="+mn-ea"/>
                 <a:cs typeface="+mn-cs"/>
               </a:rPr>
-              <a:t>  status =  </a:t>
+              <a:t>", "</a:t>
             </a:r>
             <a:r>
               <a:rPr kumimoji="0" lang="en-US" sz="1400" b="0" i="0" u="none" strike="noStrike" kern="0" cap="none" spc="0" normalizeH="0" baseline="0" noProof="0" dirty="0" err="1" smtClean="0">
@@ -18001,7 +17738,7 @@
                 <a:ea typeface="+mn-ea"/>
                 <a:cs typeface="+mn-cs"/>
               </a:rPr>
-              <a:t>plugin.registerFileTranslator</a:t>
+              <a:t>showPositions</a:t>
             </a:r>
             <a:r>
               <a:rPr kumimoji="0" lang="en-US" sz="1400" b="0" i="0" u="none" strike="noStrike" kern="0" cap="none" spc="0" normalizeH="0" baseline="0" noProof="0" dirty="0" smtClean="0">
@@ -18018,75 +17755,7 @@
                 <a:ea typeface="+mn-ea"/>
                 <a:cs typeface="+mn-cs"/>
               </a:rPr>
-              <a:t>( "</a:t>
-            </a:r>
-            <a:r>
-              <a:rPr kumimoji="0" lang="en-US" sz="1400" b="0" i="0" u="none" strike="noStrike" kern="0" cap="none" spc="0" normalizeH="0" baseline="0" noProof="0" dirty="0" err="1" smtClean="0">
-                <a:ln>
-                  <a:noFill/>
-                </a:ln>
-                <a:solidFill>
-                  <a:srgbClr val="FFFF00"/>
-                </a:solidFill>
-                <a:effectLst/>
-                <a:uLnTx/>
-                <a:uFillTx/>
-                <a:latin typeface="Calibri" pitchFamily="34" charset="0"/>
-                <a:ea typeface="+mn-ea"/>
-                <a:cs typeface="+mn-cs"/>
-              </a:rPr>
-              <a:t>Lep</a:t>
-            </a:r>
-            <a:r>
-              <a:rPr kumimoji="0" lang="en-US" sz="1400" b="0" i="0" u="none" strike="noStrike" kern="0" cap="none" spc="0" normalizeH="0" baseline="0" noProof="0" dirty="0" smtClean="0">
-                <a:ln>
-                  <a:noFill/>
-                </a:ln>
-                <a:solidFill>
-                  <a:srgbClr val="FFFF00"/>
-                </a:solidFill>
-                <a:effectLst/>
-                <a:uLnTx/>
-                <a:uFillTx/>
-                <a:latin typeface="Calibri" pitchFamily="34" charset="0"/>
-                <a:ea typeface="+mn-ea"/>
-                <a:cs typeface="+mn-cs"/>
-              </a:rPr>
-              <a:t>", "lepTranslator.rgb", </a:t>
-            </a:r>
-            <a:r>
-              <a:rPr kumimoji="0" lang="en-US" sz="1400" b="0" i="0" u="none" strike="noStrike" kern="0" cap="none" spc="0" normalizeH="0" baseline="0" noProof="0" dirty="0" err="1" smtClean="0">
-                <a:ln>
-                  <a:noFill/>
-                </a:ln>
-                <a:solidFill>
-                  <a:srgbClr val="FFFF00"/>
-                </a:solidFill>
-                <a:effectLst/>
-                <a:uLnTx/>
-                <a:uFillTx/>
-                <a:latin typeface="Calibri" pitchFamily="34" charset="0"/>
-                <a:ea typeface="+mn-ea"/>
-                <a:cs typeface="+mn-cs"/>
-              </a:rPr>
-              <a:t>LepTranslator</a:t>
-            </a:r>
-            <a:r>
-              <a:rPr kumimoji="0" lang="en-US" sz="1400" b="0" i="0" u="none" strike="noStrike" kern="0" cap="none" spc="0" normalizeH="0" baseline="0" noProof="0" dirty="0" smtClean="0">
-                <a:ln>
-                  <a:noFill/>
-                </a:ln>
-                <a:solidFill>
-                  <a:srgbClr val="FFFF00"/>
-                </a:solidFill>
-                <a:effectLst/>
-                <a:uLnTx/>
-                <a:uFillTx/>
-                <a:latin typeface="Calibri" pitchFamily="34" charset="0"/>
-                <a:ea typeface="+mn-ea"/>
-                <a:cs typeface="+mn-cs"/>
-              </a:rPr>
-              <a:t>::creator,                         </a:t>
+              <a:t>=1", True )</a:t>
             </a:r>
           </a:p>
           <a:p>
@@ -18108,89 +17777,13 @@
               <a:defRPr/>
             </a:pPr>
             <a:r>
-              <a:rPr kumimoji="0" lang="en-US" sz="1400" b="0" i="0" u="none" strike="noStrike" kern="0" cap="none" spc="0" normalizeH="0" baseline="0" noProof="0" dirty="0" smtClean="0">
-                <a:ln>
-                  <a:noFill/>
-                </a:ln>
-                <a:solidFill>
-                  <a:srgbClr val="FFFF00"/>
-                </a:solidFill>
-                <a:effectLst/>
-                <a:uLnTx/>
-                <a:uFillTx/>
-                <a:latin typeface="Calibri" pitchFamily="34" charset="0"/>
-                <a:ea typeface="+mn-ea"/>
-                <a:cs typeface="+mn-cs"/>
-              </a:rPr>
-              <a:t>                       "</a:t>
-            </a:r>
-            <a:r>
-              <a:rPr kumimoji="0" lang="en-US" sz="1400" b="0" i="0" u="none" strike="noStrike" kern="0" cap="none" spc="0" normalizeH="0" baseline="0" noProof="0" dirty="0" err="1" smtClean="0">
-                <a:ln>
-                  <a:noFill/>
-                </a:ln>
-                <a:solidFill>
-                  <a:srgbClr val="FFFF00"/>
-                </a:solidFill>
-                <a:effectLst/>
-                <a:uLnTx/>
-                <a:uFillTx/>
-                <a:latin typeface="Calibri" pitchFamily="34" charset="0"/>
-                <a:ea typeface="+mn-ea"/>
-                <a:cs typeface="+mn-cs"/>
-              </a:rPr>
-              <a:t>lepTranslatorOpts</a:t>
-            </a:r>
-            <a:r>
-              <a:rPr kumimoji="0" lang="en-US" sz="1400" b="0" i="0" u="none" strike="noStrike" kern="0" cap="none" spc="0" normalizeH="0" baseline="0" noProof="0" dirty="0" smtClean="0">
-                <a:ln>
-                  <a:noFill/>
-                </a:ln>
-                <a:solidFill>
-                  <a:srgbClr val="FFFF00"/>
-                </a:solidFill>
-                <a:effectLst/>
-                <a:uLnTx/>
-                <a:uFillTx/>
-                <a:latin typeface="Calibri" pitchFamily="34" charset="0"/>
-                <a:ea typeface="+mn-ea"/>
-                <a:cs typeface="+mn-cs"/>
-              </a:rPr>
-              <a:t>", "</a:t>
-            </a:r>
-            <a:r>
-              <a:rPr kumimoji="0" lang="en-US" sz="1400" b="0" i="0" u="none" strike="noStrike" kern="0" cap="none" spc="0" normalizeH="0" baseline="0" noProof="0" dirty="0" err="1" smtClean="0">
-                <a:ln>
-                  <a:noFill/>
-                </a:ln>
-                <a:solidFill>
-                  <a:srgbClr val="FFFF00"/>
-                </a:solidFill>
-                <a:effectLst/>
-                <a:uLnTx/>
-                <a:uFillTx/>
-                <a:latin typeface="Calibri" pitchFamily="34" charset="0"/>
-                <a:ea typeface="+mn-ea"/>
-                <a:cs typeface="+mn-cs"/>
-              </a:rPr>
-              <a:t>showPositions</a:t>
-            </a:r>
-            <a:r>
-              <a:rPr kumimoji="0" lang="en-US" sz="1400" b="0" i="0" u="none" strike="noStrike" kern="0" cap="none" spc="0" normalizeH="0" baseline="0" noProof="0" dirty="0" smtClean="0">
-                <a:ln>
-                  <a:noFill/>
-                </a:ln>
-                <a:solidFill>
-                  <a:srgbClr val="FFFF00"/>
-                </a:solidFill>
-                <a:effectLst/>
-                <a:uLnTx/>
-                <a:uFillTx/>
-                <a:latin typeface="Calibri" pitchFamily="34" charset="0"/>
-                <a:ea typeface="+mn-ea"/>
-                <a:cs typeface="+mn-cs"/>
-              </a:rPr>
-              <a:t>=1", true ); 	</a:t>
+              <a:rPr lang="en-US" sz="1400" kern="0" dirty="0" smtClean="0">
+                <a:solidFill>
+                  <a:srgbClr val="FFFF00"/>
+                </a:solidFill>
+                <a:latin typeface="Calibri" pitchFamily="34" charset="0"/>
+              </a:rPr>
+              <a:t>     except:</a:t>
             </a:r>
           </a:p>
           <a:p>
@@ -18212,77 +17805,14 @@
               <a:defRPr/>
             </a:pPr>
             <a:r>
-              <a:rPr kumimoji="0" lang="en-US" sz="1400" b="0" i="0" u="none" strike="noStrike" kern="0" cap="none" spc="0" normalizeH="0" baseline="0" noProof="0" dirty="0" smtClean="0">
-                <a:ln>
-                  <a:noFill/>
-                </a:ln>
-                <a:solidFill>
-                  <a:srgbClr val="FFFF00"/>
-                </a:solidFill>
-                <a:effectLst/>
-                <a:uLnTx/>
-                <a:uFillTx/>
-                <a:latin typeface="Calibri" pitchFamily="34" charset="0"/>
-                <a:ea typeface="+mn-ea"/>
-                <a:cs typeface="+mn-cs"/>
-              </a:rPr>
-              <a:t>           return status;</a:t>
-            </a:r>
-          </a:p>
-          <a:p>
-            <a:pPr marL="0" marR="0" lvl="0" indent="0" algn="l" defTabSz="914400" rtl="0" eaLnBrk="1" fontAlgn="base" latinLnBrk="0" hangingPunct="1">
-              <a:lnSpc>
-                <a:spcPct val="100000"/>
-              </a:lnSpc>
-              <a:spcBef>
-                <a:spcPct val="15000"/>
-              </a:spcBef>
-              <a:spcAft>
-                <a:spcPct val="15000"/>
-              </a:spcAft>
-              <a:buClrTx/>
-              <a:buSzTx/>
-              <a:buFontTx/>
-              <a:buNone/>
-              <a:tabLst/>
-              <a:defRPr/>
-            </a:pPr>
-            <a:r>
-              <a:rPr kumimoji="0" lang="en-US" sz="1400" b="0" i="0" u="none" strike="noStrike" kern="0" cap="none" spc="0" normalizeH="0" baseline="0" noProof="0" dirty="0" smtClean="0">
-                <a:ln>
-                  <a:noFill/>
-                </a:ln>
-                <a:solidFill>
-                  <a:srgbClr val="FFFF00"/>
-                </a:solidFill>
-                <a:effectLst/>
-                <a:uLnTx/>
-                <a:uFillTx/>
-                <a:latin typeface="Calibri" pitchFamily="34" charset="0"/>
-                <a:ea typeface="+mn-ea"/>
-                <a:cs typeface="+mn-cs"/>
-              </a:rPr>
-              <a:t>}</a:t>
-            </a:r>
-          </a:p>
-          <a:p>
-            <a:pPr marL="0" marR="0" lvl="0" indent="0" algn="l" defTabSz="914400" rtl="0" eaLnBrk="1" fontAlgn="base" latinLnBrk="0" hangingPunct="1">
-              <a:lnSpc>
-                <a:spcPct val="100000"/>
-              </a:lnSpc>
-              <a:spcBef>
-                <a:spcPct val="15000"/>
-              </a:spcBef>
-              <a:spcAft>
-                <a:spcPct val="15000"/>
-              </a:spcAft>
-              <a:buClrTx/>
-              <a:buSzTx/>
-              <a:buFontTx/>
-              <a:buNone/>
-              <a:tabLst/>
-              <a:defRPr/>
-            </a:pPr>
+              <a:rPr lang="en-US" sz="1400" kern="0" dirty="0" smtClean="0">
+                <a:solidFill>
+                  <a:srgbClr val="FFFF00"/>
+                </a:solidFill>
+                <a:latin typeface="Calibri" pitchFamily="34" charset="0"/>
+              </a:rPr>
+              <a:t>         raise</a:t>
+            </a:r>
             <a:endParaRPr kumimoji="0" lang="en-US" sz="1400" b="0" i="0" u="none" strike="noStrike" kern="0" cap="none" spc="0" normalizeH="0" baseline="0" noProof="0" dirty="0" smtClean="0">
               <a:ln>
                 <a:noFill/>
@@ -18310,7 +17840,7 @@
         </p:nvSpPr>
         <p:spPr bwMode="auto">
           <a:xfrm>
-            <a:off x="1143000" y="3429000"/>
+            <a:off x="1143000" y="3132465"/>
             <a:ext cx="1600200" cy="296535"/>
           </a:xfrm>
           <a:prstGeom prst="roundRect">
@@ -18349,7 +17879,7 @@
         </p:nvSpPr>
         <p:spPr bwMode="auto">
           <a:xfrm>
-            <a:off x="2743200" y="3429000"/>
+            <a:off x="2743200" y="3132465"/>
             <a:ext cx="1447800" cy="296535"/>
           </a:xfrm>
           <a:prstGeom prst="roundRect">
@@ -18610,7 +18140,7 @@
           <p:nvPr/>
         </p:nvPicPr>
         <p:blipFill>
-          <a:blip r:embed="rId3"/>
+          <a:blip r:embed="rId3" cstate="print"/>
           <a:srcRect/>
           <a:stretch>
             <a:fillRect/>
@@ -20258,8 +19788,8 @@
         </p:nvSpPr>
         <p:spPr>
           <a:xfrm>
-            <a:off x="609600" y="1676400"/>
-            <a:ext cx="7467600" cy="1600438"/>
+            <a:off x="609600" y="1600200"/>
+            <a:ext cx="7467600" cy="1815882"/>
           </a:xfrm>
           <a:prstGeom prst="rect">
             <a:avLst/>
@@ -20273,13 +19803,22 @@
           <a:lstStyle/>
           <a:p>
             <a:r>
+              <a:rPr lang="en-US" sz="1400" dirty="0" smtClean="0">
+                <a:solidFill>
+                  <a:srgbClr val="FFFF00"/>
+                </a:solidFill>
+                <a:latin typeface="Calibri" pitchFamily="34" charset="0"/>
+              </a:rPr>
+              <a:t>import </a:t>
+            </a:r>
+            <a:r>
               <a:rPr lang="en-US" sz="1400" dirty="0" err="1" smtClean="0">
                 <a:solidFill>
                   <a:srgbClr val="FFFF00"/>
                 </a:solidFill>
                 <a:latin typeface="Calibri" pitchFamily="34" charset="0"/>
               </a:rPr>
-              <a:t>MDGModifier</a:t>
+              <a:t>maya.OpenMaya</a:t>
             </a:r>
             <a:r>
               <a:rPr lang="en-US" sz="1400" dirty="0" smtClean="0">
@@ -20288,8 +19827,28 @@
                 </a:solidFill>
                 <a:latin typeface="Calibri" pitchFamily="34" charset="0"/>
               </a:rPr>
+              <a:t> as </a:t>
+            </a:r>
+            <a:r>
+              <a:rPr lang="en-US" sz="1400" dirty="0" err="1" smtClean="0">
+                <a:solidFill>
+                  <a:srgbClr val="FFFF00"/>
+                </a:solidFill>
+                <a:latin typeface="Calibri" pitchFamily="34" charset="0"/>
+              </a:rPr>
+              <a:t>OpenMaya</a:t>
+            </a:r>
+            <a:r>
+              <a:rPr lang="en-US" sz="1400" dirty="0" smtClean="0">
+                <a:solidFill>
+                  <a:srgbClr val="FFFF00"/>
+                </a:solidFill>
+                <a:latin typeface="Calibri" pitchFamily="34" charset="0"/>
+              </a:rPr>
               <a:t> </a:t>
             </a:r>
+          </a:p>
+          <a:p>
             <a:r>
               <a:rPr lang="en-US" sz="1400" dirty="0" err="1" smtClean="0">
                 <a:solidFill>
@@ -20306,10 +19865,8 @@
                 </a:solidFill>
                 <a:latin typeface="Calibri" pitchFamily="34" charset="0"/>
               </a:rPr>
-              <a:t>;</a:t>
-            </a:r>
-          </a:p>
-          <a:p>
+              <a:t> = </a:t>
+            </a:r>
             <a:r>
               <a:rPr lang="en-US" sz="1400" dirty="0" err="1" smtClean="0">
                 <a:solidFill>
@@ -20317,6 +19874,26 @@
                 </a:solidFill>
                 <a:latin typeface="Calibri" pitchFamily="34" charset="0"/>
               </a:rPr>
+              <a:t>OpenMaya.MDGModifier</a:t>
+            </a:r>
+            <a:r>
+              <a:rPr lang="en-US" sz="1400" dirty="0" smtClean="0">
+                <a:solidFill>
+                  <a:srgbClr val="FFFF00"/>
+                </a:solidFill>
+                <a:latin typeface="Calibri" pitchFamily="34" charset="0"/>
+              </a:rPr>
+              <a:t>()</a:t>
+            </a:r>
+          </a:p>
+          <a:p>
+            <a:r>
+              <a:rPr lang="en-US" sz="1400" dirty="0" err="1" smtClean="0">
+                <a:solidFill>
+                  <a:srgbClr val="FFFF00"/>
+                </a:solidFill>
+                <a:latin typeface="Calibri" pitchFamily="34" charset="0"/>
+              </a:rPr>
               <a:t>dgMod.createNode</a:t>
             </a:r>
             <a:r>
@@ -20326,7 +19903,7 @@
                 </a:solidFill>
                 <a:latin typeface="Calibri" pitchFamily="34" charset="0"/>
               </a:rPr>
-              <a:t> ( “transform”);</a:t>
+              <a:t> ( “transform”)</a:t>
             </a:r>
           </a:p>
           <a:p>
@@ -20355,7 +19932,7 @@
                 </a:solidFill>
                 <a:latin typeface="Calibri" pitchFamily="34" charset="0"/>
               </a:rPr>
-              <a:t>sphere -n sphere1 -r 1;”);</a:t>
+              <a:t>sphere -n sphere1 -r 1;”)</a:t>
             </a:r>
           </a:p>
           <a:p>
@@ -20366,7 +19943,7 @@
                 </a:solidFill>
                 <a:latin typeface="Calibri" pitchFamily="34" charset="0"/>
               </a:rPr>
-              <a:t>dgMod.connect(.....);</a:t>
+              <a:t>dgMod.connect(.....)</a:t>
             </a:r>
           </a:p>
           <a:p>
@@ -20396,7 +19973,7 @@
                 </a:solidFill>
                 <a:latin typeface="Calibri" pitchFamily="34" charset="0"/>
               </a:rPr>
-              <a:t>dgMod.doIt();</a:t>
+              <a:t>dgMod.doIt()</a:t>
             </a:r>
             <a:endParaRPr lang="en-US" sz="1400" dirty="0">
               <a:solidFill>
@@ -20417,7 +19994,7 @@
         </p:nvSpPr>
         <p:spPr bwMode="auto">
           <a:xfrm>
-            <a:off x="609600" y="2980303"/>
+            <a:off x="609600" y="3124200"/>
             <a:ext cx="1295400" cy="296535"/>
           </a:xfrm>
           <a:prstGeom prst="roundRect">
@@ -20597,7 +20174,12 @@
             <p:ph idx="1"/>
           </p:nvPr>
         </p:nvSpPr>
-        <p:spPr/>
+        <p:spPr>
+          <a:xfrm>
+            <a:off x="319088" y="1416050"/>
+            <a:ext cx="8215312" cy="2470150"/>
+          </a:xfrm>
+        </p:spPr>
         <p:txBody>
           <a:bodyPr/>
           <a:lstStyle/>
@@ -20659,11 +20241,49 @@
             </a:endParaRPr>
           </a:p>
           <a:p>
+            <a:endParaRPr lang="en-US" dirty="0"/>
+          </a:p>
+        </p:txBody>
+      </p:sp>
+      <p:sp>
+        <p:nvSpPr>
+          <p:cNvPr id="4" name="TextBox 3"/>
+          <p:cNvSpPr txBox="1"/>
+          <p:nvPr/>
+        </p:nvSpPr>
+        <p:spPr>
+          <a:xfrm>
+            <a:off x="2307432" y="4267200"/>
+            <a:ext cx="4557712" cy="1384995"/>
+          </a:xfrm>
+          <a:prstGeom prst="rect">
+            <a:avLst/>
+          </a:prstGeom>
+          <a:noFill/>
+        </p:spPr>
+        <p:txBody>
+          <a:bodyPr wrap="square" rtlCol="0">
+            <a:spAutoFit/>
+          </a:bodyPr>
+          <a:lstStyle/>
+          <a:p>
+            <a:r>
+              <a:rPr lang="en-US" sz="1400" dirty="0" err="1" smtClean="0">
+                <a:solidFill>
+                  <a:srgbClr val="FFFF00"/>
+                </a:solidFill>
+                <a:latin typeface="Calibri" pitchFamily="34" charset="0"/>
+              </a:rPr>
+              <a:t>createNode</a:t>
+            </a:r>
             <a:r>
               <a:rPr lang="en-US" sz="1400" dirty="0" smtClean="0">
-                <a:latin typeface="Calibri" pitchFamily="34" charset="0"/>
-              </a:rPr>
-              <a:t>	</a:t>
+                <a:solidFill>
+                  <a:srgbClr val="FFFF00"/>
+                </a:solidFill>
+                <a:latin typeface="Calibri" pitchFamily="34" charset="0"/>
+              </a:rPr>
+              <a:t> </a:t>
             </a:r>
             <a:r>
               <a:rPr lang="en-US" sz="1400" dirty="0" err="1" smtClean="0">
@@ -20672,7 +20292,7 @@
                 </a:solidFill>
                 <a:latin typeface="Calibri" pitchFamily="34" charset="0"/>
               </a:rPr>
-              <a:t>createNode</a:t>
+              <a:t>transCircle</a:t>
             </a:r>
             <a:r>
               <a:rPr lang="en-US" sz="1400" dirty="0" smtClean="0">
@@ -20681,8 +20301,32 @@
                 </a:solidFill>
                 <a:latin typeface="Calibri" pitchFamily="34" charset="0"/>
               </a:rPr>
-              <a:t> </a:t>
-            </a:r>
+              <a:t> -n circleNode1;</a:t>
+            </a:r>
+          </a:p>
+          <a:p>
+            <a:r>
+              <a:rPr lang="en-US" sz="1400" dirty="0" smtClean="0">
+                <a:solidFill>
+                  <a:srgbClr val="FFFF00"/>
+                </a:solidFill>
+                <a:latin typeface="Calibri" pitchFamily="34" charset="0"/>
+              </a:rPr>
+              <a:t>sphere -n sphere1 -r 1;</a:t>
+            </a:r>
+          </a:p>
+          <a:p>
+            <a:r>
+              <a:rPr lang="en-US" sz="1400" dirty="0" smtClean="0">
+                <a:solidFill>
+                  <a:srgbClr val="FFFF00"/>
+                </a:solidFill>
+                <a:latin typeface="Calibri" pitchFamily="34" charset="0"/>
+              </a:rPr>
+              <a:t>sphere -n sphere2 -r 2;</a:t>
+            </a:r>
+          </a:p>
+          <a:p>
             <a:r>
               <a:rPr lang="en-US" sz="1400" dirty="0" err="1" smtClean="0">
                 <a:solidFill>
@@ -20690,7 +20334,7 @@
                 </a:solidFill>
                 <a:latin typeface="Calibri" pitchFamily="34" charset="0"/>
               </a:rPr>
-              <a:t>transCircle</a:t>
+              <a:t>connectAttr</a:t>
             </a:r>
             <a:r>
               <a:rPr lang="en-US" sz="1400" dirty="0" smtClean="0">
@@ -20699,10 +20343,19 @@
                 </a:solidFill>
                 <a:latin typeface="Calibri" pitchFamily="34" charset="0"/>
               </a:rPr>
-              <a:t> -n circleNode1;</a:t>
-            </a:r>
-          </a:p>
-          <a:p>
+              <a:t> sphere2.translate circleNode1.inputTranslate;</a:t>
+            </a:r>
+          </a:p>
+          <a:p>
+            <a:r>
+              <a:rPr lang="en-US" sz="1400" dirty="0" err="1" smtClean="0">
+                <a:solidFill>
+                  <a:srgbClr val="FFFF00"/>
+                </a:solidFill>
+                <a:latin typeface="Calibri" pitchFamily="34" charset="0"/>
+              </a:rPr>
+              <a:t>connectAttr</a:t>
+            </a:r>
             <a:r>
               <a:rPr lang="en-US" sz="1400" dirty="0" smtClean="0">
                 <a:solidFill>
@@ -20710,10 +20363,19 @@
                 </a:solidFill>
                 <a:latin typeface="Calibri" pitchFamily="34" charset="0"/>
               </a:rPr>
-              <a:t>   	sphere -n sphere1 -r 1;</a:t>
-            </a:r>
-          </a:p>
-          <a:p>
+              <a:t> circleNode1.outputTranslate sphere1.translate;</a:t>
+            </a:r>
+          </a:p>
+          <a:p>
+            <a:r>
+              <a:rPr lang="en-US" sz="1400" dirty="0" err="1" smtClean="0">
+                <a:solidFill>
+                  <a:srgbClr val="FFFF00"/>
+                </a:solidFill>
+                <a:latin typeface="Calibri" pitchFamily="34" charset="0"/>
+              </a:rPr>
+              <a:t>connectAttr</a:t>
+            </a:r>
             <a:r>
               <a:rPr lang="en-US" sz="1400" dirty="0" smtClean="0">
                 <a:solidFill>
@@ -20721,98 +20383,8 @@
                 </a:solidFill>
                 <a:latin typeface="Calibri" pitchFamily="34" charset="0"/>
               </a:rPr>
-              <a:t>   	sphere -n sphere2 -r 2;</a:t>
-            </a:r>
-          </a:p>
-          <a:p>
-            <a:r>
-              <a:rPr lang="en-US" sz="1400" dirty="0" smtClean="0">
-                <a:solidFill>
-                  <a:srgbClr val="FFFF00"/>
-                </a:solidFill>
-                <a:latin typeface="Calibri" pitchFamily="34" charset="0"/>
-              </a:rPr>
-              <a:t>   	</a:t>
-            </a:r>
-            <a:r>
-              <a:rPr lang="en-US" sz="1400" dirty="0" err="1" smtClean="0">
-                <a:solidFill>
-                  <a:srgbClr val="FFFF00"/>
-                </a:solidFill>
-                <a:latin typeface="Calibri" pitchFamily="34" charset="0"/>
-              </a:rPr>
-              <a:t>connectAttr</a:t>
-            </a:r>
-            <a:r>
-              <a:rPr lang="en-US" sz="1400" dirty="0" smtClean="0">
-                <a:solidFill>
-                  <a:srgbClr val="FFFF00"/>
-                </a:solidFill>
-                <a:latin typeface="Calibri" pitchFamily="34" charset="0"/>
-              </a:rPr>
-              <a:t> sphere2.translate circleNode1.inputTranslate;</a:t>
-            </a:r>
-          </a:p>
-          <a:p>
-            <a:r>
-              <a:rPr lang="en-US" sz="1400" dirty="0" smtClean="0">
-                <a:solidFill>
-                  <a:srgbClr val="FFFF00"/>
-                </a:solidFill>
-                <a:latin typeface="Calibri" pitchFamily="34" charset="0"/>
-              </a:rPr>
-              <a:t>    	</a:t>
-            </a:r>
-            <a:r>
-              <a:rPr lang="en-US" sz="1400" dirty="0" err="1" smtClean="0">
-                <a:solidFill>
-                  <a:srgbClr val="FFFF00"/>
-                </a:solidFill>
-                <a:latin typeface="Calibri" pitchFamily="34" charset="0"/>
-              </a:rPr>
-              <a:t>connectAttr</a:t>
-            </a:r>
-            <a:r>
-              <a:rPr lang="en-US" sz="1400" dirty="0" smtClean="0">
-                <a:solidFill>
-                  <a:srgbClr val="FFFF00"/>
-                </a:solidFill>
-                <a:latin typeface="Calibri" pitchFamily="34" charset="0"/>
-              </a:rPr>
-              <a:t> circleNode1.outputTranslate sphere1.translate;</a:t>
-            </a:r>
-          </a:p>
-          <a:p>
-            <a:r>
-              <a:rPr lang="en-US" sz="1400" dirty="0" smtClean="0">
-                <a:solidFill>
-                  <a:srgbClr val="FFFF00"/>
-                </a:solidFill>
-                <a:latin typeface="Calibri" pitchFamily="34" charset="0"/>
-              </a:rPr>
-              <a:t>   	</a:t>
-            </a:r>
-            <a:r>
-              <a:rPr lang="en-US" sz="1400" dirty="0" err="1" smtClean="0">
-                <a:solidFill>
-                  <a:srgbClr val="FFFF00"/>
-                </a:solidFill>
-                <a:latin typeface="Calibri" pitchFamily="34" charset="0"/>
-              </a:rPr>
-              <a:t>connectAttr</a:t>
-            </a:r>
-            <a:r>
-              <a:rPr lang="en-US" sz="1400" dirty="0" smtClean="0">
-                <a:solidFill>
-                  <a:srgbClr val="FFFF00"/>
-                </a:solidFill>
-                <a:latin typeface="Calibri" pitchFamily="34" charset="0"/>
-              </a:rPr>
               <a:t> time1.outTime circleNode1.input;</a:t>
             </a:r>
-          </a:p>
-          <a:p>
-            <a:endParaRPr lang="en-US" dirty="0"/>
           </a:p>
         </p:txBody>
       </p:sp>
@@ -21603,41 +21175,29 @@
           <a:p>
             <a:r>
               <a:rPr lang="en-US" sz="1600" dirty="0" err="1" smtClean="0"/>
-              <a:t>MSceneMessage</a:t>
+              <a:t>OpenMaya.MSceneMessage.addCallback</a:t>
             </a:r>
             <a:r>
               <a:rPr lang="en-US" sz="1600" dirty="0" smtClean="0"/>
-              <a:t>::</a:t>
+              <a:t> (</a:t>
             </a:r>
             <a:r>
               <a:rPr lang="en-US" sz="1600" dirty="0" err="1" smtClean="0"/>
-              <a:t>addCallback</a:t>
+              <a:t>OpenMaya.MSceneMessage</a:t>
+            </a:r>
+            <a:r>
+              <a:rPr lang="en-US" sz="1600" i="1" dirty="0" smtClean="0"/>
+              <a:t>,</a:t>
             </a:r>
             <a:r>
               <a:rPr lang="en-US" sz="1600" dirty="0" smtClean="0"/>
-              <a:t> ( </a:t>
-            </a:r>
-            <a:r>
-              <a:rPr lang="en-US" sz="1600" dirty="0" err="1" smtClean="0"/>
-              <a:t>MSceneMessage</a:t>
-            </a:r>
+              <a:t> </a:t>
+            </a:r>
+          </a:p>
+          <a:p>
             <a:r>
               <a:rPr lang="en-US" sz="1600" dirty="0" smtClean="0"/>
-              <a:t>::Message  </a:t>
-            </a:r>
-            <a:r>
-              <a:rPr lang="en-US" sz="1600" dirty="0" err="1" smtClean="0"/>
-              <a:t>msg</a:t>
-            </a:r>
-            <a:r>
-              <a:rPr lang="en-US" sz="1600" dirty="0" smtClean="0"/>
-              <a:t>, </a:t>
-            </a:r>
-          </a:p>
-          <a:p>
-            <a:r>
-              <a:rPr lang="en-US" sz="1600" dirty="0" smtClean="0"/>
-              <a:t>                                                        , void *  </a:t>
+              <a:t>                                                 , </a:t>
             </a:r>
             <a:r>
               <a:rPr lang="en-US" sz="1600" dirty="0" err="1" smtClean="0"/>
@@ -21645,23 +21205,7 @@
             </a:r>
             <a:r>
               <a:rPr lang="en-US" sz="1600" dirty="0" smtClean="0"/>
-              <a:t> = NULL, </a:t>
-            </a:r>
-            <a:r>
-              <a:rPr lang="en-US" sz="1600" dirty="0" err="1" smtClean="0"/>
-              <a:t>MStatus</a:t>
-            </a:r>
-            <a:r>
-              <a:rPr lang="en-US" sz="1600" dirty="0" smtClean="0"/>
-              <a:t> *  </a:t>
-            </a:r>
-            <a:r>
-              <a:rPr lang="en-US" sz="1600" dirty="0" err="1" smtClean="0"/>
-              <a:t>ReturnStatus</a:t>
-            </a:r>
-            <a:r>
-              <a:rPr lang="en-US" sz="1600" dirty="0" smtClean="0"/>
-              <a:t> = NULL   )</a:t>
+              <a:t>)</a:t>
             </a:r>
           </a:p>
           <a:p>
@@ -21696,13 +21240,22 @@
               <a:t>  </a:t>
             </a:r>
             <a:r>
+              <a:rPr lang="en-CA" sz="1600" dirty="0" smtClean="0">
+                <a:solidFill>
+                  <a:srgbClr val="FFFF00"/>
+                </a:solidFill>
+                <a:latin typeface="Calibri" pitchFamily="34" charset="0"/>
+              </a:rPr>
+              <a:t>def </a:t>
+            </a:r>
+            <a:r>
               <a:rPr lang="en-CA" sz="1600" dirty="0" err="1" smtClean="0">
                 <a:solidFill>
                   <a:srgbClr val="FFFF00"/>
                 </a:solidFill>
                 <a:latin typeface="Calibri" pitchFamily="34" charset="0"/>
               </a:rPr>
-              <a:t>typedef</a:t>
+              <a:t>MMessage_MBasicFunction</a:t>
             </a:r>
             <a:r>
               <a:rPr lang="en-CA" sz="1600" dirty="0" smtClean="0">
@@ -21711,7 +21264,7 @@
                 </a:solidFill>
                 <a:latin typeface="Calibri" pitchFamily="34" charset="0"/>
               </a:rPr>
-              <a:t> void(*  </a:t>
+              <a:t> (</a:t>
             </a:r>
             <a:r>
               <a:rPr lang="en-CA" sz="1600" dirty="0" err="1" smtClean="0">
@@ -21720,43 +21273,7 @@
                 </a:solidFill>
                 <a:latin typeface="Calibri" pitchFamily="34" charset="0"/>
               </a:rPr>
-              <a:t>MMessage</a:t>
-            </a:r>
-            <a:r>
-              <a:rPr lang="en-CA" sz="1600" dirty="0" smtClean="0">
-                <a:solidFill>
-                  <a:srgbClr val="FFFF00"/>
-                </a:solidFill>
-                <a:latin typeface="Calibri" pitchFamily="34" charset="0"/>
-              </a:rPr>
-              <a:t>::</a:t>
-            </a:r>
-            <a:r>
-              <a:rPr lang="en-CA" sz="1600" dirty="0" err="1" smtClean="0">
-                <a:solidFill>
-                  <a:srgbClr val="FFFF00"/>
-                </a:solidFill>
-                <a:latin typeface="Calibri" pitchFamily="34" charset="0"/>
-              </a:rPr>
-              <a:t>MBasicFunction</a:t>
-            </a:r>
-            <a:r>
-              <a:rPr lang="en-CA" sz="1600" dirty="0" smtClean="0">
-                <a:solidFill>
-                  <a:srgbClr val="FFFF00"/>
-                </a:solidFill>
-                <a:latin typeface="Calibri" pitchFamily="34" charset="0"/>
-              </a:rPr>
-              <a:t> )(void *</a:t>
-            </a:r>
-            <a:r>
-              <a:rPr lang="en-CA" sz="1600" dirty="0" err="1" smtClean="0">
-                <a:solidFill>
-                  <a:srgbClr val="FFFF00"/>
-                </a:solidFill>
-                <a:latin typeface="Calibri" pitchFamily="34" charset="0"/>
-              </a:rPr>
-              <a:t>clientData</a:t>
+              <a:t>args</a:t>
             </a:r>
             <a:r>
               <a:rPr lang="en-CA" sz="1600" dirty="0" smtClean="0">
@@ -21820,7 +21337,7 @@
         <p:spPr>
           <a:xfrm>
             <a:off x="319088" y="1416050"/>
-            <a:ext cx="3352800" cy="584775"/>
+            <a:ext cx="3262312" cy="584775"/>
           </a:xfrm>
           <a:prstGeom prst="rect">
             <a:avLst/>
@@ -21848,7 +21365,7 @@
                 </a:solidFill>
                 <a:latin typeface="Arial"/>
               </a:rPr>
-              <a:t>MMessage</a:t>
+              <a:t>MMessage_MBasicFunction</a:t>
             </a:r>
             <a:r>
               <a:rPr lang="en-US" sz="1600" kern="0" dirty="0" smtClean="0">
@@ -21857,41 +21374,8 @@
                 </a:solidFill>
                 <a:latin typeface="Arial"/>
               </a:rPr>
-              <a:t>::</a:t>
-            </a:r>
-            <a:r>
-              <a:rPr lang="en-US" sz="1600" kern="0" dirty="0" err="1" smtClean="0">
-                <a:solidFill>
-                  <a:srgbClr val="FFFFFF"/>
-                </a:solidFill>
-                <a:latin typeface="Arial"/>
-              </a:rPr>
-              <a:t>MBasicFunction</a:t>
-            </a:r>
-            <a:r>
-              <a:rPr lang="en-US" sz="1600" kern="0" dirty="0" smtClean="0">
-                <a:solidFill>
-                  <a:srgbClr val="FFFFFF"/>
-                </a:solidFill>
-                <a:latin typeface="Arial"/>
-              </a:rPr>
-              <a:t>  </a:t>
-            </a:r>
-            <a:r>
-              <a:rPr lang="en-US" sz="1600" kern="0" dirty="0" err="1" smtClean="0">
-                <a:solidFill>
-                  <a:srgbClr val="FFFFFF"/>
-                </a:solidFill>
-                <a:latin typeface="Arial"/>
-              </a:rPr>
-              <a:t>func</a:t>
-            </a:r>
-            <a:endParaRPr lang="en-US" sz="1600" kern="0" dirty="0" smtClean="0">
-              <a:solidFill>
-                <a:srgbClr val="FFFFFF"/>
-              </a:solidFill>
-              <a:latin typeface="Arial"/>
-            </a:endParaRPr>
+              <a:t> </a:t>
+            </a:r>
           </a:p>
         </p:txBody>
       </p:sp>
@@ -21939,7 +21423,7 @@
         <p:spPr>
           <a:xfrm>
             <a:off x="4572000" y="3081756"/>
-            <a:ext cx="3505200" cy="338554"/>
+            <a:ext cx="3962400" cy="338554"/>
           </a:xfrm>
           <a:prstGeom prst="rect">
             <a:avLst/>
@@ -21959,25 +21443,7 @@
                 </a:solidFill>
                 <a:latin typeface="Calibri" pitchFamily="34" charset="0"/>
               </a:rPr>
-              <a:t>MSceneMessage</a:t>
-            </a:r>
-            <a:r>
-              <a:rPr lang="en-CA" sz="1600" dirty="0" smtClean="0">
-                <a:solidFill>
-                  <a:srgbClr val="FFFF00"/>
-                </a:solidFill>
-                <a:latin typeface="Calibri" pitchFamily="34" charset="0"/>
-              </a:rPr>
-              <a:t>::</a:t>
-            </a:r>
-            <a:r>
-              <a:rPr lang="en-CA" sz="1600" dirty="0" err="1" smtClean="0">
-                <a:solidFill>
-                  <a:srgbClr val="FFFF00"/>
-                </a:solidFill>
-                <a:latin typeface="Calibri" pitchFamily="34" charset="0"/>
-              </a:rPr>
-              <a:t>kAfterOpen</a:t>
+              <a:t>OpenMaya.MSceneMessage.kAfterOpen</a:t>
             </a:r>
             <a:endParaRPr lang="en-US" sz="1600" dirty="0"/>
           </a:p>
@@ -21992,7 +21458,7 @@
         <p:spPr>
           <a:xfrm>
             <a:off x="304800" y="4538246"/>
-            <a:ext cx="7772400" cy="338554"/>
+            <a:ext cx="7772400" cy="584775"/>
           </a:xfrm>
           <a:prstGeom prst="rect">
             <a:avLst/>
@@ -22005,13 +21471,40 @@
           <a:lstStyle/>
           <a:p>
             <a:r>
+              <a:rPr lang="en-US" sz="1600" dirty="0" err="1" smtClean="0">
+                <a:solidFill>
+                  <a:srgbClr val="FFFF00"/>
+                </a:solidFill>
+                <a:latin typeface="Calibri" pitchFamily="34" charset="0"/>
+              </a:rPr>
+              <a:t>OpenMaya.MSceneMessage.addCallback</a:t>
+            </a:r>
+            <a:r>
+              <a:rPr lang="en-US" sz="1600" dirty="0" smtClean="0">
+                <a:solidFill>
+                  <a:srgbClr val="FFFF00"/>
+                </a:solidFill>
+                <a:latin typeface="Calibri" pitchFamily="34" charset="0"/>
+              </a:rPr>
+              <a:t> </a:t>
+            </a:r>
+            <a:r>
+              <a:rPr lang="en-CA" sz="1600" dirty="0" smtClean="0">
+                <a:solidFill>
+                  <a:srgbClr val="FFFF00"/>
+                </a:solidFill>
+                <a:latin typeface="Calibri" pitchFamily="34" charset="0"/>
+              </a:rPr>
+              <a:t>( </a:t>
+            </a:r>
+            <a:r>
               <a:rPr lang="en-CA" sz="1600" dirty="0" err="1" smtClean="0">
                 <a:solidFill>
                   <a:srgbClr val="FFFF00"/>
                 </a:solidFill>
                 <a:latin typeface="Calibri" pitchFamily="34" charset="0"/>
               </a:rPr>
-              <a:t>MSceneMessage</a:t>
+              <a:t>OpenMaya.MSceneMessage.kAfterOpen</a:t>
             </a:r>
             <a:r>
               <a:rPr lang="en-CA" sz="1600" dirty="0" smtClean="0">
@@ -22020,7 +21513,7 @@
                 </a:solidFill>
                 <a:latin typeface="Calibri" pitchFamily="34" charset="0"/>
               </a:rPr>
-              <a:t>::</a:t>
+              <a:t>, </a:t>
             </a:r>
             <a:r>
               <a:rPr lang="en-CA" sz="1600" dirty="0" err="1" smtClean="0">
@@ -22029,7 +21522,7 @@
                 </a:solidFill>
                 <a:latin typeface="Calibri" pitchFamily="34" charset="0"/>
               </a:rPr>
-              <a:t>addCallback</a:t>
+              <a:t>afterFileOpenCallback</a:t>
             </a:r>
             <a:r>
               <a:rPr lang="en-CA" sz="1600" dirty="0" smtClean="0">
@@ -22038,61 +21531,7 @@
                 </a:solidFill>
                 <a:latin typeface="Calibri" pitchFamily="34" charset="0"/>
               </a:rPr>
-              <a:t>( </a:t>
-            </a:r>
-            <a:r>
-              <a:rPr lang="en-CA" sz="1600" dirty="0" err="1" smtClean="0">
-                <a:solidFill>
-                  <a:srgbClr val="FFFF00"/>
-                </a:solidFill>
-                <a:latin typeface="Calibri" pitchFamily="34" charset="0"/>
-              </a:rPr>
-              <a:t>MSceneMessage</a:t>
-            </a:r>
-            <a:r>
-              <a:rPr lang="en-CA" sz="1600" dirty="0" smtClean="0">
-                <a:solidFill>
-                  <a:srgbClr val="FFFF00"/>
-                </a:solidFill>
-                <a:latin typeface="Calibri" pitchFamily="34" charset="0"/>
-              </a:rPr>
-              <a:t>::</a:t>
-            </a:r>
-            <a:r>
-              <a:rPr lang="en-CA" sz="1600" dirty="0" err="1" smtClean="0">
-                <a:solidFill>
-                  <a:srgbClr val="FFFF00"/>
-                </a:solidFill>
-                <a:latin typeface="Calibri" pitchFamily="34" charset="0"/>
-              </a:rPr>
-              <a:t>kAfterOpen</a:t>
-            </a:r>
-            <a:r>
-              <a:rPr lang="en-CA" sz="1600" dirty="0" smtClean="0">
-                <a:solidFill>
-                  <a:srgbClr val="FFFF00"/>
-                </a:solidFill>
-                <a:latin typeface="Calibri" pitchFamily="34" charset="0"/>
-              </a:rPr>
-              <a:t>, &amp;</a:t>
-            </a:r>
-            <a:r>
-              <a:rPr lang="en-CA" sz="1600" dirty="0" err="1" smtClean="0">
-                <a:solidFill>
-                  <a:srgbClr val="FFFF00"/>
-                </a:solidFill>
-                <a:latin typeface="Calibri" pitchFamily="34" charset="0"/>
-              </a:rPr>
-              <a:t>afterFileOpenCallback</a:t>
-            </a:r>
-            <a:r>
-              <a:rPr lang="en-CA" sz="1600" dirty="0" smtClean="0">
-                <a:solidFill>
-                  <a:srgbClr val="FFFF00"/>
-                </a:solidFill>
-                <a:latin typeface="Calibri" pitchFamily="34" charset="0"/>
-              </a:rPr>
-              <a:t>);</a:t>
+              <a:t>)</a:t>
             </a:r>
             <a:endParaRPr lang="en-US" sz="1600" dirty="0"/>
           </a:p>
@@ -22108,8 +21547,8 @@
         </p:nvSpPr>
         <p:spPr bwMode="auto">
           <a:xfrm>
-            <a:off x="5638800" y="4538246"/>
-            <a:ext cx="2286000" cy="296535"/>
+            <a:off x="4876800" y="4538246"/>
+            <a:ext cx="2514600" cy="296535"/>
           </a:xfrm>
           <a:prstGeom prst="roundRect">
             <a:avLst>
@@ -22529,7 +21968,7 @@
         <p:spPr bwMode="auto">
           <a:xfrm>
             <a:off x="319088" y="2322493"/>
-            <a:ext cx="7924800" cy="2133600"/>
+            <a:ext cx="8824912" cy="2133600"/>
           </a:xfrm>
           <a:prstGeom prst="rect">
             <a:avLst/>
@@ -22563,10 +22002,10 @@
                 </a:solidFill>
                 <a:latin typeface="Calibri" pitchFamily="34" charset="0"/>
               </a:rPr>
-              <a:t>void </a:t>
-            </a:r>
-            <a:r>
-              <a:rPr lang="en-CA" sz="1400" dirty="0" err="1">
+              <a:t>def </a:t>
+            </a:r>
+            <a:r>
+              <a:rPr lang="en-CA" sz="1400" dirty="0" err="1" smtClean="0">
                 <a:solidFill>
                   <a:srgbClr val="FFFF00"/>
                 </a:solidFill>
@@ -22575,16 +22014,16 @@
               <a:t>afterFileOpenCallback</a:t>
             </a:r>
             <a:r>
-              <a:rPr lang="en-CA" sz="1400" dirty="0">
-                <a:solidFill>
-                  <a:srgbClr val="FFFF00"/>
-                </a:solidFill>
-                <a:latin typeface="Calibri" pitchFamily="34" charset="0"/>
-              </a:rPr>
-              <a:t>(void* </a:t>
-            </a:r>
-            <a:r>
-              <a:rPr lang="en-CA" sz="1400" dirty="0" err="1">
+              <a:rPr lang="en-CA" sz="1400" dirty="0" smtClean="0">
+                <a:solidFill>
+                  <a:srgbClr val="FFFF00"/>
+                </a:solidFill>
+                <a:latin typeface="Calibri" pitchFamily="34" charset="0"/>
+              </a:rPr>
+              <a:t>(</a:t>
+            </a:r>
+            <a:r>
+              <a:rPr lang="en-CA" sz="1400" dirty="0" err="1" smtClean="0">
                 <a:solidFill>
                   <a:srgbClr val="FFFF00"/>
                 </a:solidFill>
@@ -22593,103 +22032,14 @@
               <a:t>clientData</a:t>
             </a:r>
             <a:r>
-              <a:rPr lang="en-CA" sz="1400" dirty="0">
-                <a:solidFill>
-                  <a:srgbClr val="FFFF00"/>
-                </a:solidFill>
-                <a:latin typeface="Calibri" pitchFamily="34" charset="0"/>
-              </a:rPr>
-              <a:t>)</a:t>
-            </a:r>
-          </a:p>
-          <a:p>
-            <a:r>
-              <a:rPr lang="en-CA" sz="1400" dirty="0">
-                <a:solidFill>
-                  <a:srgbClr val="FFFF00"/>
-                </a:solidFill>
-                <a:latin typeface="Calibri" pitchFamily="34" charset="0"/>
-              </a:rPr>
-              <a:t>{</a:t>
-            </a:r>
-          </a:p>
-          <a:p>
-            <a:r>
-              <a:rPr lang="en-CA" sz="1400" dirty="0">
-                <a:solidFill>
-                  <a:srgbClr val="FFFF00"/>
-                </a:solidFill>
-                <a:latin typeface="Calibri" pitchFamily="34" charset="0"/>
-              </a:rPr>
-              <a:t>     </a:t>
-            </a:r>
-            <a:r>
-              <a:rPr lang="en-CA" sz="1400" dirty="0" err="1">
-                <a:solidFill>
-                  <a:srgbClr val="FFFF00"/>
-                </a:solidFill>
-                <a:latin typeface="Calibri" pitchFamily="34" charset="0"/>
-              </a:rPr>
-              <a:t>cout</a:t>
-            </a:r>
-            <a:r>
-              <a:rPr lang="en-CA" sz="1400" dirty="0">
-                <a:solidFill>
-                  <a:srgbClr val="FFFF00"/>
-                </a:solidFill>
-                <a:latin typeface="Calibri" pitchFamily="34" charset="0"/>
-              </a:rPr>
-              <a:t> &lt;&lt; </a:t>
-            </a:r>
-            <a:r>
               <a:rPr lang="en-CA" sz="1400" dirty="0" smtClean="0">
                 <a:solidFill>
                   <a:srgbClr val="FFFF00"/>
                 </a:solidFill>
                 <a:latin typeface="Calibri" pitchFamily="34" charset="0"/>
               </a:rPr>
-              <a:t>“Come to this  </a:t>
-            </a:r>
-            <a:r>
-              <a:rPr lang="en-CA" sz="1400" dirty="0" err="1" smtClean="0">
-                <a:solidFill>
-                  <a:srgbClr val="FFFF00"/>
-                </a:solidFill>
-                <a:latin typeface="Calibri" pitchFamily="34" charset="0"/>
-              </a:rPr>
-              <a:t>afterFileOpenCallback</a:t>
-            </a:r>
-            <a:r>
-              <a:rPr lang="en-CA" sz="1400" dirty="0" smtClean="0">
-                <a:solidFill>
-                  <a:srgbClr val="FFFF00"/>
-                </a:solidFill>
-                <a:latin typeface="Calibri" pitchFamily="34" charset="0"/>
-              </a:rPr>
-              <a:t> function\n</a:t>
-            </a:r>
-            <a:r>
-              <a:rPr lang="en-CA" sz="1400" dirty="0">
-                <a:solidFill>
-                  <a:srgbClr val="FFFF00"/>
-                </a:solidFill>
-                <a:latin typeface="Calibri" pitchFamily="34" charset="0"/>
-              </a:rPr>
-              <a:t>”;</a:t>
-            </a:r>
-          </a:p>
-          <a:p>
-            <a:r>
-              <a:rPr lang="en-CA" sz="1400" dirty="0">
-                <a:solidFill>
-                  <a:srgbClr val="FFFF00"/>
-                </a:solidFill>
-                <a:latin typeface="Calibri" pitchFamily="34" charset="0"/>
-              </a:rPr>
-              <a:t>}</a:t>
-            </a:r>
-          </a:p>
-          <a:p>
+              <a:t>):</a:t>
+            </a:r>
             <a:endParaRPr lang="en-CA" sz="1400" dirty="0">
               <a:solidFill>
                 <a:srgbClr val="FFFF00"/>
@@ -22698,6 +22048,33 @@
             </a:endParaRPr>
           </a:p>
           <a:p>
+            <a:r>
+              <a:rPr lang="en-CA" sz="1400" dirty="0" smtClean="0">
+                <a:solidFill>
+                  <a:srgbClr val="FFFF00"/>
+                </a:solidFill>
+                <a:latin typeface="Calibri" pitchFamily="34" charset="0"/>
+              </a:rPr>
+              <a:t>     print “Come to this  </a:t>
+            </a:r>
+            <a:r>
+              <a:rPr lang="en-CA" sz="1400" dirty="0" err="1" smtClean="0">
+                <a:solidFill>
+                  <a:srgbClr val="FFFF00"/>
+                </a:solidFill>
+                <a:latin typeface="Calibri" pitchFamily="34" charset="0"/>
+              </a:rPr>
+              <a:t>afterFileOpenCallback</a:t>
+            </a:r>
+            <a:r>
+              <a:rPr lang="en-CA" sz="1400" dirty="0" smtClean="0">
+                <a:solidFill>
+                  <a:srgbClr val="FFFF00"/>
+                </a:solidFill>
+                <a:latin typeface="Calibri" pitchFamily="34" charset="0"/>
+              </a:rPr>
+              <a:t> function\n”</a:t>
+            </a:r>
             <a:endParaRPr lang="en-CA" sz="1400" dirty="0">
               <a:solidFill>
                 <a:srgbClr val="FFFF00"/>
@@ -22706,6 +22083,14 @@
             </a:endParaRPr>
           </a:p>
           <a:p>
+            <a:endParaRPr lang="en-CA" sz="1400" dirty="0">
+              <a:solidFill>
+                <a:srgbClr val="FFFF00"/>
+              </a:solidFill>
+              <a:latin typeface="Calibri" pitchFamily="34" charset="0"/>
+            </a:endParaRPr>
+          </a:p>
+          <a:p>
             <a:r>
               <a:rPr lang="en-CA" sz="1400" dirty="0" smtClean="0">
                 <a:solidFill>
@@ -22713,7 +22098,7 @@
                 </a:solidFill>
                 <a:latin typeface="Calibri" pitchFamily="34" charset="0"/>
               </a:rPr>
-              <a:t>void </a:t>
+              <a:t>def </a:t>
             </a:r>
             <a:r>
               <a:rPr lang="en-CA" sz="1400" dirty="0" err="1" smtClean="0">
@@ -22722,7 +22107,7 @@
                 </a:solidFill>
                 <a:latin typeface="Calibri" pitchFamily="34" charset="0"/>
               </a:rPr>
-              <a:t>MyCmd</a:t>
+              <a:t>MyCmd_addCallback</a:t>
             </a:r>
             <a:r>
               <a:rPr lang="en-CA" sz="1400" dirty="0" smtClean="0">
@@ -22731,7 +22116,18 @@
                 </a:solidFill>
                 <a:latin typeface="Calibri" pitchFamily="34" charset="0"/>
               </a:rPr>
-              <a:t>::</a:t>
+              <a:t>():</a:t>
+            </a:r>
+          </a:p>
+          <a:p>
+            <a:r>
+              <a:rPr lang="en-CA" sz="1400" dirty="0" smtClean="0">
+                <a:solidFill>
+                  <a:srgbClr val="FFFF00"/>
+                </a:solidFill>
+                <a:latin typeface="Calibri" pitchFamily="34" charset="0"/>
+              </a:rPr>
+              <a:t>             </a:t>
             </a:r>
             <a:r>
               <a:rPr lang="en-CA" sz="1400" dirty="0" err="1" smtClean="0">
@@ -22740,7 +22136,7 @@
                 </a:solidFill>
                 <a:latin typeface="Calibri" pitchFamily="34" charset="0"/>
               </a:rPr>
-              <a:t>addCallback</a:t>
+              <a:t>OpenMaya.MSceneMessage.addCallback</a:t>
             </a:r>
             <a:r>
               <a:rPr lang="en-CA" sz="1400" dirty="0" smtClean="0">
@@ -22749,10 +22145,17 @@
                 </a:solidFill>
                 <a:latin typeface="Calibri" pitchFamily="34" charset="0"/>
               </a:rPr>
-              <a:t>()</a:t>
-            </a:r>
-          </a:p>
-          <a:p>
+              <a:t>(</a:t>
+            </a:r>
+            <a:r>
+              <a:rPr lang="en-CA" sz="1400" dirty="0" err="1" smtClean="0">
+                <a:solidFill>
+                  <a:srgbClr val="FFFF00"/>
+                </a:solidFill>
+                <a:latin typeface="Calibri" pitchFamily="34" charset="0"/>
+              </a:rPr>
+              <a:t>OpenMaya.MSceneMessage.kAfterOpen</a:t>
+            </a:r>
             <a:r>
               <a:rPr lang="en-CA" sz="1400" dirty="0" smtClean="0">
                 <a:solidFill>
@@ -22760,10 +22163,17 @@
                 </a:solidFill>
                 <a:latin typeface="Calibri" pitchFamily="34" charset="0"/>
               </a:rPr>
-              <a:t>{</a:t>
-            </a:r>
-          </a:p>
-          <a:p>
+              <a:t>, </a:t>
+            </a:r>
+            <a:r>
+              <a:rPr lang="en-CA" sz="1400" dirty="0" err="1" smtClean="0">
+                <a:solidFill>
+                  <a:srgbClr val="FFFF00"/>
+                </a:solidFill>
+                <a:latin typeface="Calibri" pitchFamily="34" charset="0"/>
+              </a:rPr>
+              <a:t>afterFileOpenCallback</a:t>
+            </a:r>
             <a:r>
               <a:rPr lang="en-CA" sz="1400" dirty="0" smtClean="0">
                 <a:solidFill>
@@ -22771,108 +22181,7 @@
                 </a:solidFill>
                 <a:latin typeface="Calibri" pitchFamily="34" charset="0"/>
               </a:rPr>
-              <a:t>	 </a:t>
-            </a:r>
-            <a:r>
-              <a:rPr lang="en-CA" sz="1400" dirty="0" err="1" smtClean="0">
-                <a:solidFill>
-                  <a:srgbClr val="FFFF00"/>
-                </a:solidFill>
-                <a:latin typeface="Calibri" pitchFamily="34" charset="0"/>
-              </a:rPr>
-              <a:t>MSceneMessage</a:t>
-            </a:r>
-            <a:r>
-              <a:rPr lang="en-CA" sz="1400" dirty="0" smtClean="0">
-                <a:solidFill>
-                  <a:srgbClr val="FFFF00"/>
-                </a:solidFill>
-                <a:latin typeface="Calibri" pitchFamily="34" charset="0"/>
-              </a:rPr>
-              <a:t>::</a:t>
-            </a:r>
-            <a:r>
-              <a:rPr lang="en-CA" sz="1400" dirty="0" err="1" smtClean="0">
-                <a:solidFill>
-                  <a:srgbClr val="FFFF00"/>
-                </a:solidFill>
-                <a:latin typeface="Calibri" pitchFamily="34" charset="0"/>
-              </a:rPr>
-              <a:t>addCallback</a:t>
-            </a:r>
-            <a:r>
-              <a:rPr lang="en-CA" sz="1400" dirty="0" smtClean="0">
-                <a:solidFill>
-                  <a:srgbClr val="FFFF00"/>
-                </a:solidFill>
-                <a:latin typeface="Calibri" pitchFamily="34" charset="0"/>
-              </a:rPr>
-              <a:t>( </a:t>
-            </a:r>
-            <a:r>
-              <a:rPr lang="en-CA" sz="1400" dirty="0" err="1" smtClean="0">
-                <a:solidFill>
-                  <a:srgbClr val="FFFF00"/>
-                </a:solidFill>
-                <a:latin typeface="Calibri" pitchFamily="34" charset="0"/>
-              </a:rPr>
-              <a:t>MSceneMessage</a:t>
-            </a:r>
-            <a:r>
-              <a:rPr lang="en-CA" sz="1400" dirty="0" smtClean="0">
-                <a:solidFill>
-                  <a:srgbClr val="FFFF00"/>
-                </a:solidFill>
-                <a:latin typeface="Calibri" pitchFamily="34" charset="0"/>
-              </a:rPr>
-              <a:t>::</a:t>
-            </a:r>
-            <a:r>
-              <a:rPr lang="en-CA" sz="1400" dirty="0" err="1" smtClean="0">
-                <a:solidFill>
-                  <a:srgbClr val="FFFF00"/>
-                </a:solidFill>
-                <a:latin typeface="Calibri" pitchFamily="34" charset="0"/>
-              </a:rPr>
-              <a:t>kAfterOpen</a:t>
-            </a:r>
-            <a:r>
-              <a:rPr lang="en-CA" sz="1400" dirty="0" smtClean="0">
-                <a:solidFill>
-                  <a:srgbClr val="FFFF00"/>
-                </a:solidFill>
-                <a:latin typeface="Calibri" pitchFamily="34" charset="0"/>
-              </a:rPr>
-              <a:t>, &amp;</a:t>
-            </a:r>
-            <a:r>
-              <a:rPr lang="en-CA" sz="1400" dirty="0" err="1" smtClean="0">
-                <a:solidFill>
-                  <a:srgbClr val="FFFF00"/>
-                </a:solidFill>
-                <a:latin typeface="Calibri" pitchFamily="34" charset="0"/>
-              </a:rPr>
-              <a:t>afterFileOpenCallback</a:t>
-            </a:r>
-            <a:r>
-              <a:rPr lang="en-CA" sz="1400" dirty="0" smtClean="0">
-                <a:solidFill>
-                  <a:srgbClr val="FFFF00"/>
-                </a:solidFill>
-                <a:latin typeface="Calibri" pitchFamily="34" charset="0"/>
-              </a:rPr>
-              <a:t>);</a:t>
-            </a:r>
-          </a:p>
-          <a:p>
-            <a:r>
-              <a:rPr lang="en-CA" sz="1400" dirty="0" smtClean="0">
-                <a:solidFill>
-                  <a:srgbClr val="FFFF00"/>
-                </a:solidFill>
-                <a:latin typeface="Calibri" pitchFamily="34" charset="0"/>
-              </a:rPr>
-              <a:t>}</a:t>
+              <a:t>)</a:t>
             </a:r>
           </a:p>
           <a:p>
@@ -22914,7 +22223,7 @@
                 </a:solidFill>
                 <a:latin typeface="Calibri" pitchFamily="34" charset="0"/>
               </a:rPr>
-              <a:t>static </a:t>
+              <a:t>Id = </a:t>
             </a:r>
             <a:r>
               <a:rPr lang="en-CA" sz="1400" dirty="0" err="1" smtClean="0">
@@ -22923,7 +22232,7 @@
                 </a:solidFill>
                 <a:latin typeface="Calibri" pitchFamily="34" charset="0"/>
               </a:rPr>
-              <a:t>MCallbackId</a:t>
+              <a:t>OpenMaya.MCallbackId</a:t>
             </a:r>
             <a:r>
               <a:rPr lang="en-CA" sz="1400" dirty="0" smtClean="0">
@@ -22932,7 +22241,7 @@
                 </a:solidFill>
                 <a:latin typeface="Calibri" pitchFamily="34" charset="0"/>
               </a:rPr>
-              <a:t> id;</a:t>
+              <a:t>()</a:t>
             </a:r>
           </a:p>
         </p:txBody>
@@ -22945,7 +22254,7 @@
         </p:nvSpPr>
         <p:spPr>
           <a:xfrm>
-            <a:off x="762000" y="4040594"/>
+            <a:off x="495300" y="3200400"/>
             <a:ext cx="533400" cy="523220"/>
           </a:xfrm>
           <a:prstGeom prst="rect">
@@ -22994,7 +22303,7 @@
         <p:spPr>
           <a:xfrm>
             <a:off x="319088" y="5218093"/>
-            <a:ext cx="4710112" cy="954107"/>
+            <a:ext cx="4710112" cy="738664"/>
           </a:xfrm>
           <a:prstGeom prst="rect">
             <a:avLst/>
@@ -23015,7 +22324,7 @@
                 </a:solidFill>
                 <a:latin typeface="Calibri" pitchFamily="34" charset="0"/>
               </a:rPr>
-              <a:t>void </a:t>
+              <a:t>def </a:t>
             </a:r>
             <a:r>
               <a:rPr lang="en-CA" sz="1400" dirty="0" err="1" smtClean="0">
@@ -23024,7 +22333,7 @@
                 </a:solidFill>
                 <a:latin typeface="Calibri" pitchFamily="34" charset="0"/>
               </a:rPr>
-              <a:t>MyCmd</a:t>
+              <a:t>MyCmd_removeCallback</a:t>
             </a:r>
             <a:r>
               <a:rPr lang="en-CA" sz="1400" dirty="0" smtClean="0">
@@ -23033,7 +22342,19 @@
                 </a:solidFill>
                 <a:latin typeface="Calibri" pitchFamily="34" charset="0"/>
               </a:rPr>
-              <a:t>::</a:t>
+              <a:t>():</a:t>
+            </a:r>
+          </a:p>
+          <a:p>
+            <a:pPr lvl="0"/>
+            <a:r>
+              <a:rPr lang="en-CA" sz="1400" dirty="0" smtClean="0">
+                <a:solidFill>
+                  <a:srgbClr val="FFFF00"/>
+                </a:solidFill>
+                <a:latin typeface="Calibri" pitchFamily="34" charset="0"/>
+              </a:rPr>
+              <a:t>     </a:t>
             </a:r>
             <a:r>
               <a:rPr lang="en-CA" sz="1400" dirty="0" err="1" smtClean="0">
@@ -23042,7 +22363,7 @@
                 </a:solidFill>
                 <a:latin typeface="Calibri" pitchFamily="34" charset="0"/>
               </a:rPr>
-              <a:t>removeCallback</a:t>
+              <a:t>OpenMaya.MMessage.removeCallback</a:t>
             </a:r>
             <a:r>
               <a:rPr lang="en-CA" sz="1400" dirty="0" smtClean="0">
@@ -23051,80 +22372,11 @@
                 </a:solidFill>
                 <a:latin typeface="Calibri" pitchFamily="34" charset="0"/>
               </a:rPr>
-              <a:t>()</a:t>
+              <a:t>( id )</a:t>
             </a:r>
           </a:p>
           <a:p>
             <a:pPr lvl="0"/>
-            <a:r>
-              <a:rPr lang="en-CA" sz="1400" dirty="0" smtClean="0">
-                <a:solidFill>
-                  <a:srgbClr val="FFFF00"/>
-                </a:solidFill>
-                <a:latin typeface="Calibri" pitchFamily="34" charset="0"/>
-              </a:rPr>
-              <a:t>{</a:t>
-            </a:r>
-          </a:p>
-          <a:p>
-            <a:pPr lvl="0"/>
-            <a:r>
-              <a:rPr lang="en-CA" sz="1400" dirty="0" smtClean="0">
-                <a:solidFill>
-                  <a:srgbClr val="FFFF00"/>
-                </a:solidFill>
-                <a:latin typeface="Calibri" pitchFamily="34" charset="0"/>
-              </a:rPr>
-              <a:t>     </a:t>
-            </a:r>
-            <a:r>
-              <a:rPr lang="en-CA" sz="1400" dirty="0" err="1" smtClean="0">
-                <a:solidFill>
-                  <a:srgbClr val="FFFF00"/>
-                </a:solidFill>
-                <a:latin typeface="Calibri" pitchFamily="34" charset="0"/>
-              </a:rPr>
-              <a:t>MMessage</a:t>
-            </a:r>
-            <a:r>
-              <a:rPr lang="en-CA" sz="1400" dirty="0" smtClean="0">
-                <a:solidFill>
-                  <a:srgbClr val="FFFF00"/>
-                </a:solidFill>
-                <a:latin typeface="Calibri" pitchFamily="34" charset="0"/>
-              </a:rPr>
-              <a:t>::</a:t>
-            </a:r>
-            <a:r>
-              <a:rPr lang="en-CA" sz="1400" dirty="0" err="1" smtClean="0">
-                <a:solidFill>
-                  <a:srgbClr val="FFFF00"/>
-                </a:solidFill>
-                <a:latin typeface="Calibri" pitchFamily="34" charset="0"/>
-              </a:rPr>
-              <a:t>removeCallback</a:t>
-            </a:r>
-            <a:r>
-              <a:rPr lang="en-CA" sz="1400" dirty="0" smtClean="0">
-                <a:solidFill>
-                  <a:srgbClr val="FFFF00"/>
-                </a:solidFill>
-                <a:latin typeface="Calibri" pitchFamily="34" charset="0"/>
-              </a:rPr>
-              <a:t>( id );</a:t>
-            </a:r>
-          </a:p>
-          <a:p>
-            <a:pPr lvl="0"/>
-            <a:r>
-              <a:rPr lang="en-CA" sz="1400" dirty="0" smtClean="0">
-                <a:solidFill>
-                  <a:srgbClr val="FFFF00"/>
-                </a:solidFill>
-                <a:latin typeface="Calibri" pitchFamily="34" charset="0"/>
-              </a:rPr>
-              <a:t>}</a:t>
-            </a:r>
             <a:endParaRPr lang="en-US" sz="1400" dirty="0" smtClean="0">
               <a:solidFill>
                 <a:srgbClr val="FFFF00"/>
@@ -23171,7 +22423,7 @@
                 </a:solidFill>
                 <a:latin typeface="Arial"/>
               </a:rPr>
-              <a:t>MSceneMessage</a:t>
+              <a:t>OpenMaya.MSceneMessage.addCallback</a:t>
             </a:r>
             <a:r>
               <a:rPr lang="en-US" sz="1600" kern="0" dirty="0" smtClean="0">
@@ -23180,7 +22432,7 @@
                 </a:solidFill>
                 <a:latin typeface="Arial"/>
               </a:rPr>
-              <a:t>::</a:t>
+              <a:t> ( </a:t>
             </a:r>
             <a:r>
               <a:rPr lang="en-US" sz="1600" kern="0" dirty="0" err="1" smtClean="0">
@@ -23189,7 +22441,7 @@
                 </a:solidFill>
                 <a:latin typeface="Arial"/>
               </a:rPr>
-              <a:t>addCallback</a:t>
+              <a:t>OpenMaya.MSceneMessage</a:t>
             </a:r>
             <a:r>
               <a:rPr lang="en-US" sz="1600" kern="0" dirty="0" smtClean="0">
@@ -23198,7 +22450,32 @@
                 </a:solidFill>
                 <a:latin typeface="Arial"/>
               </a:rPr>
-              <a:t> ( </a:t>
+              <a:t>, </a:t>
+            </a:r>
+            <a:r>
+              <a:rPr lang="en-US" sz="1600" dirty="0" err="1" smtClean="0">
+                <a:solidFill>
+                  <a:schemeClr val="bg1"/>
+                </a:solidFill>
+              </a:rPr>
+              <a:t>Mmessage_MBasicFunction</a:t>
+            </a:r>
+            <a:r>
+              <a:rPr lang="en-US" sz="1600" dirty="0" smtClean="0">
+                <a:solidFill>
+                  <a:schemeClr val="bg1"/>
+                </a:solidFill>
+              </a:rPr>
+              <a:t> ,</a:t>
+            </a:r>
+            <a:r>
+              <a:rPr lang="en-US" sz="1600" kern="0" dirty="0" smtClean="0">
+                <a:solidFill>
+                  <a:schemeClr val="bg1"/>
+                </a:solidFill>
+                <a:latin typeface="Arial"/>
+              </a:rPr>
+              <a:t> </a:t>
             </a:r>
             <a:r>
               <a:rPr lang="en-US" sz="1600" kern="0" dirty="0" err="1" smtClean="0">
@@ -23207,7 +22484,7 @@
                 </a:solidFill>
                 <a:latin typeface="Arial"/>
               </a:rPr>
-              <a:t>MSceneMessage</a:t>
+              <a:t>clientData</a:t>
             </a:r>
             <a:r>
               <a:rPr lang="en-US" sz="1600" kern="0" dirty="0" smtClean="0">
@@ -23216,127 +22493,7 @@
                 </a:solidFill>
                 <a:latin typeface="Arial"/>
               </a:rPr>
-              <a:t>::Message </a:t>
-            </a:r>
-            <a:r>
-              <a:rPr lang="en-US" sz="1600" kern="0" dirty="0" err="1" smtClean="0">
-                <a:solidFill>
-                  <a:schemeClr val="bg1"/>
-                </a:solidFill>
-                <a:latin typeface="Arial"/>
-              </a:rPr>
-              <a:t>msg,</a:t>
-            </a:r>
-            <a:r>
-              <a:rPr lang="en-US" sz="1600" dirty="0" err="1" smtClean="0">
-                <a:solidFill>
-                  <a:schemeClr val="bg1"/>
-                </a:solidFill>
-              </a:rPr>
-              <a:t>MMessage</a:t>
-            </a:r>
-            <a:r>
-              <a:rPr lang="en-US" sz="1600" dirty="0" smtClean="0">
-                <a:solidFill>
-                  <a:schemeClr val="bg1"/>
-                </a:solidFill>
-              </a:rPr>
-              <a:t>::</a:t>
-            </a:r>
-            <a:r>
-              <a:rPr lang="en-US" sz="1600" dirty="0" err="1" smtClean="0">
-                <a:solidFill>
-                  <a:schemeClr val="bg1"/>
-                </a:solidFill>
-              </a:rPr>
-              <a:t>MBasicFunction</a:t>
-            </a:r>
-            <a:r>
-              <a:rPr lang="en-US" sz="1600" dirty="0" smtClean="0">
-                <a:solidFill>
-                  <a:schemeClr val="bg1"/>
-                </a:solidFill>
-              </a:rPr>
-              <a:t> </a:t>
-            </a:r>
-            <a:r>
-              <a:rPr lang="en-US" sz="1600" dirty="0" err="1" smtClean="0">
-                <a:solidFill>
-                  <a:schemeClr val="bg1"/>
-                </a:solidFill>
-              </a:rPr>
-              <a:t>func</a:t>
-            </a:r>
-            <a:r>
-              <a:rPr lang="en-US" sz="1600" dirty="0" smtClean="0">
-                <a:solidFill>
-                  <a:schemeClr val="bg1"/>
-                </a:solidFill>
-              </a:rPr>
-              <a:t>,</a:t>
-            </a:r>
-            <a:r>
-              <a:rPr lang="en-US" sz="1600" kern="0" dirty="0" smtClean="0">
-                <a:solidFill>
-                  <a:schemeClr val="bg1"/>
-                </a:solidFill>
-                <a:latin typeface="Arial"/>
-              </a:rPr>
-              <a:t> void * </a:t>
-            </a:r>
-            <a:r>
-              <a:rPr lang="en-US" sz="1600" kern="0" dirty="0" err="1" smtClean="0">
-                <a:solidFill>
-                  <a:schemeClr val="bg1"/>
-                </a:solidFill>
-                <a:latin typeface="Arial"/>
-              </a:rPr>
-              <a:t>clientData</a:t>
-            </a:r>
-            <a:r>
-              <a:rPr lang="en-US" sz="1600" kern="0" dirty="0" smtClean="0">
-                <a:solidFill>
-                  <a:schemeClr val="bg1"/>
-                </a:solidFill>
-                <a:latin typeface="Arial"/>
-              </a:rPr>
-              <a:t> = NULL, </a:t>
-            </a:r>
-            <a:r>
-              <a:rPr lang="en-US" sz="1600" kern="0" dirty="0" err="1" smtClean="0">
-                <a:solidFill>
-                  <a:schemeClr val="bg1"/>
-                </a:solidFill>
-                <a:latin typeface="Arial"/>
-              </a:rPr>
-              <a:t>MStatus</a:t>
-            </a:r>
-            <a:r>
-              <a:rPr lang="en-US" sz="1600" kern="0" dirty="0" smtClean="0">
-                <a:solidFill>
-                  <a:schemeClr val="bg1"/>
-                </a:solidFill>
-                <a:latin typeface="Arial"/>
-              </a:rPr>
-              <a:t> * </a:t>
-            </a:r>
-            <a:r>
-              <a:rPr lang="en-US" sz="1600" kern="0" dirty="0" err="1" smtClean="0">
-                <a:solidFill>
-                  <a:schemeClr val="bg1"/>
-                </a:solidFill>
-                <a:latin typeface="Arial"/>
-              </a:rPr>
-              <a:t>ReturnStatus</a:t>
-            </a:r>
-            <a:r>
-              <a:rPr lang="en-US" sz="1600" kern="0" dirty="0" smtClean="0">
-                <a:solidFill>
-                  <a:schemeClr val="bg1"/>
-                </a:solidFill>
-                <a:latin typeface="Arial"/>
-              </a:rPr>
-              <a:t> = NULL   )</a:t>
+              <a:t> )</a:t>
             </a:r>
           </a:p>
         </p:txBody>

--- a/06_MiscTools/06_MiscTools.pptx
+++ b/06_MiscTools/06_MiscTools.pptx
@@ -140,7 +140,7 @@
   </p:defaultTextStyle>
   <p:extLst>
     <p:ext uri="{EFAFB233-063F-42B5-8137-9DF3F51BA10A}">
-      <p15:sldGuideLst xmlns:p15="http://schemas.microsoft.com/office/powerpoint/2012/main">
+      <p15:sldGuideLst xmlns:p15="http://schemas.microsoft.com/office/powerpoint/2012/main" xmlns="">
         <p15:guide id="1" orient="horz" pos="2160">
           <p15:clr>
             <a:srgbClr val="A4A3A4"/>
@@ -339,7 +339,7 @@
             <a:fld id="{1D8BD707-D9CF-40AE-B4C6-C98DA3205C09}" type="datetimeFigureOut">
               <a:rPr lang="en-US" smtClean="0"/>
               <a:pPr/>
-              <a:t>3/18/2013</a:t>
+              <a:t>9/12/2013</a:t>
             </a:fld>
             <a:endParaRPr lang="en-US"/>
           </a:p>
@@ -506,7 +506,7 @@
             <a:fld id="{1D8BD707-D9CF-40AE-B4C6-C98DA3205C09}" type="datetimeFigureOut">
               <a:rPr lang="en-US" smtClean="0"/>
               <a:pPr/>
-              <a:t>3/18/2013</a:t>
+              <a:t>9/12/2013</a:t>
             </a:fld>
             <a:endParaRPr lang="en-US"/>
           </a:p>
@@ -683,7 +683,7 @@
             <a:fld id="{1D8BD707-D9CF-40AE-B4C6-C98DA3205C09}" type="datetimeFigureOut">
               <a:rPr lang="en-US" smtClean="0"/>
               <a:pPr/>
-              <a:t>3/18/2013</a:t>
+              <a:t>9/12/2013</a:t>
             </a:fld>
             <a:endParaRPr lang="en-US"/>
           </a:p>
@@ -850,7 +850,7 @@
             <a:fld id="{1D8BD707-D9CF-40AE-B4C6-C98DA3205C09}" type="datetimeFigureOut">
               <a:rPr lang="en-US" smtClean="0"/>
               <a:pPr/>
-              <a:t>3/18/2013</a:t>
+              <a:t>9/12/2013</a:t>
             </a:fld>
             <a:endParaRPr lang="en-US"/>
           </a:p>
@@ -1093,7 +1093,7 @@
             <a:fld id="{1D8BD707-D9CF-40AE-B4C6-C98DA3205C09}" type="datetimeFigureOut">
               <a:rPr lang="en-US" smtClean="0"/>
               <a:pPr/>
-              <a:t>3/18/2013</a:t>
+              <a:t>9/12/2013</a:t>
             </a:fld>
             <a:endParaRPr lang="en-US"/>
           </a:p>
@@ -1378,7 +1378,7 @@
             <a:fld id="{1D8BD707-D9CF-40AE-B4C6-C98DA3205C09}" type="datetimeFigureOut">
               <a:rPr lang="en-US" smtClean="0"/>
               <a:pPr/>
-              <a:t>3/18/2013</a:t>
+              <a:t>9/12/2013</a:t>
             </a:fld>
             <a:endParaRPr lang="en-US"/>
           </a:p>
@@ -1797,7 +1797,7 @@
             <a:fld id="{1D8BD707-D9CF-40AE-B4C6-C98DA3205C09}" type="datetimeFigureOut">
               <a:rPr lang="en-US" smtClean="0"/>
               <a:pPr/>
-              <a:t>3/18/2013</a:t>
+              <a:t>9/12/2013</a:t>
             </a:fld>
             <a:endParaRPr lang="en-US"/>
           </a:p>
@@ -1912,7 +1912,7 @@
             <a:fld id="{1D8BD707-D9CF-40AE-B4C6-C98DA3205C09}" type="datetimeFigureOut">
               <a:rPr lang="en-US" smtClean="0"/>
               <a:pPr/>
-              <a:t>3/18/2013</a:t>
+              <a:t>9/12/2013</a:t>
             </a:fld>
             <a:endParaRPr lang="en-US"/>
           </a:p>
@@ -2004,7 +2004,7 @@
             <a:fld id="{1D8BD707-D9CF-40AE-B4C6-C98DA3205C09}" type="datetimeFigureOut">
               <a:rPr lang="en-US" smtClean="0"/>
               <a:pPr/>
-              <a:t>3/18/2013</a:t>
+              <a:t>9/12/2013</a:t>
             </a:fld>
             <a:endParaRPr lang="en-US"/>
           </a:p>
@@ -2278,7 +2278,7 @@
             <a:fld id="{1D8BD707-D9CF-40AE-B4C6-C98DA3205C09}" type="datetimeFigureOut">
               <a:rPr lang="en-US" smtClean="0"/>
               <a:pPr/>
-              <a:t>3/18/2013</a:t>
+              <a:t>9/12/2013</a:t>
             </a:fld>
             <a:endParaRPr lang="en-US"/>
           </a:p>
@@ -2528,7 +2528,7 @@
             <a:fld id="{1D8BD707-D9CF-40AE-B4C6-C98DA3205C09}" type="datetimeFigureOut">
               <a:rPr lang="en-US" smtClean="0"/>
               <a:pPr/>
-              <a:t>3/18/2013</a:t>
+              <a:t>9/12/2013</a:t>
             </a:fld>
             <a:endParaRPr lang="en-US"/>
           </a:p>
@@ -2738,7 +2738,7 @@
             <a:fld id="{1D8BD707-D9CF-40AE-B4C6-C98DA3205C09}" type="datetimeFigureOut">
               <a:rPr lang="en-US" smtClean="0"/>
               <a:pPr/>
-              <a:t>3/18/2013</a:t>
+              <a:t>9/12/2013</a:t>
             </a:fld>
             <a:endParaRPr lang="en-US"/>
           </a:p>
@@ -5762,8 +5762,8 @@
         </p:nvSpPr>
         <p:spPr>
           <a:xfrm>
-            <a:off x="4724400" y="1401573"/>
-            <a:ext cx="1857375" cy="427227"/>
+            <a:off x="2667000" y="1704086"/>
+            <a:ext cx="2390775" cy="427227"/>
           </a:xfrm>
           <a:custGeom>
             <a:avLst/>
@@ -5905,7 +5905,7 @@
         </p:nvSpPr>
         <p:spPr>
           <a:xfrm>
-            <a:off x="3414712" y="3458846"/>
+            <a:off x="2971800" y="3458846"/>
             <a:ext cx="866775" cy="427354"/>
           </a:xfrm>
           <a:custGeom>
@@ -6056,9 +6056,9 @@
           </a:stretch>
         </p:blipFill>
         <p:spPr bwMode="auto">
-          <a:xfrm>
-            <a:off x="1930400" y="1917700"/>
-            <a:ext cx="457200" cy="1447800"/>
+          <a:xfrm rot="19604851">
+            <a:off x="2070936" y="1544722"/>
+            <a:ext cx="457200" cy="2208732"/>
           </a:xfrm>
           <a:prstGeom prst="rect">
             <a:avLst/>
@@ -6083,8 +6083,8 @@
         </p:blipFill>
         <p:spPr bwMode="auto">
           <a:xfrm>
-            <a:off x="5765800" y="1663700"/>
-            <a:ext cx="279400" cy="863600"/>
+            <a:off x="4749800" y="2108200"/>
+            <a:ext cx="279400" cy="540888"/>
           </a:xfrm>
           <a:prstGeom prst="rect">
             <a:avLst/>
@@ -6243,7 +6243,7 @@
         <p:spPr>
           <a:xfrm>
             <a:off x="317500" y="673100"/>
-            <a:ext cx="8305800" cy="4775200"/>
+            <a:ext cx="8393644" cy="4829527"/>
           </a:xfrm>
           <a:prstGeom prst="rect">
             <a:avLst/>
@@ -6328,24 +6328,31 @@
               </a:tabLst>
             </a:pPr>
             <a:r>
+              <a:rPr lang="en-US" altLang="zh-CN" sz="1596" dirty="0" err="1" smtClean="0">
+                <a:solidFill>
+                  <a:srgbClr val="FFFFFF"/>
+                </a:solidFill>
+                <a:latin typeface="Times New Roman" pitchFamily="18" charset="0"/>
+                <a:cs typeface="Times New Roman" pitchFamily="18" charset="0"/>
+              </a:rPr>
+              <a:t>OpenMaya.MCallbackId</a:t>
+            </a:r>
+            <a:r>
               <a:rPr lang="en-US" altLang="zh-CN" sz="1596" dirty="0" smtClean="0">
-                <a:solidFill>
-                  <a:srgbClr val="FFFFFF"/>
-                </a:solidFill>
-                <a:latin typeface="Times New Roman" pitchFamily="18" charset="0"/>
-                <a:cs typeface="Times New Roman" pitchFamily="18" charset="0"/>
-              </a:rPr>
-              <a:t>OpenMaya.MCallbackId</a:t>
+                <a:latin typeface="Times New Roman" pitchFamily="18" charset="0"/>
+                <a:cs typeface="Times New Roman" pitchFamily="18" charset="0"/>
+              </a:rPr>
+              <a:t> </a:t>
             </a:r>
             <a:r>
               <a:rPr lang="en-US" altLang="zh-CN" sz="1596" dirty="0" smtClean="0">
                 <a:latin typeface="Times New Roman" pitchFamily="18" charset="0"/>
                 <a:cs typeface="Times New Roman" pitchFamily="18" charset="0"/>
               </a:rPr>
-              <a:t> </a:t>
-            </a:r>
-            <a:r>
-              <a:rPr lang="en-US" altLang="zh-CN" sz="1596" dirty="0" smtClean="0">
+              <a:t>  </a:t>
+            </a:r>
+            <a:r>
+              <a:rPr lang="en-US" altLang="zh-CN" sz="1596" dirty="0" err="1" smtClean="0">
                 <a:solidFill>
                   <a:srgbClr val="FFFFFF"/>
                 </a:solidFill>
@@ -6390,7 +6397,27 @@
                 <a:latin typeface="Times New Roman" pitchFamily="18" charset="0"/>
                 <a:cs typeface="Times New Roman" pitchFamily="18" charset="0"/>
               </a:rPr>
-              <a:t>OpenMaya.MSceneMessage,</a:t>
+              <a:t>                                               </a:t>
+            </a:r>
+            <a:r>
+              <a:rPr lang="en-US" altLang="zh-CN" sz="1596" dirty="0" err="1" smtClean="0">
+                <a:solidFill>
+                  <a:srgbClr val="FFFFFF"/>
+                </a:solidFill>
+                <a:latin typeface="Times New Roman" pitchFamily="18" charset="0"/>
+                <a:cs typeface="Times New Roman" pitchFamily="18" charset="0"/>
+              </a:rPr>
+              <a:t>OpenMaya.MSceneMessage</a:t>
+            </a:r>
+            <a:r>
+              <a:rPr lang="en-US" altLang="zh-CN" sz="1596" dirty="0" smtClean="0">
+                <a:solidFill>
+                  <a:srgbClr val="FFFFFF"/>
+                </a:solidFill>
+                <a:latin typeface="Times New Roman" pitchFamily="18" charset="0"/>
+                <a:cs typeface="Times New Roman" pitchFamily="18" charset="0"/>
+              </a:rPr>
+              <a:t>,</a:t>
             </a:r>
             <a:r>
               <a:rPr lang="en-US" altLang="zh-CN" sz="1596" dirty="0" smtClean="0">
@@ -6560,11 +6587,7 @@
               </a:tabLst>
             </a:pPr>
             <a:r>
-              <a:rPr lang="en-US" altLang="zh-CN" dirty="0" smtClean="0"/>
-              <a:t>	</a:t>
-            </a:r>
-            <a:r>
-              <a:rPr lang="en-US" altLang="zh-CN" sz="1596" dirty="0" smtClean="0">
+              <a:rPr lang="en-US" altLang="zh-CN" sz="1596" dirty="0" err="1" smtClean="0">
                 <a:solidFill>
                   <a:srgbClr val="FFFF00"/>
                 </a:solidFill>
@@ -6893,7 +6916,7 @@
               <a:t> </a:t>
             </a:r>
             <a:r>
-              <a:rPr lang="en-US" altLang="zh-CN" sz="1802" dirty="0" smtClean="0">
+              <a:rPr lang="en-US" altLang="zh-CN" sz="1802" smtClean="0">
                 <a:solidFill>
                   <a:srgbClr val="FFFFFF"/>
                 </a:solidFill>
@@ -6903,24 +6926,24 @@
               <a:t>by</a:t>
             </a:r>
             <a:r>
-              <a:rPr lang="en-US" altLang="zh-CN" sz="1802" dirty="0" smtClean="0">
-                <a:latin typeface="Times New Roman" pitchFamily="18" charset="0"/>
-                <a:cs typeface="Times New Roman" pitchFamily="18" charset="0"/>
-              </a:rPr>
-              <a:t> </a:t>
-            </a:r>
-            <a:r>
-              <a:rPr lang="en-US" altLang="zh-CN" sz="1802" dirty="0" smtClean="0">
-                <a:solidFill>
-                  <a:srgbClr val="FFFFFF"/>
-                </a:solidFill>
-                <a:latin typeface="Times New Roman" pitchFamily="18" charset="0"/>
-                <a:cs typeface="Times New Roman" pitchFamily="18" charset="0"/>
-              </a:rPr>
-              <a:t>return</a:t>
-            </a:r>
-            <a:r>
-              <a:rPr lang="en-US" altLang="zh-CN" sz="1802" dirty="0" smtClean="0">
+              <a:rPr lang="en-US" altLang="zh-CN" sz="1802" smtClean="0">
+                <a:latin typeface="Times New Roman" pitchFamily="18" charset="0"/>
+                <a:cs typeface="Times New Roman" pitchFamily="18" charset="0"/>
+              </a:rPr>
+              <a:t> </a:t>
+            </a:r>
+            <a:r>
+              <a:rPr lang="en-US" altLang="zh-CN" sz="1802" smtClean="0">
+                <a:solidFill>
+                  <a:srgbClr val="FFFFFF"/>
+                </a:solidFill>
+                <a:latin typeface="Times New Roman" pitchFamily="18" charset="0"/>
+                <a:cs typeface="Times New Roman" pitchFamily="18" charset="0"/>
+              </a:rPr>
+              <a:t>returning</a:t>
+            </a:r>
+            <a:r>
+              <a:rPr lang="en-US" altLang="zh-CN" sz="1802" smtClean="0">
                 <a:latin typeface="Times New Roman" pitchFamily="18" charset="0"/>
                 <a:cs typeface="Times New Roman" pitchFamily="18" charset="0"/>
               </a:rPr>
@@ -37536,7 +37559,7 @@
         <p:spPr>
           <a:xfrm>
             <a:off x="317500" y="685800"/>
-            <a:ext cx="7975600" cy="4838700"/>
+            <a:ext cx="7325723" cy="4867999"/>
           </a:xfrm>
           <a:prstGeom prst="rect">
             <a:avLst/>
@@ -37639,24 +37662,24 @@
                 <a:latin typeface="Times New Roman" pitchFamily="18" charset="0"/>
                 <a:cs typeface="Times New Roman" pitchFamily="18" charset="0"/>
               </a:rPr>
-              <a:t>create</a:t>
-            </a:r>
-            <a:r>
-              <a:rPr lang="en-US" altLang="zh-CN" sz="2400" dirty="0" smtClean="0">
-                <a:latin typeface="Times New Roman" pitchFamily="18" charset="0"/>
-                <a:cs typeface="Times New Roman" pitchFamily="18" charset="0"/>
-              </a:rPr>
-              <a:t> </a:t>
-            </a:r>
-            <a:r>
-              <a:rPr lang="en-US" altLang="zh-CN" sz="2400" dirty="0" smtClean="0">
-                <a:solidFill>
-                  <a:srgbClr val="FFFFFF"/>
-                </a:solidFill>
-                <a:latin typeface="Times New Roman" pitchFamily="18" charset="0"/>
-                <a:cs typeface="Times New Roman" pitchFamily="18" charset="0"/>
-              </a:rPr>
-              <a:t>remove,</a:t>
+              <a:t>create,</a:t>
+            </a:r>
+            <a:r>
+              <a:rPr lang="en-US" altLang="zh-CN" sz="2400" dirty="0" smtClean="0">
+                <a:latin typeface="Times New Roman" pitchFamily="18" charset="0"/>
+                <a:cs typeface="Times New Roman" pitchFamily="18" charset="0"/>
+              </a:rPr>
+              <a:t> </a:t>
+            </a:r>
+            <a:r>
+              <a:rPr lang="en-US" altLang="zh-CN" sz="2400" dirty="0" smtClean="0">
+                <a:solidFill>
+                  <a:srgbClr val="FFFFFF"/>
+                </a:solidFill>
+                <a:latin typeface="Times New Roman" pitchFamily="18" charset="0"/>
+                <a:cs typeface="Times New Roman" pitchFamily="18" charset="0"/>
+              </a:rPr>
+              <a:t>remove</a:t>
             </a:r>
             <a:r>
               <a:rPr lang="en-US" altLang="zh-CN" sz="2400" dirty="0" smtClean="0">
@@ -38098,24 +38121,17 @@
                 <a:latin typeface="Times New Roman" pitchFamily="18" charset="0"/>
                 <a:cs typeface="Times New Roman" pitchFamily="18" charset="0"/>
               </a:rPr>
-              <a:t>your</a:t>
-            </a:r>
-            <a:r>
-              <a:rPr lang="en-US" altLang="zh-CN" sz="2400" dirty="0" smtClean="0">
-                <a:latin typeface="Times New Roman" pitchFamily="18" charset="0"/>
-                <a:cs typeface="Times New Roman" pitchFamily="18" charset="0"/>
-              </a:rPr>
-              <a:t> </a:t>
-            </a:r>
-            <a:r>
-              <a:rPr lang="en-US" altLang="zh-CN" sz="2400" dirty="0" smtClean="0">
-                <a:solidFill>
-                  <a:srgbClr val="FFFFFF"/>
-                </a:solidFill>
-                <a:latin typeface="Times New Roman" pitchFamily="18" charset="0"/>
-                <a:cs typeface="Times New Roman" pitchFamily="18" charset="0"/>
-              </a:rPr>
-              <a:t>self.</a:t>
+              <a:t>yourself</a:t>
+            </a:r>
+            <a:r>
+              <a:rPr lang="en-US" altLang="zh-CN" sz="2400" dirty="0" smtClean="0">
+                <a:solidFill>
+                  <a:srgbClr val="FFFFFF"/>
+                </a:solidFill>
+                <a:latin typeface="Times New Roman" pitchFamily="18" charset="0"/>
+                <a:cs typeface="Times New Roman" pitchFamily="18" charset="0"/>
+              </a:rPr>
+              <a:t>.</a:t>
             </a:r>
           </a:p>
           <a:p>
